--- a/Python/Midterm/GithubClassroom.pptx
+++ b/Python/Midterm/GithubClassroom.pptx
@@ -115,6 +115,11 @@
       </a:defRPr>
     </a:lvl9pPr>
   </p:defaultTextStyle>
+  <p:extLst>
+    <p:ext uri="{EFAFB233-063F-42B5-8137-9DF3F51BA10A}">
+      <p15:sldGuideLst xmlns:p15="http://schemas.microsoft.com/office/powerpoint/2012/main"/>
+    </p:ext>
+  </p:extLst>
 </p:presentation>
 </file>
 
@@ -826,6 +831,153 @@
             <ac:picMk id="5" creationId="{AAAA85FB-6472-4846-A6CC-391F8E2229A9}"/>
           </ac:picMkLst>
         </pc:picChg>
+      </pc:sldChg>
+    </pc:docChg>
+  </pc:docChgLst>
+  <pc:docChgLst>
+    <pc:chgData name="延齡 楊" userId="3b99287881d56c4f" providerId="LiveId" clId="{FF71280B-C172-584C-A50B-003634D220AE}"/>
+    <pc:docChg chg="undo custSel modSld">
+      <pc:chgData name="延齡 楊" userId="3b99287881d56c4f" providerId="LiveId" clId="{FF71280B-C172-584C-A50B-003634D220AE}" dt="2020-07-12T07:26:53.633" v="84"/>
+      <pc:docMkLst>
+        <pc:docMk/>
+      </pc:docMkLst>
+      <pc:sldChg chg="modSp mod">
+        <pc:chgData name="延齡 楊" userId="3b99287881d56c4f" providerId="LiveId" clId="{FF71280B-C172-584C-A50B-003634D220AE}" dt="2020-07-12T07:26:15.831" v="82" actId="1036"/>
+        <pc:sldMkLst>
+          <pc:docMk/>
+          <pc:sldMk cId="2268541624" sldId="256"/>
+        </pc:sldMkLst>
+        <pc:spChg chg="mod">
+          <ac:chgData name="延齡 楊" userId="3b99287881d56c4f" providerId="LiveId" clId="{FF71280B-C172-584C-A50B-003634D220AE}" dt="2020-07-12T07:26:15.831" v="82" actId="1036"/>
+          <ac:spMkLst>
+            <pc:docMk/>
+            <pc:sldMk cId="2268541624" sldId="256"/>
+            <ac:spMk id="6" creationId="{0D139BF1-842F-4448-968F-C0C3B168B5B9}"/>
+          </ac:spMkLst>
+        </pc:spChg>
+        <pc:cxnChg chg="mod">
+          <ac:chgData name="延齡 楊" userId="3b99287881d56c4f" providerId="LiveId" clId="{FF71280B-C172-584C-A50B-003634D220AE}" dt="2020-07-12T07:26:15.831" v="82" actId="1036"/>
+          <ac:cxnSpMkLst>
+            <pc:docMk/>
+            <pc:sldMk cId="2268541624" sldId="256"/>
+            <ac:cxnSpMk id="8" creationId="{3A9827B1-49BA-45F9-98C4-2A947C8A2B63}"/>
+          </ac:cxnSpMkLst>
+        </pc:cxnChg>
+      </pc:sldChg>
+      <pc:sldChg chg="addSp delSp modSp mod">
+        <pc:chgData name="延齡 楊" userId="3b99287881d56c4f" providerId="LiveId" clId="{FF71280B-C172-584C-A50B-003634D220AE}" dt="2020-07-12T07:22:20.689" v="44" actId="1076"/>
+        <pc:sldMkLst>
+          <pc:docMk/>
+          <pc:sldMk cId="288966535" sldId="260"/>
+        </pc:sldMkLst>
+        <pc:spChg chg="add del mod">
+          <ac:chgData name="延齡 楊" userId="3b99287881d56c4f" providerId="LiveId" clId="{FF71280B-C172-584C-A50B-003634D220AE}" dt="2020-07-12T07:21:47.313" v="17" actId="478"/>
+          <ac:spMkLst>
+            <pc:docMk/>
+            <pc:sldMk cId="288966535" sldId="260"/>
+            <ac:spMk id="2" creationId="{55839E79-A86E-B343-A5E8-DC0D0DDEDA2A}"/>
+          </ac:spMkLst>
+        </pc:spChg>
+        <pc:spChg chg="add mod">
+          <ac:chgData name="延齡 楊" userId="3b99287881d56c4f" providerId="LiveId" clId="{FF71280B-C172-584C-A50B-003634D220AE}" dt="2020-07-12T07:22:20.689" v="44" actId="1076"/>
+          <ac:spMkLst>
+            <pc:docMk/>
+            <pc:sldMk cId="288966535" sldId="260"/>
+            <ac:spMk id="7" creationId="{A60371BA-3E01-6947-985D-71258E5FCA94}"/>
+          </ac:spMkLst>
+        </pc:spChg>
+      </pc:sldChg>
+      <pc:sldChg chg="addSp delSp modSp mod">
+        <pc:chgData name="延齡 楊" userId="3b99287881d56c4f" providerId="LiveId" clId="{FF71280B-C172-584C-A50B-003634D220AE}" dt="2020-07-12T07:25:59.344" v="80" actId="115"/>
+        <pc:sldMkLst>
+          <pc:docMk/>
+          <pc:sldMk cId="3043335378" sldId="261"/>
+        </pc:sldMkLst>
+        <pc:spChg chg="add del mod">
+          <ac:chgData name="延齡 楊" userId="3b99287881d56c4f" providerId="LiveId" clId="{FF71280B-C172-584C-A50B-003634D220AE}" dt="2020-07-12T07:22:52.408" v="48"/>
+          <ac:spMkLst>
+            <pc:docMk/>
+            <pc:sldMk cId="3043335378" sldId="261"/>
+            <ac:spMk id="5" creationId="{9241308B-6944-C54A-BC4B-51A49138E9E2}"/>
+          </ac:spMkLst>
+        </pc:spChg>
+        <pc:spChg chg="mod">
+          <ac:chgData name="延齡 楊" userId="3b99287881d56c4f" providerId="LiveId" clId="{FF71280B-C172-584C-A50B-003634D220AE}" dt="2020-07-12T07:25:59.344" v="80" actId="115"/>
+          <ac:spMkLst>
+            <pc:docMk/>
+            <pc:sldMk cId="3043335378" sldId="261"/>
+            <ac:spMk id="9" creationId="{F1B3BDD2-938B-4E7D-A544-4E16DC308B46}"/>
+          </ac:spMkLst>
+        </pc:spChg>
+      </pc:sldChg>
+      <pc:sldChg chg="addSp delSp modSp mod modAnim">
+        <pc:chgData name="延齡 楊" userId="3b99287881d56c4f" providerId="LiveId" clId="{FF71280B-C172-584C-A50B-003634D220AE}" dt="2020-07-12T07:25:32.665" v="78"/>
+        <pc:sldMkLst>
+          <pc:docMk/>
+          <pc:sldMk cId="3070214883" sldId="262"/>
+        </pc:sldMkLst>
+        <pc:spChg chg="mod">
+          <ac:chgData name="延齡 楊" userId="3b99287881d56c4f" providerId="LiveId" clId="{FF71280B-C172-584C-A50B-003634D220AE}" dt="2020-07-12T07:23:19.745" v="54" actId="1076"/>
+          <ac:spMkLst>
+            <pc:docMk/>
+            <pc:sldMk cId="3070214883" sldId="262"/>
+            <ac:spMk id="14" creationId="{C88C9239-17B8-4CE1-AD9E-DC2CD4BE6AB1}"/>
+          </ac:spMkLst>
+        </pc:spChg>
+        <pc:spChg chg="mod">
+          <ac:chgData name="延齡 楊" userId="3b99287881d56c4f" providerId="LiveId" clId="{FF71280B-C172-584C-A50B-003634D220AE}" dt="2020-07-12T07:23:27.699" v="58" actId="1076"/>
+          <ac:spMkLst>
+            <pc:docMk/>
+            <pc:sldMk cId="3070214883" sldId="262"/>
+            <ac:spMk id="15" creationId="{53CC3363-6341-41FB-85B1-DC587AD4546E}"/>
+          </ac:spMkLst>
+        </pc:spChg>
+        <pc:spChg chg="mod">
+          <ac:chgData name="延齡 楊" userId="3b99287881d56c4f" providerId="LiveId" clId="{FF71280B-C172-584C-A50B-003634D220AE}" dt="2020-07-12T07:23:33.676" v="61" actId="1076"/>
+          <ac:spMkLst>
+            <pc:docMk/>
+            <pc:sldMk cId="3070214883" sldId="262"/>
+            <ac:spMk id="16" creationId="{67854A03-FBFF-498D-82CB-52BBEE36C61A}"/>
+          </ac:spMkLst>
+        </pc:spChg>
+        <pc:spChg chg="add mod">
+          <ac:chgData name="延齡 楊" userId="3b99287881d56c4f" providerId="LiveId" clId="{FF71280B-C172-584C-A50B-003634D220AE}" dt="2020-07-12T07:23:05.205" v="51" actId="14100"/>
+          <ac:spMkLst>
+            <pc:docMk/>
+            <pc:sldMk cId="3070214883" sldId="262"/>
+            <ac:spMk id="18" creationId="{05412132-2FF1-774A-B310-DBB166D6E00D}"/>
+          </ac:spMkLst>
+        </pc:spChg>
+        <pc:picChg chg="add del mod">
+          <ac:chgData name="延齡 楊" userId="3b99287881d56c4f" providerId="LiveId" clId="{FF71280B-C172-584C-A50B-003634D220AE}" dt="2020-07-12T07:22:46.504" v="46"/>
+          <ac:picMkLst>
+            <pc:docMk/>
+            <pc:sldMk cId="3070214883" sldId="262"/>
+            <ac:picMk id="11" creationId="{8427B41B-4310-F548-937C-1B647C6618F2}"/>
+          </ac:picMkLst>
+        </pc:picChg>
+      </pc:sldChg>
+      <pc:sldChg chg="modSp mod">
+        <pc:chgData name="延齡 楊" userId="3b99287881d56c4f" providerId="LiveId" clId="{FF71280B-C172-584C-A50B-003634D220AE}" dt="2020-07-12T07:24:48.606" v="75" actId="20577"/>
+        <pc:sldMkLst>
+          <pc:docMk/>
+          <pc:sldMk cId="3596642274" sldId="264"/>
+        </pc:sldMkLst>
+        <pc:spChg chg="mod">
+          <ac:chgData name="延齡 楊" userId="3b99287881d56c4f" providerId="LiveId" clId="{FF71280B-C172-584C-A50B-003634D220AE}" dt="2020-07-12T07:24:48.606" v="75" actId="20577"/>
+          <ac:spMkLst>
+            <pc:docMk/>
+            <pc:sldMk cId="3596642274" sldId="264"/>
+            <ac:spMk id="6" creationId="{1F70EB18-BA2E-414C-9D5D-3AF1FD5E7E75}"/>
+          </ac:spMkLst>
+        </pc:spChg>
+      </pc:sldChg>
+      <pc:sldChg chg="modAnim">
+        <pc:chgData name="延齡 楊" userId="3b99287881d56c4f" providerId="LiveId" clId="{FF71280B-C172-584C-A50B-003634D220AE}" dt="2020-07-12T07:26:53.633" v="84"/>
+        <pc:sldMkLst>
+          <pc:docMk/>
+          <pc:sldMk cId="3245963645" sldId="266"/>
+        </pc:sldMkLst>
       </pc:sldChg>
     </pc:docChg>
   </pc:docChgLst>
@@ -4587,6 +4739,240 @@
   <p:clrMapOvr>
     <a:masterClrMapping/>
   </p:clrMapOvr>
+  <p:timing>
+    <p:tnLst>
+      <p:par>
+        <p:cTn id="1" dur="indefinite" restart="never" nodeType="tmRoot">
+          <p:childTnLst>
+            <p:seq concurrent="1" nextAc="seek">
+              <p:cTn id="2" dur="indefinite" nodeType="mainSeq">
+                <p:childTnLst>
+                  <p:par>
+                    <p:cTn id="3" fill="hold">
+                      <p:stCondLst>
+                        <p:cond delay="indefinite"/>
+                      </p:stCondLst>
+                      <p:childTnLst>
+                        <p:par>
+                          <p:cTn id="4" fill="hold">
+                            <p:stCondLst>
+                              <p:cond delay="0"/>
+                            </p:stCondLst>
+                            <p:childTnLst>
+                              <p:par>
+                                <p:cTn id="5" presetID="1" presetClass="entr" presetSubtype="0" fill="hold" grpId="0" nodeType="clickEffect">
+                                  <p:stCondLst>
+                                    <p:cond delay="0"/>
+                                  </p:stCondLst>
+                                  <p:childTnLst>
+                                    <p:set>
+                                      <p:cBhvr>
+                                        <p:cTn id="6" dur="1" fill="hold">
+                                          <p:stCondLst>
+                                            <p:cond delay="0"/>
+                                          </p:stCondLst>
+                                        </p:cTn>
+                                        <p:tgtEl>
+                                          <p:spTgt spid="8"/>
+                                        </p:tgtEl>
+                                        <p:attrNameLst>
+                                          <p:attrName>style.visibility</p:attrName>
+                                        </p:attrNameLst>
+                                      </p:cBhvr>
+                                      <p:to>
+                                        <p:strVal val="visible"/>
+                                      </p:to>
+                                    </p:set>
+                                  </p:childTnLst>
+                                </p:cTn>
+                              </p:par>
+                              <p:par>
+                                <p:cTn id="7" presetID="1" presetClass="entr" presetSubtype="0" fill="hold" nodeType="withEffect">
+                                  <p:stCondLst>
+                                    <p:cond delay="0"/>
+                                  </p:stCondLst>
+                                  <p:childTnLst>
+                                    <p:set>
+                                      <p:cBhvr>
+                                        <p:cTn id="8" dur="1" fill="hold">
+                                          <p:stCondLst>
+                                            <p:cond delay="0"/>
+                                          </p:stCondLst>
+                                        </p:cTn>
+                                        <p:tgtEl>
+                                          <p:spTgt spid="7"/>
+                                        </p:tgtEl>
+                                        <p:attrNameLst>
+                                          <p:attrName>style.visibility</p:attrName>
+                                        </p:attrNameLst>
+                                      </p:cBhvr>
+                                      <p:to>
+                                        <p:strVal val="visible"/>
+                                      </p:to>
+                                    </p:set>
+                                  </p:childTnLst>
+                                </p:cTn>
+                              </p:par>
+                              <p:par>
+                                <p:cTn id="9" presetID="1" presetClass="entr" presetSubtype="0" fill="hold" grpId="0" nodeType="withEffect">
+                                  <p:stCondLst>
+                                    <p:cond delay="0"/>
+                                  </p:stCondLst>
+                                  <p:childTnLst>
+                                    <p:set>
+                                      <p:cBhvr>
+                                        <p:cTn id="10" dur="1" fill="hold">
+                                          <p:stCondLst>
+                                            <p:cond delay="0"/>
+                                          </p:stCondLst>
+                                        </p:cTn>
+                                        <p:tgtEl>
+                                          <p:spTgt spid="12"/>
+                                        </p:tgtEl>
+                                        <p:attrNameLst>
+                                          <p:attrName>style.visibility</p:attrName>
+                                        </p:attrNameLst>
+                                      </p:cBhvr>
+                                      <p:to>
+                                        <p:strVal val="visible"/>
+                                      </p:to>
+                                    </p:set>
+                                  </p:childTnLst>
+                                </p:cTn>
+                              </p:par>
+                            </p:childTnLst>
+                          </p:cTn>
+                        </p:par>
+                      </p:childTnLst>
+                    </p:cTn>
+                  </p:par>
+                  <p:par>
+                    <p:cTn id="11" fill="hold">
+                      <p:stCondLst>
+                        <p:cond delay="indefinite"/>
+                      </p:stCondLst>
+                      <p:childTnLst>
+                        <p:par>
+                          <p:cTn id="12" fill="hold">
+                            <p:stCondLst>
+                              <p:cond delay="0"/>
+                            </p:stCondLst>
+                            <p:childTnLst>
+                              <p:par>
+                                <p:cTn id="13" presetID="1" presetClass="entr" presetSubtype="0" fill="hold" nodeType="clickEffect">
+                                  <p:stCondLst>
+                                    <p:cond delay="0"/>
+                                  </p:stCondLst>
+                                  <p:childTnLst>
+                                    <p:set>
+                                      <p:cBhvr>
+                                        <p:cTn id="14" dur="1" fill="hold">
+                                          <p:stCondLst>
+                                            <p:cond delay="0"/>
+                                          </p:stCondLst>
+                                        </p:cTn>
+                                        <p:tgtEl>
+                                          <p:spTgt spid="10"/>
+                                        </p:tgtEl>
+                                        <p:attrNameLst>
+                                          <p:attrName>style.visibility</p:attrName>
+                                        </p:attrNameLst>
+                                      </p:cBhvr>
+                                      <p:to>
+                                        <p:strVal val="visible"/>
+                                      </p:to>
+                                    </p:set>
+                                  </p:childTnLst>
+                                </p:cTn>
+                              </p:par>
+                              <p:par>
+                                <p:cTn id="15" presetID="1" presetClass="entr" presetSubtype="0" fill="hold" grpId="0" nodeType="withEffect">
+                                  <p:stCondLst>
+                                    <p:cond delay="0"/>
+                                  </p:stCondLst>
+                                  <p:childTnLst>
+                                    <p:set>
+                                      <p:cBhvr>
+                                        <p:cTn id="16" dur="1" fill="hold">
+                                          <p:stCondLst>
+                                            <p:cond delay="0"/>
+                                          </p:stCondLst>
+                                        </p:cTn>
+                                        <p:tgtEl>
+                                          <p:spTgt spid="11"/>
+                                        </p:tgtEl>
+                                        <p:attrNameLst>
+                                          <p:attrName>style.visibility</p:attrName>
+                                        </p:attrNameLst>
+                                      </p:cBhvr>
+                                      <p:to>
+                                        <p:strVal val="visible"/>
+                                      </p:to>
+                                    </p:set>
+                                  </p:childTnLst>
+                                </p:cTn>
+                              </p:par>
+                              <p:par>
+                                <p:cTn id="17" presetID="1" presetClass="entr" presetSubtype="0" fill="hold" grpId="0" nodeType="withEffect">
+                                  <p:stCondLst>
+                                    <p:cond delay="0"/>
+                                  </p:stCondLst>
+                                  <p:childTnLst>
+                                    <p:set>
+                                      <p:cBhvr>
+                                        <p:cTn id="18" dur="1" fill="hold">
+                                          <p:stCondLst>
+                                            <p:cond delay="0"/>
+                                          </p:stCondLst>
+                                        </p:cTn>
+                                        <p:tgtEl>
+                                          <p:spTgt spid="13"/>
+                                        </p:tgtEl>
+                                        <p:attrNameLst>
+                                          <p:attrName>style.visibility</p:attrName>
+                                        </p:attrNameLst>
+                                      </p:cBhvr>
+                                      <p:to>
+                                        <p:strVal val="visible"/>
+                                      </p:to>
+                                    </p:set>
+                                  </p:childTnLst>
+                                </p:cTn>
+                              </p:par>
+                            </p:childTnLst>
+                          </p:cTn>
+                        </p:par>
+                      </p:childTnLst>
+                    </p:cTn>
+                  </p:par>
+                </p:childTnLst>
+              </p:cTn>
+              <p:prevCondLst>
+                <p:cond evt="onPrev" delay="0">
+                  <p:tgtEl>
+                    <p:sldTgt/>
+                  </p:tgtEl>
+                </p:cond>
+              </p:prevCondLst>
+              <p:nextCondLst>
+                <p:cond evt="onNext" delay="0">
+                  <p:tgtEl>
+                    <p:sldTgt/>
+                  </p:tgtEl>
+                </p:cond>
+              </p:nextCondLst>
+            </p:seq>
+          </p:childTnLst>
+        </p:cTn>
+      </p:par>
+    </p:tnLst>
+    <p:bldLst>
+      <p:bldP spid="8" grpId="0" animBg="1"/>
+      <p:bldP spid="11" grpId="0" animBg="1"/>
+      <p:bldP spid="12" grpId="0"/>
+      <p:bldP spid="13" grpId="0"/>
+    </p:bldLst>
+  </p:timing>
 </p:sld>
 </file>
 
@@ -4935,7 +5321,7 @@
         </p:nvSpPr>
         <p:spPr>
           <a:xfrm>
-            <a:off x="3276760" y="6014086"/>
+            <a:off x="3276760" y="6034634"/>
             <a:ext cx="2175340" cy="479858"/>
           </a:xfrm>
           <a:prstGeom prst="rect">
@@ -4990,7 +5376,7 @@
         </p:nvCxnSpPr>
         <p:spPr>
           <a:xfrm>
-            <a:off x="2511043" y="6254015"/>
+            <a:off x="2511043" y="6274563"/>
             <a:ext cx="765717" cy="0"/>
           </a:xfrm>
           <a:prstGeom prst="straightConnector1">
@@ -5459,7 +5845,7 @@
                   <a:srgbClr val="FF0000"/>
                 </a:solidFill>
               </a:rPr>
-              <a:t>或者回到上一頁重新在登入一次</a:t>
+              <a:t>或者回到上一頁重新再登入一次</a:t>
             </a:r>
           </a:p>
         </p:txBody>
@@ -5583,6 +5969,45 @@
           </a:p>
         </p:txBody>
       </p:sp>
+      <p:sp>
+        <p:nvSpPr>
+          <p:cNvPr id="7" name="文字方塊 6">
+            <a:extLst>
+              <a:ext uri="{FF2B5EF4-FFF2-40B4-BE49-F238E27FC236}">
+                <a16:creationId xmlns:a16="http://schemas.microsoft.com/office/drawing/2014/main" id="{A60371BA-3E01-6947-985D-71258E5FCA94}"/>
+              </a:ext>
+            </a:extLst>
+          </p:cNvPr>
+          <p:cNvSpPr txBox="1"/>
+          <p:nvPr/>
+        </p:nvSpPr>
+        <p:spPr>
+          <a:xfrm>
+            <a:off x="1179443" y="808383"/>
+            <a:ext cx="2236510" cy="584775"/>
+          </a:xfrm>
+          <a:prstGeom prst="rect">
+            <a:avLst/>
+          </a:prstGeom>
+          <a:noFill/>
+        </p:spPr>
+        <p:txBody>
+          <a:bodyPr wrap="none" rtlCol="0">
+            <a:spAutoFit/>
+          </a:bodyPr>
+          <a:lstStyle/>
+          <a:p>
+            <a:r>
+              <a:rPr lang="zh-TW" altLang="en-US" sz="3200" dirty="0">
+                <a:solidFill>
+                  <a:srgbClr val="FF0000"/>
+                </a:solidFill>
+              </a:rPr>
+              <a:t>新增程式檔</a:t>
+            </a:r>
+          </a:p>
+        </p:txBody>
+      </p:sp>
     </p:spTree>
     <p:extLst>
       <p:ext uri="{BB962C8B-B14F-4D97-AF65-F5344CB8AC3E}">
@@ -6141,8 +6566,8 @@
         </p:nvSpPr>
         <p:spPr>
           <a:xfrm>
-            <a:off x="2286000" y="794028"/>
-            <a:ext cx="2236510" cy="584775"/>
+            <a:off x="2409290" y="794028"/>
+            <a:ext cx="2549096" cy="584775"/>
           </a:xfrm>
           <a:prstGeom prst="rect">
             <a:avLst/>
@@ -6156,6 +6581,14 @@
           <a:lstStyle/>
           <a:p>
             <a:r>
+              <a:rPr lang="en-US" altLang="zh-TW" sz="3200" dirty="0">
+                <a:solidFill>
+                  <a:srgbClr val="FF0000"/>
+                </a:solidFill>
+              </a:rPr>
+              <a:t>1.</a:t>
+            </a:r>
+            <a:r>
               <a:rPr lang="zh-TW" altLang="en-US" sz="3200" dirty="0">
                 <a:solidFill>
                   <a:srgbClr val="FF0000"/>
@@ -6180,8 +6613,8 @@
         </p:nvSpPr>
         <p:spPr>
           <a:xfrm>
-            <a:off x="6282555" y="3955196"/>
-            <a:ext cx="1005403" cy="584775"/>
+            <a:off x="5944200" y="3955196"/>
+            <a:ext cx="1317990" cy="584775"/>
           </a:xfrm>
           <a:prstGeom prst="rect">
             <a:avLst/>
@@ -6195,6 +6628,14 @@
           <a:lstStyle/>
           <a:p>
             <a:r>
+              <a:rPr lang="en-US" altLang="zh-TW" sz="3200" dirty="0">
+                <a:solidFill>
+                  <a:srgbClr val="FF0000"/>
+                </a:solidFill>
+              </a:rPr>
+              <a:t>2.</a:t>
+            </a:r>
+            <a:r>
               <a:rPr lang="zh-TW" altLang="en-US" sz="3200" dirty="0">
                 <a:solidFill>
                   <a:srgbClr val="FF0000"/>
@@ -6219,8 +6660,8 @@
         </p:nvSpPr>
         <p:spPr>
           <a:xfrm>
-            <a:off x="5051448" y="6273225"/>
-            <a:ext cx="2236510" cy="584775"/>
+            <a:off x="4821452" y="6273225"/>
+            <a:ext cx="2549096" cy="584775"/>
           </a:xfrm>
           <a:prstGeom prst="rect">
             <a:avLst/>
@@ -6233,6 +6674,14 @@
           </a:bodyPr>
           <a:lstStyle/>
           <a:p>
+            <a:r>
+              <a:rPr lang="en-US" altLang="zh-TW" sz="3200" dirty="0">
+                <a:solidFill>
+                  <a:srgbClr val="FF0000"/>
+                </a:solidFill>
+              </a:rPr>
+              <a:t>3.</a:t>
+            </a:r>
             <a:r>
               <a:rPr lang="zh-TW" altLang="en-US" sz="3200" dirty="0">
                 <a:solidFill>
@@ -6362,6 +6811,59 @@
           </a:p>
         </p:txBody>
       </p:sp>
+      <p:sp>
+        <p:nvSpPr>
+          <p:cNvPr id="18" name="矩形 17">
+            <a:extLst>
+              <a:ext uri="{FF2B5EF4-FFF2-40B4-BE49-F238E27FC236}">
+                <a16:creationId xmlns:a16="http://schemas.microsoft.com/office/drawing/2014/main" id="{05412132-2FF1-774A-B310-DBB166D6E00D}"/>
+              </a:ext>
+            </a:extLst>
+          </p:cNvPr>
+          <p:cNvSpPr/>
+          <p:nvPr/>
+        </p:nvSpPr>
+        <p:spPr>
+          <a:xfrm>
+            <a:off x="2133599" y="344855"/>
+            <a:ext cx="5006939" cy="2010436"/>
+          </a:xfrm>
+          <a:prstGeom prst="rect">
+            <a:avLst/>
+          </a:prstGeom>
+          <a:noFill/>
+          <a:ln w="38100">
+            <a:solidFill>
+              <a:srgbClr val="FF0000"/>
+            </a:solidFill>
+            <a:prstDash val="sysDash"/>
+          </a:ln>
+        </p:spPr>
+        <p:style>
+          <a:lnRef idx="2">
+            <a:schemeClr val="accent1">
+              <a:shade val="50000"/>
+            </a:schemeClr>
+          </a:lnRef>
+          <a:fillRef idx="1">
+            <a:schemeClr val="accent1"/>
+          </a:fillRef>
+          <a:effectRef idx="0">
+            <a:schemeClr val="accent1"/>
+          </a:effectRef>
+          <a:fontRef idx="minor">
+            <a:schemeClr val="lt1"/>
+          </a:fontRef>
+        </p:style>
+        <p:txBody>
+          <a:bodyPr rtlCol="0" anchor="ctr"/>
+          <a:lstStyle/>
+          <a:p>
+            <a:pPr algn="ctr"/>
+            <a:endParaRPr lang="zh-TW" altLang="en-US"/>
+          </a:p>
+        </p:txBody>
+      </p:sp>
     </p:spTree>
     <p:extLst>
       <p:ext uri="{BB962C8B-B14F-4D97-AF65-F5344CB8AC3E}">
@@ -6372,6 +6874,341 @@
   <p:clrMapOvr>
     <a:masterClrMapping/>
   </p:clrMapOvr>
+  <p:timing>
+    <p:tnLst>
+      <p:par>
+        <p:cTn id="1" dur="indefinite" restart="never" nodeType="tmRoot">
+          <p:childTnLst>
+            <p:seq concurrent="1" nextAc="seek">
+              <p:cTn id="2" dur="indefinite" nodeType="mainSeq">
+                <p:childTnLst>
+                  <p:par>
+                    <p:cTn id="3" fill="hold">
+                      <p:stCondLst>
+                        <p:cond delay="indefinite"/>
+                      </p:stCondLst>
+                      <p:childTnLst>
+                        <p:par>
+                          <p:cTn id="4" fill="hold">
+                            <p:stCondLst>
+                              <p:cond delay="0"/>
+                            </p:stCondLst>
+                            <p:childTnLst>
+                              <p:par>
+                                <p:cTn id="5" presetID="1" presetClass="entr" presetSubtype="0" fill="hold" nodeType="clickEffect">
+                                  <p:stCondLst>
+                                    <p:cond delay="0"/>
+                                  </p:stCondLst>
+                                  <p:childTnLst>
+                                    <p:set>
+                                      <p:cBhvr>
+                                        <p:cTn id="6" dur="1" fill="hold">
+                                          <p:stCondLst>
+                                            <p:cond delay="0"/>
+                                          </p:stCondLst>
+                                        </p:cTn>
+                                        <p:tgtEl>
+                                          <p:spTgt spid="5"/>
+                                        </p:tgtEl>
+                                        <p:attrNameLst>
+                                          <p:attrName>style.visibility</p:attrName>
+                                        </p:attrNameLst>
+                                      </p:cBhvr>
+                                      <p:to>
+                                        <p:strVal val="visible"/>
+                                      </p:to>
+                                    </p:set>
+                                  </p:childTnLst>
+                                </p:cTn>
+                              </p:par>
+                              <p:par>
+                                <p:cTn id="7" presetID="1" presetClass="entr" presetSubtype="0" fill="hold" grpId="0" nodeType="withEffect">
+                                  <p:stCondLst>
+                                    <p:cond delay="0"/>
+                                  </p:stCondLst>
+                                  <p:childTnLst>
+                                    <p:set>
+                                      <p:cBhvr>
+                                        <p:cTn id="8" dur="1" fill="hold">
+                                          <p:stCondLst>
+                                            <p:cond delay="0"/>
+                                          </p:stCondLst>
+                                        </p:cTn>
+                                        <p:tgtEl>
+                                          <p:spTgt spid="18"/>
+                                        </p:tgtEl>
+                                        <p:attrNameLst>
+                                          <p:attrName>style.visibility</p:attrName>
+                                        </p:attrNameLst>
+                                      </p:cBhvr>
+                                      <p:to>
+                                        <p:strVal val="visible"/>
+                                      </p:to>
+                                    </p:set>
+                                  </p:childTnLst>
+                                </p:cTn>
+                              </p:par>
+                              <p:par>
+                                <p:cTn id="9" presetID="1" presetClass="entr" presetSubtype="0" fill="hold" grpId="0" nodeType="withEffect">
+                                  <p:stCondLst>
+                                    <p:cond delay="0"/>
+                                  </p:stCondLst>
+                                  <p:childTnLst>
+                                    <p:set>
+                                      <p:cBhvr>
+                                        <p:cTn id="10" dur="1" fill="hold">
+                                          <p:stCondLst>
+                                            <p:cond delay="0"/>
+                                          </p:stCondLst>
+                                        </p:cTn>
+                                        <p:tgtEl>
+                                          <p:spTgt spid="14"/>
+                                        </p:tgtEl>
+                                        <p:attrNameLst>
+                                          <p:attrName>style.visibility</p:attrName>
+                                        </p:attrNameLst>
+                                      </p:cBhvr>
+                                      <p:to>
+                                        <p:strVal val="visible"/>
+                                      </p:to>
+                                    </p:set>
+                                  </p:childTnLst>
+                                </p:cTn>
+                              </p:par>
+                            </p:childTnLst>
+                          </p:cTn>
+                        </p:par>
+                      </p:childTnLst>
+                    </p:cTn>
+                  </p:par>
+                  <p:par>
+                    <p:cTn id="11" fill="hold">
+                      <p:stCondLst>
+                        <p:cond delay="indefinite"/>
+                      </p:stCondLst>
+                      <p:childTnLst>
+                        <p:par>
+                          <p:cTn id="12" fill="hold">
+                            <p:stCondLst>
+                              <p:cond delay="0"/>
+                            </p:stCondLst>
+                            <p:childTnLst>
+                              <p:par>
+                                <p:cTn id="13" presetID="1" presetClass="entr" presetSubtype="0" fill="hold" nodeType="clickEffect">
+                                  <p:stCondLst>
+                                    <p:cond delay="0"/>
+                                  </p:stCondLst>
+                                  <p:childTnLst>
+                                    <p:set>
+                                      <p:cBhvr>
+                                        <p:cTn id="14" dur="1" fill="hold">
+                                          <p:stCondLst>
+                                            <p:cond delay="0"/>
+                                          </p:stCondLst>
+                                        </p:cTn>
+                                        <p:tgtEl>
+                                          <p:spTgt spid="9"/>
+                                        </p:tgtEl>
+                                        <p:attrNameLst>
+                                          <p:attrName>style.visibility</p:attrName>
+                                        </p:attrNameLst>
+                                      </p:cBhvr>
+                                      <p:to>
+                                        <p:strVal val="visible"/>
+                                      </p:to>
+                                    </p:set>
+                                  </p:childTnLst>
+                                </p:cTn>
+                              </p:par>
+                              <p:par>
+                                <p:cTn id="15" presetID="1" presetClass="entr" presetSubtype="0" fill="hold" grpId="0" nodeType="withEffect">
+                                  <p:stCondLst>
+                                    <p:cond delay="0"/>
+                                  </p:stCondLst>
+                                  <p:childTnLst>
+                                    <p:set>
+                                      <p:cBhvr>
+                                        <p:cTn id="16" dur="1" fill="hold">
+                                          <p:stCondLst>
+                                            <p:cond delay="0"/>
+                                          </p:stCondLst>
+                                        </p:cTn>
+                                        <p:tgtEl>
+                                          <p:spTgt spid="15"/>
+                                        </p:tgtEl>
+                                        <p:attrNameLst>
+                                          <p:attrName>style.visibility</p:attrName>
+                                        </p:attrNameLst>
+                                      </p:cBhvr>
+                                      <p:to>
+                                        <p:strVal val="visible"/>
+                                      </p:to>
+                                    </p:set>
+                                  </p:childTnLst>
+                                </p:cTn>
+                              </p:par>
+                              <p:par>
+                                <p:cTn id="17" presetID="1" presetClass="entr" presetSubtype="0" fill="hold" grpId="0" nodeType="withEffect">
+                                  <p:stCondLst>
+                                    <p:cond delay="0"/>
+                                  </p:stCondLst>
+                                  <p:childTnLst>
+                                    <p:set>
+                                      <p:cBhvr>
+                                        <p:cTn id="18" dur="1" fill="hold">
+                                          <p:stCondLst>
+                                            <p:cond delay="0"/>
+                                          </p:stCondLst>
+                                        </p:cTn>
+                                        <p:tgtEl>
+                                          <p:spTgt spid="10"/>
+                                        </p:tgtEl>
+                                        <p:attrNameLst>
+                                          <p:attrName>style.visibility</p:attrName>
+                                        </p:attrNameLst>
+                                      </p:cBhvr>
+                                      <p:to>
+                                        <p:strVal val="visible"/>
+                                      </p:to>
+                                    </p:set>
+                                  </p:childTnLst>
+                                </p:cTn>
+                              </p:par>
+                              <p:par>
+                                <p:cTn id="19" presetID="1" presetClass="entr" presetSubtype="0" fill="hold" grpId="0" nodeType="withEffect">
+                                  <p:stCondLst>
+                                    <p:cond delay="0"/>
+                                  </p:stCondLst>
+                                  <p:childTnLst>
+                                    <p:set>
+                                      <p:cBhvr>
+                                        <p:cTn id="20" dur="1" fill="hold">
+                                          <p:stCondLst>
+                                            <p:cond delay="0"/>
+                                          </p:stCondLst>
+                                        </p:cTn>
+                                        <p:tgtEl>
+                                          <p:spTgt spid="17"/>
+                                        </p:tgtEl>
+                                        <p:attrNameLst>
+                                          <p:attrName>style.visibility</p:attrName>
+                                        </p:attrNameLst>
+                                      </p:cBhvr>
+                                      <p:to>
+                                        <p:strVal val="visible"/>
+                                      </p:to>
+                                    </p:set>
+                                  </p:childTnLst>
+                                </p:cTn>
+                              </p:par>
+                            </p:childTnLst>
+                          </p:cTn>
+                        </p:par>
+                      </p:childTnLst>
+                    </p:cTn>
+                  </p:par>
+                  <p:par>
+                    <p:cTn id="21" fill="hold">
+                      <p:stCondLst>
+                        <p:cond delay="indefinite"/>
+                      </p:stCondLst>
+                      <p:childTnLst>
+                        <p:par>
+                          <p:cTn id="22" fill="hold">
+                            <p:stCondLst>
+                              <p:cond delay="0"/>
+                            </p:stCondLst>
+                            <p:childTnLst>
+                              <p:par>
+                                <p:cTn id="23" presetID="1" presetClass="entr" presetSubtype="0" fill="hold" nodeType="clickEffect">
+                                  <p:stCondLst>
+                                    <p:cond delay="0"/>
+                                  </p:stCondLst>
+                                  <p:childTnLst>
+                                    <p:set>
+                                      <p:cBhvr>
+                                        <p:cTn id="24" dur="1" fill="hold">
+                                          <p:stCondLst>
+                                            <p:cond delay="0"/>
+                                          </p:stCondLst>
+                                        </p:cTn>
+                                        <p:tgtEl>
+                                          <p:spTgt spid="12"/>
+                                        </p:tgtEl>
+                                        <p:attrNameLst>
+                                          <p:attrName>style.visibility</p:attrName>
+                                        </p:attrNameLst>
+                                      </p:cBhvr>
+                                      <p:to>
+                                        <p:strVal val="visible"/>
+                                      </p:to>
+                                    </p:set>
+                                  </p:childTnLst>
+                                </p:cTn>
+                              </p:par>
+                              <p:par>
+                                <p:cTn id="25" presetID="1" presetClass="entr" presetSubtype="0" fill="hold" grpId="0" nodeType="withEffect">
+                                  <p:stCondLst>
+                                    <p:cond delay="0"/>
+                                  </p:stCondLst>
+                                  <p:childTnLst>
+                                    <p:set>
+                                      <p:cBhvr>
+                                        <p:cTn id="26" dur="1" fill="hold">
+                                          <p:stCondLst>
+                                            <p:cond delay="0"/>
+                                          </p:stCondLst>
+                                        </p:cTn>
+                                        <p:tgtEl>
+                                          <p:spTgt spid="16"/>
+                                        </p:tgtEl>
+                                        <p:attrNameLst>
+                                          <p:attrName>style.visibility</p:attrName>
+                                        </p:attrNameLst>
+                                      </p:cBhvr>
+                                      <p:to>
+                                        <p:strVal val="visible"/>
+                                      </p:to>
+                                    </p:set>
+                                  </p:childTnLst>
+                                </p:cTn>
+                              </p:par>
+                            </p:childTnLst>
+                          </p:cTn>
+                        </p:par>
+                      </p:childTnLst>
+                    </p:cTn>
+                  </p:par>
+                </p:childTnLst>
+              </p:cTn>
+              <p:prevCondLst>
+                <p:cond evt="onPrev" delay="0">
+                  <p:tgtEl>
+                    <p:sldTgt/>
+                  </p:tgtEl>
+                </p:cond>
+              </p:prevCondLst>
+              <p:nextCondLst>
+                <p:cond evt="onNext" delay="0">
+                  <p:tgtEl>
+                    <p:sldTgt/>
+                  </p:tgtEl>
+                </p:cond>
+              </p:nextCondLst>
+            </p:seq>
+          </p:childTnLst>
+        </p:cTn>
+      </p:par>
+    </p:tnLst>
+    <p:bldLst>
+      <p:bldP spid="10" grpId="0" animBg="1"/>
+      <p:bldP spid="14" grpId="0"/>
+      <p:bldP spid="15" grpId="0"/>
+      <p:bldP spid="16" grpId="0"/>
+      <p:bldP spid="17" grpId="0"/>
+      <p:bldP spid="18" grpId="0" animBg="1"/>
+    </p:bldLst>
+  </p:timing>
 </p:sld>
 </file>
 

--- a/Python/Midterm/GithubClassroom.pptx
+++ b/Python/Midterm/GithubClassroom.pptx
@@ -6,17 +6,18 @@
   </p:sldMasterIdLst>
   <p:sldIdLst>
     <p:sldId id="259" r:id="rId2"/>
-    <p:sldId id="256" r:id="rId3"/>
-    <p:sldId id="257" r:id="rId4"/>
-    <p:sldId id="258" r:id="rId5"/>
-    <p:sldId id="264" r:id="rId6"/>
-    <p:sldId id="260" r:id="rId7"/>
-    <p:sldId id="261" r:id="rId8"/>
-    <p:sldId id="262" r:id="rId9"/>
-    <p:sldId id="263" r:id="rId10"/>
-    <p:sldId id="265" r:id="rId11"/>
-    <p:sldId id="266" r:id="rId12"/>
-    <p:sldId id="267" r:id="rId13"/>
+    <p:sldId id="268" r:id="rId3"/>
+    <p:sldId id="256" r:id="rId4"/>
+    <p:sldId id="257" r:id="rId5"/>
+    <p:sldId id="258" r:id="rId6"/>
+    <p:sldId id="264" r:id="rId7"/>
+    <p:sldId id="260" r:id="rId8"/>
+    <p:sldId id="261" r:id="rId9"/>
+    <p:sldId id="262" r:id="rId10"/>
+    <p:sldId id="263" r:id="rId11"/>
+    <p:sldId id="265" r:id="rId12"/>
+    <p:sldId id="266" r:id="rId13"/>
+    <p:sldId id="267" r:id="rId14"/>
   </p:sldIdLst>
   <p:sldSz cx="12192000" cy="6858000"/>
   <p:notesSz cx="6858000" cy="9144000"/>
@@ -836,8 +837,8 @@
   </pc:docChgLst>
   <pc:docChgLst>
     <pc:chgData name="延齡 楊" userId="3b99287881d56c4f" providerId="LiveId" clId="{FF71280B-C172-584C-A50B-003634D220AE}"/>
-    <pc:docChg chg="undo custSel modSld">
-      <pc:chgData name="延齡 楊" userId="3b99287881d56c4f" providerId="LiveId" clId="{FF71280B-C172-584C-A50B-003634D220AE}" dt="2020-07-12T07:26:53.633" v="84"/>
+    <pc:docChg chg="undo custSel addSld modSld">
+      <pc:chgData name="延齡 楊" userId="3b99287881d56c4f" providerId="LiveId" clId="{FF71280B-C172-584C-A50B-003634D220AE}" dt="2020-07-12T15:15:50.152" v="210" actId="1076"/>
       <pc:docMkLst>
         <pc:docMk/>
       </pc:docMkLst>
@@ -863,6 +864,29 @@
             <ac:cxnSpMk id="8" creationId="{3A9827B1-49BA-45F9-98C4-2A947C8A2B63}"/>
           </ac:cxnSpMkLst>
         </pc:cxnChg>
+      </pc:sldChg>
+      <pc:sldChg chg="addSp delSp modSp mod">
+        <pc:chgData name="延齡 楊" userId="3b99287881d56c4f" providerId="LiveId" clId="{FF71280B-C172-584C-A50B-003634D220AE}" dt="2020-07-12T15:15:50.152" v="210" actId="1076"/>
+        <pc:sldMkLst>
+          <pc:docMk/>
+          <pc:sldMk cId="526636988" sldId="259"/>
+        </pc:sldMkLst>
+        <pc:spChg chg="add mod">
+          <ac:chgData name="延齡 楊" userId="3b99287881d56c4f" providerId="LiveId" clId="{FF71280B-C172-584C-A50B-003634D220AE}" dt="2020-07-12T15:15:50.152" v="210" actId="1076"/>
+          <ac:spMkLst>
+            <pc:docMk/>
+            <pc:sldMk cId="526636988" sldId="259"/>
+            <ac:spMk id="4" creationId="{2F394985-7A94-FD47-B343-90AE8BCC7445}"/>
+          </ac:spMkLst>
+        </pc:spChg>
+        <pc:spChg chg="del mod">
+          <ac:chgData name="延齡 楊" userId="3b99287881d56c4f" providerId="LiveId" clId="{FF71280B-C172-584C-A50B-003634D220AE}" dt="2020-07-12T15:14:42.998" v="174"/>
+          <ac:spMkLst>
+            <pc:docMk/>
+            <pc:sldMk cId="526636988" sldId="259"/>
+            <ac:spMk id="6" creationId="{5EB9354C-BCD4-4F2F-99DB-3D4B4D186F7F}"/>
+          </ac:spMkLst>
+        </pc:spChg>
       </pc:sldChg>
       <pc:sldChg chg="addSp delSp modSp mod">
         <pc:chgData name="延齡 楊" userId="3b99287881d56c4f" providerId="LiveId" clId="{FF71280B-C172-584C-A50B-003634D220AE}" dt="2020-07-12T07:22:20.689" v="44" actId="1076"/>
@@ -978,6 +1002,29 @@
           <pc:docMk/>
           <pc:sldMk cId="3245963645" sldId="266"/>
         </pc:sldMkLst>
+      </pc:sldChg>
+      <pc:sldChg chg="delSp modSp add mod">
+        <pc:chgData name="延齡 楊" userId="3b99287881d56c4f" providerId="LiveId" clId="{FF71280B-C172-584C-A50B-003634D220AE}" dt="2020-07-12T15:15:06.055" v="181" actId="20577"/>
+        <pc:sldMkLst>
+          <pc:docMk/>
+          <pc:sldMk cId="3936509881" sldId="268"/>
+        </pc:sldMkLst>
+        <pc:spChg chg="mod">
+          <ac:chgData name="延齡 楊" userId="3b99287881d56c4f" providerId="LiveId" clId="{FF71280B-C172-584C-A50B-003634D220AE}" dt="2020-07-12T15:15:06.055" v="181" actId="20577"/>
+          <ac:spMkLst>
+            <pc:docMk/>
+            <pc:sldMk cId="3936509881" sldId="268"/>
+            <ac:spMk id="6" creationId="{5EB9354C-BCD4-4F2F-99DB-3D4B4D186F7F}"/>
+          </ac:spMkLst>
+        </pc:spChg>
+        <pc:spChg chg="del">
+          <ac:chgData name="延齡 楊" userId="3b99287881d56c4f" providerId="LiveId" clId="{FF71280B-C172-584C-A50B-003634D220AE}" dt="2020-07-12T15:13:19.430" v="86" actId="478"/>
+          <ac:spMkLst>
+            <pc:docMk/>
+            <pc:sldMk cId="3936509881" sldId="268"/>
+            <ac:spMk id="7" creationId="{38AC8CFC-2A42-4425-B11A-9894EBD06D4B}"/>
+          </ac:spMkLst>
+        </pc:spChg>
       </pc:sldChg>
     </pc:docChg>
   </pc:docChgLst>
@@ -4200,47 +4247,6 @@
       </p:grpSpPr>
       <p:sp>
         <p:nvSpPr>
-          <p:cNvPr id="6" name="矩形 5">
-            <a:extLst>
-              <a:ext uri="{FF2B5EF4-FFF2-40B4-BE49-F238E27FC236}">
-                <a16:creationId xmlns:a16="http://schemas.microsoft.com/office/drawing/2014/main" id="{5EB9354C-BCD4-4F2F-99DB-3D4B4D186F7F}"/>
-              </a:ext>
-            </a:extLst>
-          </p:cNvPr>
-          <p:cNvSpPr/>
-          <p:nvPr/>
-        </p:nvSpPr>
-        <p:spPr>
-          <a:xfrm>
-            <a:off x="2598792" y="4361432"/>
-            <a:ext cx="6994415" cy="584775"/>
-          </a:xfrm>
-          <a:prstGeom prst="rect">
-            <a:avLst/>
-          </a:prstGeom>
-        </p:spPr>
-        <p:txBody>
-          <a:bodyPr wrap="none">
-            <a:spAutoFit/>
-          </a:bodyPr>
-          <a:lstStyle/>
-          <a:p>
-            <a:r>
-              <a:rPr lang="en-US" altLang="zh-TW" sz="3200" dirty="0">
-                <a:latin typeface="Times New Roman" panose="02020603050405020304" pitchFamily="18" charset="0"/>
-                <a:cs typeface="Times New Roman" panose="02020603050405020304" pitchFamily="18" charset="0"/>
-              </a:rPr>
-              <a:t>https://classroom.github.com/a/GiiZAYzr</a:t>
-            </a:r>
-            <a:endParaRPr lang="zh-TW" altLang="en-US" sz="3200" dirty="0">
-              <a:latin typeface="Times New Roman" panose="02020603050405020304" pitchFamily="18" charset="0"/>
-              <a:cs typeface="Times New Roman" panose="02020603050405020304" pitchFamily="18" charset="0"/>
-            </a:endParaRPr>
-          </a:p>
-        </p:txBody>
-      </p:sp>
-      <p:sp>
-        <p:nvSpPr>
           <p:cNvPr id="7" name="矩形 6">
             <a:extLst>
               <a:ext uri="{FF2B5EF4-FFF2-40B4-BE49-F238E27FC236}">
@@ -4284,6 +4290,48 @@
               <a:latin typeface="Times New Roman" panose="02020603050405020304" pitchFamily="18" charset="0"/>
               <a:cs typeface="Times New Roman" panose="02020603050405020304" pitchFamily="18" charset="0"/>
             </a:endParaRPr>
+          </a:p>
+        </p:txBody>
+      </p:sp>
+      <p:sp>
+        <p:nvSpPr>
+          <p:cNvPr id="4" name="矩形 3">
+            <a:extLst>
+              <a:ext uri="{FF2B5EF4-FFF2-40B4-BE49-F238E27FC236}">
+                <a16:creationId xmlns:a16="http://schemas.microsoft.com/office/drawing/2014/main" id="{2F394985-7A94-FD47-B343-90AE8BCC7445}"/>
+              </a:ext>
+            </a:extLst>
+          </p:cNvPr>
+          <p:cNvSpPr/>
+          <p:nvPr/>
+        </p:nvSpPr>
+        <p:spPr>
+          <a:xfrm>
+            <a:off x="4028766" y="4361432"/>
+            <a:ext cx="4134465" cy="1242391"/>
+          </a:xfrm>
+          <a:prstGeom prst="rect">
+            <a:avLst/>
+          </a:prstGeom>
+        </p:spPr>
+        <p:txBody>
+          <a:bodyPr wrap="none">
+            <a:spAutoFit/>
+          </a:bodyPr>
+          <a:lstStyle/>
+          <a:p>
+            <a:pPr>
+              <a:lnSpc>
+                <a:spcPct val="200000"/>
+              </a:lnSpc>
+            </a:pPr>
+            <a:r>
+              <a:rPr lang="zh-TW" altLang="en-US" sz="4400" dirty="0">
+                <a:latin typeface="Times New Roman" panose="02020603050405020304" pitchFamily="18" charset="0"/>
+                <a:cs typeface="Times New Roman" panose="02020603050405020304" pitchFamily="18" charset="0"/>
+              </a:rPr>
+              <a:t>期中考測驗平台</a:t>
+            </a:r>
           </a:p>
         </p:txBody>
       </p:sp>
@@ -4322,6 +4370,164 @@
           <p:cNvPr id="5" name="圖片 4">
             <a:extLst>
               <a:ext uri="{FF2B5EF4-FFF2-40B4-BE49-F238E27FC236}">
+                <a16:creationId xmlns:a16="http://schemas.microsoft.com/office/drawing/2014/main" id="{CCCE16E5-B41F-48D2-809A-48C71ADC8A74}"/>
+              </a:ext>
+            </a:extLst>
+          </p:cNvPr>
+          <p:cNvPicPr>
+            <a:picLocks noChangeAspect="1"/>
+          </p:cNvPicPr>
+          <p:nvPr/>
+        </p:nvPicPr>
+        <p:blipFill>
+          <a:blip r:embed="rId2">
+            <a:extLst>
+              <a:ext uri="{28A0092B-C50C-407E-A947-70E740481C1C}">
+                <a14:useLocalDpi xmlns:a14="http://schemas.microsoft.com/office/drawing/2010/main" val="0"/>
+              </a:ext>
+            </a:extLst>
+          </a:blip>
+          <a:stretch>
+            <a:fillRect/>
+          </a:stretch>
+        </p:blipFill>
+        <p:spPr>
+          <a:xfrm>
+            <a:off x="0" y="0"/>
+            <a:ext cx="12192000" cy="6857999"/>
+          </a:xfrm>
+          <a:prstGeom prst="rect">
+            <a:avLst/>
+          </a:prstGeom>
+        </p:spPr>
+      </p:pic>
+      <p:sp>
+        <p:nvSpPr>
+          <p:cNvPr id="6" name="矩形 5">
+            <a:extLst>
+              <a:ext uri="{FF2B5EF4-FFF2-40B4-BE49-F238E27FC236}">
+                <a16:creationId xmlns:a16="http://schemas.microsoft.com/office/drawing/2014/main" id="{6EF17705-9A50-4DCB-BE2C-0F0A892CB4C6}"/>
+              </a:ext>
+            </a:extLst>
+          </p:cNvPr>
+          <p:cNvSpPr/>
+          <p:nvPr/>
+        </p:nvSpPr>
+        <p:spPr>
+          <a:xfrm>
+            <a:off x="1" y="1239631"/>
+            <a:ext cx="292100" cy="371061"/>
+          </a:xfrm>
+          <a:prstGeom prst="rect">
+            <a:avLst/>
+          </a:prstGeom>
+          <a:noFill/>
+          <a:ln w="38100">
+            <a:solidFill>
+              <a:srgbClr val="FF0000"/>
+            </a:solidFill>
+            <a:prstDash val="sysDash"/>
+          </a:ln>
+        </p:spPr>
+        <p:style>
+          <a:lnRef idx="2">
+            <a:schemeClr val="accent1">
+              <a:shade val="50000"/>
+            </a:schemeClr>
+          </a:lnRef>
+          <a:fillRef idx="1">
+            <a:schemeClr val="accent1"/>
+          </a:fillRef>
+          <a:effectRef idx="0">
+            <a:schemeClr val="accent1"/>
+          </a:effectRef>
+          <a:fontRef idx="minor">
+            <a:schemeClr val="lt1"/>
+          </a:fontRef>
+        </p:style>
+        <p:txBody>
+          <a:bodyPr rtlCol="0" anchor="ctr"/>
+          <a:lstStyle/>
+          <a:p>
+            <a:pPr algn="ctr"/>
+            <a:endParaRPr lang="zh-TW" altLang="en-US"/>
+          </a:p>
+        </p:txBody>
+      </p:sp>
+      <p:sp>
+        <p:nvSpPr>
+          <p:cNvPr id="7" name="文字方塊 6">
+            <a:extLst>
+              <a:ext uri="{FF2B5EF4-FFF2-40B4-BE49-F238E27FC236}">
+                <a16:creationId xmlns:a16="http://schemas.microsoft.com/office/drawing/2014/main" id="{56D9529F-C991-451C-88C8-4885016154F5}"/>
+              </a:ext>
+            </a:extLst>
+          </p:cNvPr>
+          <p:cNvSpPr txBox="1"/>
+          <p:nvPr/>
+        </p:nvSpPr>
+        <p:spPr>
+          <a:xfrm>
+            <a:off x="-101600" y="1610692"/>
+            <a:ext cx="5109091" cy="584775"/>
+          </a:xfrm>
+          <a:prstGeom prst="rect">
+            <a:avLst/>
+          </a:prstGeom>
+          <a:noFill/>
+        </p:spPr>
+        <p:txBody>
+          <a:bodyPr wrap="none" rtlCol="0">
+            <a:spAutoFit/>
+          </a:bodyPr>
+          <a:lstStyle/>
+          <a:p>
+            <a:r>
+              <a:rPr lang="zh-TW" altLang="en-US" sz="3200" dirty="0">
+                <a:solidFill>
+                  <a:srgbClr val="FFFFFF"/>
+                </a:solidFill>
+              </a:rPr>
+              <a:t>設定背景顏色以及其他功能</a:t>
+            </a:r>
+          </a:p>
+        </p:txBody>
+      </p:sp>
+    </p:spTree>
+    <p:extLst>
+      <p:ext uri="{BB962C8B-B14F-4D97-AF65-F5344CB8AC3E}">
+        <p14:creationId xmlns:p14="http://schemas.microsoft.com/office/powerpoint/2010/main" val="2617088901"/>
+      </p:ext>
+    </p:extLst>
+  </p:cSld>
+  <p:clrMapOvr>
+    <a:masterClrMapping/>
+  </p:clrMapOvr>
+</p:sld>
+</file>
+
+<file path=ppt/slides/slide11.xml><?xml version="1.0" encoding="utf-8"?>
+<p:sld xmlns:a="http://schemas.openxmlformats.org/drawingml/2006/main" xmlns:r="http://schemas.openxmlformats.org/officeDocument/2006/relationships" xmlns:p="http://schemas.openxmlformats.org/presentationml/2006/main">
+  <p:cSld>
+    <p:spTree>
+      <p:nvGrpSpPr>
+        <p:cNvPr id="1" name=""/>
+        <p:cNvGrpSpPr/>
+        <p:nvPr/>
+      </p:nvGrpSpPr>
+      <p:grpSpPr>
+        <a:xfrm>
+          <a:off x="0" y="0"/>
+          <a:ext cx="0" cy="0"/>
+          <a:chOff x="0" y="0"/>
+          <a:chExt cx="0" cy="0"/>
+        </a:xfrm>
+      </p:grpSpPr>
+      <p:pic>
+        <p:nvPicPr>
+          <p:cNvPr id="5" name="圖片 4">
+            <a:extLst>
+              <a:ext uri="{FF2B5EF4-FFF2-40B4-BE49-F238E27FC236}">
                 <a16:creationId xmlns:a16="http://schemas.microsoft.com/office/drawing/2014/main" id="{4056FCB5-4771-41A4-83D9-1FA510F26CAF}"/>
               </a:ext>
             </a:extLst>
@@ -4458,7 +4664,7 @@
 </p:sld>
 </file>
 
-<file path=ppt/slides/slide11.xml><?xml version="1.0" encoding="utf-8"?>
+<file path=ppt/slides/slide12.xml><?xml version="1.0" encoding="utf-8"?>
 <p:sld xmlns:a="http://schemas.openxmlformats.org/drawingml/2006/main" xmlns:r="http://schemas.openxmlformats.org/officeDocument/2006/relationships" xmlns:p="http://schemas.openxmlformats.org/presentationml/2006/main">
   <p:cSld>
     <p:spTree>
@@ -4976,7 +5182,7 @@
 </p:sld>
 </file>
 
-<file path=ppt/slides/slide12.xml><?xml version="1.0" encoding="utf-8"?>
+<file path=ppt/slides/slide13.xml><?xml version="1.0" encoding="utf-8"?>
 <p:sld xmlns:a="http://schemas.openxmlformats.org/drawingml/2006/main" xmlns:r="http://schemas.openxmlformats.org/officeDocument/2006/relationships" xmlns:p="http://schemas.openxmlformats.org/presentationml/2006/main">
   <p:cSld>
     <p:spTree>
@@ -5256,6 +5462,177 @@
 </file>
 
 <file path=ppt/slides/slide2.xml><?xml version="1.0" encoding="utf-8"?>
+<p:sld xmlns:a="http://schemas.openxmlformats.org/drawingml/2006/main" xmlns:r="http://schemas.openxmlformats.org/officeDocument/2006/relationships" xmlns:p="http://schemas.openxmlformats.org/presentationml/2006/main">
+  <p:cSld>
+    <p:spTree>
+      <p:nvGrpSpPr>
+        <p:cNvPr id="1" name=""/>
+        <p:cNvGrpSpPr/>
+        <p:nvPr/>
+      </p:nvGrpSpPr>
+      <p:grpSpPr>
+        <a:xfrm>
+          <a:off x="0" y="0"/>
+          <a:ext cx="0" cy="0"/>
+          <a:chOff x="0" y="0"/>
+          <a:chExt cx="0" cy="0"/>
+        </a:xfrm>
+      </p:grpSpPr>
+      <p:sp>
+        <p:nvSpPr>
+          <p:cNvPr id="6" name="矩形 5">
+            <a:extLst>
+              <a:ext uri="{FF2B5EF4-FFF2-40B4-BE49-F238E27FC236}">
+                <a16:creationId xmlns:a16="http://schemas.microsoft.com/office/drawing/2014/main" id="{5EB9354C-BCD4-4F2F-99DB-3D4B4D186F7F}"/>
+              </a:ext>
+            </a:extLst>
+          </p:cNvPr>
+          <p:cNvSpPr/>
+          <p:nvPr/>
+        </p:nvSpPr>
+        <p:spPr>
+          <a:xfrm>
+            <a:off x="818209" y="1453587"/>
+            <a:ext cx="10555582" cy="3950825"/>
+          </a:xfrm>
+          <a:prstGeom prst="rect">
+            <a:avLst/>
+          </a:prstGeom>
+        </p:spPr>
+        <p:txBody>
+          <a:bodyPr wrap="none">
+            <a:spAutoFit/>
+          </a:bodyPr>
+          <a:lstStyle/>
+          <a:p>
+            <a:pPr>
+              <a:lnSpc>
+                <a:spcPct val="200000"/>
+              </a:lnSpc>
+            </a:pPr>
+            <a:r>
+              <a:rPr lang="en-US" altLang="zh-TW" sz="4400" dirty="0">
+                <a:latin typeface="Times New Roman" panose="02020603050405020304" pitchFamily="18" charset="0"/>
+                <a:cs typeface="Times New Roman" panose="02020603050405020304" pitchFamily="18" charset="0"/>
+              </a:rPr>
+              <a:t>1.</a:t>
+            </a:r>
+            <a:r>
+              <a:rPr lang="zh-TW" altLang="en-US" sz="4400" dirty="0">
+                <a:latin typeface="Times New Roman" panose="02020603050405020304" pitchFamily="18" charset="0"/>
+                <a:cs typeface="Times New Roman" panose="02020603050405020304" pitchFamily="18" charset="0"/>
+              </a:rPr>
+              <a:t>請同學先申請</a:t>
+            </a:r>
+            <a:r>
+              <a:rPr lang="en-US" altLang="zh-TW" sz="4400" dirty="0" err="1">
+                <a:latin typeface="Times New Roman" panose="02020603050405020304" pitchFamily="18" charset="0"/>
+                <a:cs typeface="Times New Roman" panose="02020603050405020304" pitchFamily="18" charset="0"/>
+              </a:rPr>
+              <a:t>github</a:t>
+            </a:r>
+            <a:r>
+              <a:rPr lang="zh-TW" altLang="en-US" sz="4400" dirty="0">
+                <a:latin typeface="Times New Roman" panose="02020603050405020304" pitchFamily="18" charset="0"/>
+                <a:cs typeface="Times New Roman" panose="02020603050405020304" pitchFamily="18" charset="0"/>
+              </a:rPr>
+              <a:t>帳號</a:t>
+            </a:r>
+            <a:endParaRPr lang="en-US" altLang="zh-TW" sz="4400" dirty="0">
+              <a:latin typeface="Times New Roman" panose="02020603050405020304" pitchFamily="18" charset="0"/>
+              <a:cs typeface="Times New Roman" panose="02020603050405020304" pitchFamily="18" charset="0"/>
+            </a:endParaRPr>
+          </a:p>
+          <a:p>
+            <a:pPr>
+              <a:lnSpc>
+                <a:spcPct val="200000"/>
+              </a:lnSpc>
+            </a:pPr>
+            <a:r>
+              <a:rPr lang="en-US" altLang="zh-TW" sz="4400" dirty="0">
+                <a:latin typeface="Times New Roman" panose="02020603050405020304" pitchFamily="18" charset="0"/>
+                <a:cs typeface="Times New Roman" panose="02020603050405020304" pitchFamily="18" charset="0"/>
+              </a:rPr>
+              <a:t>2.</a:t>
+            </a:r>
+            <a:r>
+              <a:rPr lang="zh-TW" altLang="en-US" sz="4400" dirty="0">
+                <a:latin typeface="Times New Roman" panose="02020603050405020304" pitchFamily="18" charset="0"/>
+                <a:cs typeface="Times New Roman" panose="02020603050405020304" pitchFamily="18" charset="0"/>
+              </a:rPr>
+              <a:t>到</a:t>
+            </a:r>
+            <a:r>
+              <a:rPr lang="en-US" altLang="zh-TW" sz="4400" dirty="0">
+                <a:latin typeface="Times New Roman" panose="02020603050405020304" pitchFamily="18" charset="0"/>
+                <a:cs typeface="Times New Roman" panose="02020603050405020304" pitchFamily="18" charset="0"/>
+              </a:rPr>
+              <a:t>https://</a:t>
+            </a:r>
+            <a:r>
+              <a:rPr lang="en-US" altLang="zh-TW" sz="4400" dirty="0" err="1">
+                <a:latin typeface="Times New Roman" panose="02020603050405020304" pitchFamily="18" charset="0"/>
+                <a:cs typeface="Times New Roman" panose="02020603050405020304" pitchFamily="18" charset="0"/>
+              </a:rPr>
+              <a:t>classroom.github.com</a:t>
+            </a:r>
+            <a:r>
+              <a:rPr lang="en-US" altLang="zh-TW" sz="4400" dirty="0">
+                <a:latin typeface="Times New Roman" panose="02020603050405020304" pitchFamily="18" charset="0"/>
+                <a:cs typeface="Times New Roman" panose="02020603050405020304" pitchFamily="18" charset="0"/>
+              </a:rPr>
+              <a:t>/a/</a:t>
+            </a:r>
+            <a:r>
+              <a:rPr lang="en-US" altLang="zh-TW" sz="4400" dirty="0" err="1">
+                <a:latin typeface="Times New Roman" panose="02020603050405020304" pitchFamily="18" charset="0"/>
+                <a:cs typeface="Times New Roman" panose="02020603050405020304" pitchFamily="18" charset="0"/>
+              </a:rPr>
+              <a:t>GiiZAYzr</a:t>
+            </a:r>
+            <a:endParaRPr lang="zh-TW" altLang="en-US" sz="4400" dirty="0">
+              <a:latin typeface="Times New Roman" panose="02020603050405020304" pitchFamily="18" charset="0"/>
+              <a:cs typeface="Times New Roman" panose="02020603050405020304" pitchFamily="18" charset="0"/>
+            </a:endParaRPr>
+          </a:p>
+          <a:p>
+            <a:pPr>
+              <a:lnSpc>
+                <a:spcPct val="200000"/>
+              </a:lnSpc>
+            </a:pPr>
+            <a:r>
+              <a:rPr lang="en-US" altLang="zh-TW" sz="4400" dirty="0">
+                <a:latin typeface="Times New Roman" panose="02020603050405020304" pitchFamily="18" charset="0"/>
+                <a:cs typeface="Times New Roman" panose="02020603050405020304" pitchFamily="18" charset="0"/>
+              </a:rPr>
+              <a:t>3.</a:t>
+            </a:r>
+            <a:r>
+              <a:rPr lang="zh-TW" altLang="en-US" sz="4400" dirty="0">
+                <a:latin typeface="Times New Roman" panose="02020603050405020304" pitchFamily="18" charset="0"/>
+                <a:cs typeface="Times New Roman" panose="02020603050405020304" pitchFamily="18" charset="0"/>
+              </a:rPr>
+              <a:t>申請授權</a:t>
+            </a:r>
+          </a:p>
+        </p:txBody>
+      </p:sp>
+    </p:spTree>
+    <p:extLst>
+      <p:ext uri="{BB962C8B-B14F-4D97-AF65-F5344CB8AC3E}">
+        <p14:creationId xmlns:p14="http://schemas.microsoft.com/office/powerpoint/2010/main" val="3936509881"/>
+      </p:ext>
+    </p:extLst>
+  </p:cSld>
+  <p:clrMapOvr>
+    <a:masterClrMapping/>
+  </p:clrMapOvr>
+</p:sld>
+</file>
+
+<file path=ppt/slides/slide3.xml><?xml version="1.0" encoding="utf-8"?>
 <p:sld xmlns:a="http://schemas.openxmlformats.org/drawingml/2006/main" xmlns:r="http://schemas.openxmlformats.org/officeDocument/2006/relationships" xmlns:p="http://schemas.openxmlformats.org/presentationml/2006/main">
   <p:cSld>
     <p:spTree>
@@ -5417,7 +5794,7 @@
 </p:sld>
 </file>
 
-<file path=ppt/slides/slide3.xml><?xml version="1.0" encoding="utf-8"?>
+<file path=ppt/slides/slide4.xml><?xml version="1.0" encoding="utf-8"?>
 <p:sld xmlns:a="http://schemas.openxmlformats.org/drawingml/2006/main" xmlns:r="http://schemas.openxmlformats.org/officeDocument/2006/relationships" xmlns:p="http://schemas.openxmlformats.org/presentationml/2006/main">
   <p:cSld>
     <p:spTree>
@@ -5580,7 +5957,7 @@
 </p:sld>
 </file>
 
-<file path=ppt/slides/slide4.xml><?xml version="1.0" encoding="utf-8"?>
+<file path=ppt/slides/slide5.xml><?xml version="1.0" encoding="utf-8"?>
 <p:sld xmlns:a="http://schemas.openxmlformats.org/drawingml/2006/main" xmlns:r="http://schemas.openxmlformats.org/officeDocument/2006/relationships" xmlns:p="http://schemas.openxmlformats.org/presentationml/2006/main">
   <p:cSld>
     <p:spTree>
@@ -5743,7 +6120,7 @@
 </p:sld>
 </file>
 
-<file path=ppt/slides/slide5.xml><?xml version="1.0" encoding="utf-8"?>
+<file path=ppt/slides/slide6.xml><?xml version="1.0" encoding="utf-8"?>
 <p:sld xmlns:a="http://schemas.openxmlformats.org/drawingml/2006/main" xmlns:r="http://schemas.openxmlformats.org/officeDocument/2006/relationships" xmlns:p="http://schemas.openxmlformats.org/presentationml/2006/main">
   <p:cSld>
     <p:spTree>
@@ -5863,7 +6240,7 @@
 </p:sld>
 </file>
 
-<file path=ppt/slides/slide6.xml><?xml version="1.0" encoding="utf-8"?>
+<file path=ppt/slides/slide7.xml><?xml version="1.0" encoding="utf-8"?>
 <p:sld xmlns:a="http://schemas.openxmlformats.org/drawingml/2006/main" xmlns:r="http://schemas.openxmlformats.org/officeDocument/2006/relationships" xmlns:p="http://schemas.openxmlformats.org/presentationml/2006/main">
   <p:cSld>
     <p:spTree>
@@ -6021,7 +6398,7 @@
 </p:sld>
 </file>
 
-<file path=ppt/slides/slide7.xml><?xml version="1.0" encoding="utf-8"?>
+<file path=ppt/slides/slide8.xml><?xml version="1.0" encoding="utf-8"?>
 <p:sld xmlns:a="http://schemas.openxmlformats.org/drawingml/2006/main" xmlns:r="http://schemas.openxmlformats.org/officeDocument/2006/relationships" xmlns:p="http://schemas.openxmlformats.org/presentationml/2006/main">
   <p:cSld>
     <p:spTree>
@@ -6321,7 +6698,7 @@
 </p:sld>
 </file>
 
-<file path=ppt/slides/slide8.xml><?xml version="1.0" encoding="utf-8"?>
+<file path=ppt/slides/slide9.xml><?xml version="1.0" encoding="utf-8"?>
 <p:sld xmlns:a="http://schemas.openxmlformats.org/drawingml/2006/main" xmlns:r="http://schemas.openxmlformats.org/officeDocument/2006/relationships" xmlns:p="http://schemas.openxmlformats.org/presentationml/2006/main">
   <p:cSld>
     <p:spTree>
@@ -7212,164 +7589,6 @@
 </p:sld>
 </file>
 
-<file path=ppt/slides/slide9.xml><?xml version="1.0" encoding="utf-8"?>
-<p:sld xmlns:a="http://schemas.openxmlformats.org/drawingml/2006/main" xmlns:r="http://schemas.openxmlformats.org/officeDocument/2006/relationships" xmlns:p="http://schemas.openxmlformats.org/presentationml/2006/main">
-  <p:cSld>
-    <p:spTree>
-      <p:nvGrpSpPr>
-        <p:cNvPr id="1" name=""/>
-        <p:cNvGrpSpPr/>
-        <p:nvPr/>
-      </p:nvGrpSpPr>
-      <p:grpSpPr>
-        <a:xfrm>
-          <a:off x="0" y="0"/>
-          <a:ext cx="0" cy="0"/>
-          <a:chOff x="0" y="0"/>
-          <a:chExt cx="0" cy="0"/>
-        </a:xfrm>
-      </p:grpSpPr>
-      <p:pic>
-        <p:nvPicPr>
-          <p:cNvPr id="5" name="圖片 4">
-            <a:extLst>
-              <a:ext uri="{FF2B5EF4-FFF2-40B4-BE49-F238E27FC236}">
-                <a16:creationId xmlns:a16="http://schemas.microsoft.com/office/drawing/2014/main" id="{CCCE16E5-B41F-48D2-809A-48C71ADC8A74}"/>
-              </a:ext>
-            </a:extLst>
-          </p:cNvPr>
-          <p:cNvPicPr>
-            <a:picLocks noChangeAspect="1"/>
-          </p:cNvPicPr>
-          <p:nvPr/>
-        </p:nvPicPr>
-        <p:blipFill>
-          <a:blip r:embed="rId2">
-            <a:extLst>
-              <a:ext uri="{28A0092B-C50C-407E-A947-70E740481C1C}">
-                <a14:useLocalDpi xmlns:a14="http://schemas.microsoft.com/office/drawing/2010/main" val="0"/>
-              </a:ext>
-            </a:extLst>
-          </a:blip>
-          <a:stretch>
-            <a:fillRect/>
-          </a:stretch>
-        </p:blipFill>
-        <p:spPr>
-          <a:xfrm>
-            <a:off x="0" y="0"/>
-            <a:ext cx="12192000" cy="6857999"/>
-          </a:xfrm>
-          <a:prstGeom prst="rect">
-            <a:avLst/>
-          </a:prstGeom>
-        </p:spPr>
-      </p:pic>
-      <p:sp>
-        <p:nvSpPr>
-          <p:cNvPr id="6" name="矩形 5">
-            <a:extLst>
-              <a:ext uri="{FF2B5EF4-FFF2-40B4-BE49-F238E27FC236}">
-                <a16:creationId xmlns:a16="http://schemas.microsoft.com/office/drawing/2014/main" id="{6EF17705-9A50-4DCB-BE2C-0F0A892CB4C6}"/>
-              </a:ext>
-            </a:extLst>
-          </p:cNvPr>
-          <p:cNvSpPr/>
-          <p:nvPr/>
-        </p:nvSpPr>
-        <p:spPr>
-          <a:xfrm>
-            <a:off x="1" y="1239631"/>
-            <a:ext cx="292100" cy="371061"/>
-          </a:xfrm>
-          <a:prstGeom prst="rect">
-            <a:avLst/>
-          </a:prstGeom>
-          <a:noFill/>
-          <a:ln w="38100">
-            <a:solidFill>
-              <a:srgbClr val="FF0000"/>
-            </a:solidFill>
-            <a:prstDash val="sysDash"/>
-          </a:ln>
-        </p:spPr>
-        <p:style>
-          <a:lnRef idx="2">
-            <a:schemeClr val="accent1">
-              <a:shade val="50000"/>
-            </a:schemeClr>
-          </a:lnRef>
-          <a:fillRef idx="1">
-            <a:schemeClr val="accent1"/>
-          </a:fillRef>
-          <a:effectRef idx="0">
-            <a:schemeClr val="accent1"/>
-          </a:effectRef>
-          <a:fontRef idx="minor">
-            <a:schemeClr val="lt1"/>
-          </a:fontRef>
-        </p:style>
-        <p:txBody>
-          <a:bodyPr rtlCol="0" anchor="ctr"/>
-          <a:lstStyle/>
-          <a:p>
-            <a:pPr algn="ctr"/>
-            <a:endParaRPr lang="zh-TW" altLang="en-US"/>
-          </a:p>
-        </p:txBody>
-      </p:sp>
-      <p:sp>
-        <p:nvSpPr>
-          <p:cNvPr id="7" name="文字方塊 6">
-            <a:extLst>
-              <a:ext uri="{FF2B5EF4-FFF2-40B4-BE49-F238E27FC236}">
-                <a16:creationId xmlns:a16="http://schemas.microsoft.com/office/drawing/2014/main" id="{56D9529F-C991-451C-88C8-4885016154F5}"/>
-              </a:ext>
-            </a:extLst>
-          </p:cNvPr>
-          <p:cNvSpPr txBox="1"/>
-          <p:nvPr/>
-        </p:nvSpPr>
-        <p:spPr>
-          <a:xfrm>
-            <a:off x="-101600" y="1610692"/>
-            <a:ext cx="5109091" cy="584775"/>
-          </a:xfrm>
-          <a:prstGeom prst="rect">
-            <a:avLst/>
-          </a:prstGeom>
-          <a:noFill/>
-        </p:spPr>
-        <p:txBody>
-          <a:bodyPr wrap="none" rtlCol="0">
-            <a:spAutoFit/>
-          </a:bodyPr>
-          <a:lstStyle/>
-          <a:p>
-            <a:r>
-              <a:rPr lang="zh-TW" altLang="en-US" sz="3200" dirty="0">
-                <a:solidFill>
-                  <a:srgbClr val="FFFFFF"/>
-                </a:solidFill>
-              </a:rPr>
-              <a:t>設定背景顏色以及其他功能</a:t>
-            </a:r>
-          </a:p>
-        </p:txBody>
-      </p:sp>
-    </p:spTree>
-    <p:extLst>
-      <p:ext uri="{BB962C8B-B14F-4D97-AF65-F5344CB8AC3E}">
-        <p14:creationId xmlns:p14="http://schemas.microsoft.com/office/powerpoint/2010/main" val="2617088901"/>
-      </p:ext>
-    </p:extLst>
-  </p:cSld>
-  <p:clrMapOvr>
-    <a:masterClrMapping/>
-  </p:clrMapOvr>
-</p:sld>
-</file>
-
 <file path=ppt/theme/theme1.xml><?xml version="1.0" encoding="utf-8"?>
 <a:theme xmlns:a="http://schemas.openxmlformats.org/drawingml/2006/main" name="Office 佈景主題">
   <a:themeElements>

--- a/Python/Midterm/GithubClassroom.pptx
+++ b/Python/Midterm/GithubClassroom.pptx
@@ -7,17 +7,19 @@
   <p:sldIdLst>
     <p:sldId id="259" r:id="rId2"/>
     <p:sldId id="268" r:id="rId3"/>
-    <p:sldId id="256" r:id="rId4"/>
-    <p:sldId id="257" r:id="rId5"/>
-    <p:sldId id="258" r:id="rId6"/>
-    <p:sldId id="264" r:id="rId7"/>
-    <p:sldId id="260" r:id="rId8"/>
-    <p:sldId id="261" r:id="rId9"/>
-    <p:sldId id="262" r:id="rId10"/>
-    <p:sldId id="263" r:id="rId11"/>
-    <p:sldId id="265" r:id="rId12"/>
-    <p:sldId id="266" r:id="rId13"/>
-    <p:sldId id="267" r:id="rId14"/>
+    <p:sldId id="269" r:id="rId4"/>
+    <p:sldId id="256" r:id="rId5"/>
+    <p:sldId id="257" r:id="rId6"/>
+    <p:sldId id="258" r:id="rId7"/>
+    <p:sldId id="264" r:id="rId8"/>
+    <p:sldId id="260" r:id="rId9"/>
+    <p:sldId id="261" r:id="rId10"/>
+    <p:sldId id="262" r:id="rId11"/>
+    <p:sldId id="263" r:id="rId12"/>
+    <p:sldId id="265" r:id="rId13"/>
+    <p:sldId id="266" r:id="rId14"/>
+    <p:sldId id="267" r:id="rId15"/>
+    <p:sldId id="270" r:id="rId16"/>
   </p:sldIdLst>
   <p:sldSz cx="12192000" cy="6858000"/>
   <p:notesSz cx="6858000" cy="9144000"/>
@@ -4349,2356 +4351,6 @@
 </file>
 
 <file path=ppt/slides/slide10.xml><?xml version="1.0" encoding="utf-8"?>
-<p:sld xmlns:a="http://schemas.openxmlformats.org/drawingml/2006/main" xmlns:r="http://schemas.openxmlformats.org/officeDocument/2006/relationships" xmlns:p="http://schemas.openxmlformats.org/presentationml/2006/main">
-  <p:cSld>
-    <p:spTree>
-      <p:nvGrpSpPr>
-        <p:cNvPr id="1" name=""/>
-        <p:cNvGrpSpPr/>
-        <p:nvPr/>
-      </p:nvGrpSpPr>
-      <p:grpSpPr>
-        <a:xfrm>
-          <a:off x="0" y="0"/>
-          <a:ext cx="0" cy="0"/>
-          <a:chOff x="0" y="0"/>
-          <a:chExt cx="0" cy="0"/>
-        </a:xfrm>
-      </p:grpSpPr>
-      <p:pic>
-        <p:nvPicPr>
-          <p:cNvPr id="5" name="圖片 4">
-            <a:extLst>
-              <a:ext uri="{FF2B5EF4-FFF2-40B4-BE49-F238E27FC236}">
-                <a16:creationId xmlns:a16="http://schemas.microsoft.com/office/drawing/2014/main" id="{CCCE16E5-B41F-48D2-809A-48C71ADC8A74}"/>
-              </a:ext>
-            </a:extLst>
-          </p:cNvPr>
-          <p:cNvPicPr>
-            <a:picLocks noChangeAspect="1"/>
-          </p:cNvPicPr>
-          <p:nvPr/>
-        </p:nvPicPr>
-        <p:blipFill>
-          <a:blip r:embed="rId2">
-            <a:extLst>
-              <a:ext uri="{28A0092B-C50C-407E-A947-70E740481C1C}">
-                <a14:useLocalDpi xmlns:a14="http://schemas.microsoft.com/office/drawing/2010/main" val="0"/>
-              </a:ext>
-            </a:extLst>
-          </a:blip>
-          <a:stretch>
-            <a:fillRect/>
-          </a:stretch>
-        </p:blipFill>
-        <p:spPr>
-          <a:xfrm>
-            <a:off x="0" y="0"/>
-            <a:ext cx="12192000" cy="6857999"/>
-          </a:xfrm>
-          <a:prstGeom prst="rect">
-            <a:avLst/>
-          </a:prstGeom>
-        </p:spPr>
-      </p:pic>
-      <p:sp>
-        <p:nvSpPr>
-          <p:cNvPr id="6" name="矩形 5">
-            <a:extLst>
-              <a:ext uri="{FF2B5EF4-FFF2-40B4-BE49-F238E27FC236}">
-                <a16:creationId xmlns:a16="http://schemas.microsoft.com/office/drawing/2014/main" id="{6EF17705-9A50-4DCB-BE2C-0F0A892CB4C6}"/>
-              </a:ext>
-            </a:extLst>
-          </p:cNvPr>
-          <p:cNvSpPr/>
-          <p:nvPr/>
-        </p:nvSpPr>
-        <p:spPr>
-          <a:xfrm>
-            <a:off x="1" y="1239631"/>
-            <a:ext cx="292100" cy="371061"/>
-          </a:xfrm>
-          <a:prstGeom prst="rect">
-            <a:avLst/>
-          </a:prstGeom>
-          <a:noFill/>
-          <a:ln w="38100">
-            <a:solidFill>
-              <a:srgbClr val="FF0000"/>
-            </a:solidFill>
-            <a:prstDash val="sysDash"/>
-          </a:ln>
-        </p:spPr>
-        <p:style>
-          <a:lnRef idx="2">
-            <a:schemeClr val="accent1">
-              <a:shade val="50000"/>
-            </a:schemeClr>
-          </a:lnRef>
-          <a:fillRef idx="1">
-            <a:schemeClr val="accent1"/>
-          </a:fillRef>
-          <a:effectRef idx="0">
-            <a:schemeClr val="accent1"/>
-          </a:effectRef>
-          <a:fontRef idx="minor">
-            <a:schemeClr val="lt1"/>
-          </a:fontRef>
-        </p:style>
-        <p:txBody>
-          <a:bodyPr rtlCol="0" anchor="ctr"/>
-          <a:lstStyle/>
-          <a:p>
-            <a:pPr algn="ctr"/>
-            <a:endParaRPr lang="zh-TW" altLang="en-US"/>
-          </a:p>
-        </p:txBody>
-      </p:sp>
-      <p:sp>
-        <p:nvSpPr>
-          <p:cNvPr id="7" name="文字方塊 6">
-            <a:extLst>
-              <a:ext uri="{FF2B5EF4-FFF2-40B4-BE49-F238E27FC236}">
-                <a16:creationId xmlns:a16="http://schemas.microsoft.com/office/drawing/2014/main" id="{56D9529F-C991-451C-88C8-4885016154F5}"/>
-              </a:ext>
-            </a:extLst>
-          </p:cNvPr>
-          <p:cNvSpPr txBox="1"/>
-          <p:nvPr/>
-        </p:nvSpPr>
-        <p:spPr>
-          <a:xfrm>
-            <a:off x="-101600" y="1610692"/>
-            <a:ext cx="5109091" cy="584775"/>
-          </a:xfrm>
-          <a:prstGeom prst="rect">
-            <a:avLst/>
-          </a:prstGeom>
-          <a:noFill/>
-        </p:spPr>
-        <p:txBody>
-          <a:bodyPr wrap="none" rtlCol="0">
-            <a:spAutoFit/>
-          </a:bodyPr>
-          <a:lstStyle/>
-          <a:p>
-            <a:r>
-              <a:rPr lang="zh-TW" altLang="en-US" sz="3200" dirty="0">
-                <a:solidFill>
-                  <a:srgbClr val="FFFFFF"/>
-                </a:solidFill>
-              </a:rPr>
-              <a:t>設定背景顏色以及其他功能</a:t>
-            </a:r>
-          </a:p>
-        </p:txBody>
-      </p:sp>
-    </p:spTree>
-    <p:extLst>
-      <p:ext uri="{BB962C8B-B14F-4D97-AF65-F5344CB8AC3E}">
-        <p14:creationId xmlns:p14="http://schemas.microsoft.com/office/powerpoint/2010/main" val="2617088901"/>
-      </p:ext>
-    </p:extLst>
-  </p:cSld>
-  <p:clrMapOvr>
-    <a:masterClrMapping/>
-  </p:clrMapOvr>
-</p:sld>
-</file>
-
-<file path=ppt/slides/slide11.xml><?xml version="1.0" encoding="utf-8"?>
-<p:sld xmlns:a="http://schemas.openxmlformats.org/drawingml/2006/main" xmlns:r="http://schemas.openxmlformats.org/officeDocument/2006/relationships" xmlns:p="http://schemas.openxmlformats.org/presentationml/2006/main">
-  <p:cSld>
-    <p:spTree>
-      <p:nvGrpSpPr>
-        <p:cNvPr id="1" name=""/>
-        <p:cNvGrpSpPr/>
-        <p:nvPr/>
-      </p:nvGrpSpPr>
-      <p:grpSpPr>
-        <a:xfrm>
-          <a:off x="0" y="0"/>
-          <a:ext cx="0" cy="0"/>
-          <a:chOff x="0" y="0"/>
-          <a:chExt cx="0" cy="0"/>
-        </a:xfrm>
-      </p:grpSpPr>
-      <p:pic>
-        <p:nvPicPr>
-          <p:cNvPr id="5" name="圖片 4">
-            <a:extLst>
-              <a:ext uri="{FF2B5EF4-FFF2-40B4-BE49-F238E27FC236}">
-                <a16:creationId xmlns:a16="http://schemas.microsoft.com/office/drawing/2014/main" id="{4056FCB5-4771-41A4-83D9-1FA510F26CAF}"/>
-              </a:ext>
-            </a:extLst>
-          </p:cNvPr>
-          <p:cNvPicPr>
-            <a:picLocks noChangeAspect="1"/>
-          </p:cNvPicPr>
-          <p:nvPr/>
-        </p:nvPicPr>
-        <p:blipFill>
-          <a:blip r:embed="rId2">
-            <a:extLst>
-              <a:ext uri="{28A0092B-C50C-407E-A947-70E740481C1C}">
-                <a14:useLocalDpi xmlns:a14="http://schemas.microsoft.com/office/drawing/2010/main" val="0"/>
-              </a:ext>
-            </a:extLst>
-          </a:blip>
-          <a:stretch>
-            <a:fillRect/>
-          </a:stretch>
-        </p:blipFill>
-        <p:spPr>
-          <a:xfrm>
-            <a:off x="0" y="0"/>
-            <a:ext cx="12192000" cy="6858000"/>
-          </a:xfrm>
-          <a:prstGeom prst="rect">
-            <a:avLst/>
-          </a:prstGeom>
-        </p:spPr>
-      </p:pic>
-      <p:sp>
-        <p:nvSpPr>
-          <p:cNvPr id="6" name="矩形 5">
-            <a:extLst>
-              <a:ext uri="{FF2B5EF4-FFF2-40B4-BE49-F238E27FC236}">
-                <a16:creationId xmlns:a16="http://schemas.microsoft.com/office/drawing/2014/main" id="{A827C3ED-8DF8-45D1-A057-D9BBC0FC4195}"/>
-              </a:ext>
-            </a:extLst>
-          </p:cNvPr>
-          <p:cNvSpPr/>
-          <p:nvPr/>
-        </p:nvSpPr>
-        <p:spPr>
-          <a:xfrm>
-            <a:off x="1" y="845931"/>
-            <a:ext cx="292100" cy="371061"/>
-          </a:xfrm>
-          <a:prstGeom prst="rect">
-            <a:avLst/>
-          </a:prstGeom>
-          <a:noFill/>
-          <a:ln w="38100">
-            <a:solidFill>
-              <a:srgbClr val="FF0000"/>
-            </a:solidFill>
-            <a:prstDash val="sysDash"/>
-          </a:ln>
-        </p:spPr>
-        <p:style>
-          <a:lnRef idx="2">
-            <a:schemeClr val="accent1">
-              <a:shade val="50000"/>
-            </a:schemeClr>
-          </a:lnRef>
-          <a:fillRef idx="1">
-            <a:schemeClr val="accent1"/>
-          </a:fillRef>
-          <a:effectRef idx="0">
-            <a:schemeClr val="accent1"/>
-          </a:effectRef>
-          <a:fontRef idx="minor">
-            <a:schemeClr val="lt1"/>
-          </a:fontRef>
-        </p:style>
-        <p:txBody>
-          <a:bodyPr rtlCol="0" anchor="ctr"/>
-          <a:lstStyle/>
-          <a:p>
-            <a:pPr algn="ctr"/>
-            <a:endParaRPr lang="zh-TW" altLang="en-US"/>
-          </a:p>
-        </p:txBody>
-      </p:sp>
-      <p:sp>
-        <p:nvSpPr>
-          <p:cNvPr id="7" name="文字方塊 6">
-            <a:extLst>
-              <a:ext uri="{FF2B5EF4-FFF2-40B4-BE49-F238E27FC236}">
-                <a16:creationId xmlns:a16="http://schemas.microsoft.com/office/drawing/2014/main" id="{CDCC0D25-23C1-489F-8E18-EAEF7527EDC6}"/>
-              </a:ext>
-            </a:extLst>
-          </p:cNvPr>
-          <p:cNvSpPr txBox="1"/>
-          <p:nvPr/>
-        </p:nvSpPr>
-        <p:spPr>
-          <a:xfrm>
-            <a:off x="292101" y="739073"/>
-            <a:ext cx="1826141" cy="584775"/>
-          </a:xfrm>
-          <a:prstGeom prst="rect">
-            <a:avLst/>
-          </a:prstGeom>
-          <a:noFill/>
-        </p:spPr>
-        <p:txBody>
-          <a:bodyPr wrap="none" rtlCol="0">
-            <a:spAutoFit/>
-          </a:bodyPr>
-          <a:lstStyle/>
-          <a:p>
-            <a:r>
-              <a:rPr lang="zh-TW" altLang="en-US" sz="3200" dirty="0">
-                <a:solidFill>
-                  <a:srgbClr val="FFFFFF"/>
-                </a:solidFill>
-              </a:rPr>
-              <a:t>編輯紀錄</a:t>
-            </a:r>
-          </a:p>
-        </p:txBody>
-      </p:sp>
-    </p:spTree>
-    <p:extLst>
-      <p:ext uri="{BB962C8B-B14F-4D97-AF65-F5344CB8AC3E}">
-        <p14:creationId xmlns:p14="http://schemas.microsoft.com/office/powerpoint/2010/main" val="4197469091"/>
-      </p:ext>
-    </p:extLst>
-  </p:cSld>
-  <p:clrMapOvr>
-    <a:masterClrMapping/>
-  </p:clrMapOvr>
-</p:sld>
-</file>
-
-<file path=ppt/slides/slide12.xml><?xml version="1.0" encoding="utf-8"?>
-<p:sld xmlns:a="http://schemas.openxmlformats.org/drawingml/2006/main" xmlns:r="http://schemas.openxmlformats.org/officeDocument/2006/relationships" xmlns:p="http://schemas.openxmlformats.org/presentationml/2006/main">
-  <p:cSld>
-    <p:spTree>
-      <p:nvGrpSpPr>
-        <p:cNvPr id="1" name=""/>
-        <p:cNvGrpSpPr/>
-        <p:nvPr/>
-      </p:nvGrpSpPr>
-      <p:grpSpPr>
-        <a:xfrm>
-          <a:off x="0" y="0"/>
-          <a:ext cx="0" cy="0"/>
-          <a:chOff x="0" y="0"/>
-          <a:chExt cx="0" cy="0"/>
-        </a:xfrm>
-      </p:grpSpPr>
-      <p:pic>
-        <p:nvPicPr>
-          <p:cNvPr id="7" name="圖片 6">
-            <a:extLst>
-              <a:ext uri="{FF2B5EF4-FFF2-40B4-BE49-F238E27FC236}">
-                <a16:creationId xmlns:a16="http://schemas.microsoft.com/office/drawing/2014/main" id="{FEB71AA1-0463-4193-A83D-1A7102EFD922}"/>
-              </a:ext>
-            </a:extLst>
-          </p:cNvPr>
-          <p:cNvPicPr>
-            <a:picLocks noChangeAspect="1"/>
-          </p:cNvPicPr>
-          <p:nvPr/>
-        </p:nvPicPr>
-        <p:blipFill rotWithShape="1">
-          <a:blip r:embed="rId2">
-            <a:extLst>
-              <a:ext uri="{28A0092B-C50C-407E-A947-70E740481C1C}">
-                <a14:useLocalDpi xmlns:a14="http://schemas.microsoft.com/office/drawing/2010/main" val="0"/>
-              </a:ext>
-            </a:extLst>
-          </a:blip>
-          <a:srcRect b="54396"/>
-          <a:stretch/>
-        </p:blipFill>
-        <p:spPr>
-          <a:xfrm>
-            <a:off x="0" y="0"/>
-            <a:ext cx="12192000" cy="3127513"/>
-          </a:xfrm>
-          <a:prstGeom prst="rect">
-            <a:avLst/>
-          </a:prstGeom>
-        </p:spPr>
-      </p:pic>
-      <p:sp>
-        <p:nvSpPr>
-          <p:cNvPr id="8" name="矩形 7">
-            <a:extLst>
-              <a:ext uri="{FF2B5EF4-FFF2-40B4-BE49-F238E27FC236}">
-                <a16:creationId xmlns:a16="http://schemas.microsoft.com/office/drawing/2014/main" id="{376614B3-A0F9-4870-BEE2-44769C783B28}"/>
-              </a:ext>
-            </a:extLst>
-          </p:cNvPr>
-          <p:cNvSpPr/>
-          <p:nvPr/>
-        </p:nvSpPr>
-        <p:spPr>
-          <a:xfrm>
-            <a:off x="371060" y="2290418"/>
-            <a:ext cx="1643269" cy="439530"/>
-          </a:xfrm>
-          <a:prstGeom prst="rect">
-            <a:avLst/>
-          </a:prstGeom>
-          <a:noFill/>
-          <a:ln w="38100">
-            <a:solidFill>
-              <a:srgbClr val="FF0000"/>
-            </a:solidFill>
-            <a:prstDash val="sysDash"/>
-          </a:ln>
-        </p:spPr>
-        <p:style>
-          <a:lnRef idx="2">
-            <a:schemeClr val="accent1">
-              <a:shade val="50000"/>
-            </a:schemeClr>
-          </a:lnRef>
-          <a:fillRef idx="1">
-            <a:schemeClr val="accent1"/>
-          </a:fillRef>
-          <a:effectRef idx="0">
-            <a:schemeClr val="accent1"/>
-          </a:effectRef>
-          <a:fontRef idx="minor">
-            <a:schemeClr val="lt1"/>
-          </a:fontRef>
-        </p:style>
-        <p:txBody>
-          <a:bodyPr rtlCol="0" anchor="ctr"/>
-          <a:lstStyle/>
-          <a:p>
-            <a:pPr algn="ctr"/>
-            <a:endParaRPr lang="zh-TW" altLang="en-US"/>
-          </a:p>
-        </p:txBody>
-      </p:sp>
-      <p:pic>
-        <p:nvPicPr>
-          <p:cNvPr id="10" name="圖片 9">
-            <a:extLst>
-              <a:ext uri="{FF2B5EF4-FFF2-40B4-BE49-F238E27FC236}">
-                <a16:creationId xmlns:a16="http://schemas.microsoft.com/office/drawing/2014/main" id="{836A50B8-88CF-4B43-998C-2B1DCF1A6AE3}"/>
-              </a:ext>
-            </a:extLst>
-          </p:cNvPr>
-          <p:cNvPicPr>
-            <a:picLocks noChangeAspect="1"/>
-          </p:cNvPicPr>
-          <p:nvPr/>
-        </p:nvPicPr>
-        <p:blipFill rotWithShape="1">
-          <a:blip r:embed="rId3">
-            <a:extLst>
-              <a:ext uri="{28A0092B-C50C-407E-A947-70E740481C1C}">
-                <a14:useLocalDpi xmlns:a14="http://schemas.microsoft.com/office/drawing/2010/main" val="0"/>
-              </a:ext>
-            </a:extLst>
-          </a:blip>
-          <a:srcRect b="53468"/>
-          <a:stretch/>
-        </p:blipFill>
-        <p:spPr>
-          <a:xfrm>
-            <a:off x="0" y="3911099"/>
-            <a:ext cx="12192000" cy="2622223"/>
-          </a:xfrm>
-          <a:prstGeom prst="rect">
-            <a:avLst/>
-          </a:prstGeom>
-        </p:spPr>
-      </p:pic>
-      <p:sp>
-        <p:nvSpPr>
-          <p:cNvPr id="11" name="矩形 10">
-            <a:extLst>
-              <a:ext uri="{FF2B5EF4-FFF2-40B4-BE49-F238E27FC236}">
-                <a16:creationId xmlns:a16="http://schemas.microsoft.com/office/drawing/2014/main" id="{548A62B5-F3CC-45B6-B6B3-FB3C467D252E}"/>
-              </a:ext>
-            </a:extLst>
-          </p:cNvPr>
-          <p:cNvSpPr/>
-          <p:nvPr/>
-        </p:nvSpPr>
-        <p:spPr>
-          <a:xfrm>
-            <a:off x="371060" y="6149008"/>
-            <a:ext cx="1643269" cy="331305"/>
-          </a:xfrm>
-          <a:prstGeom prst="rect">
-            <a:avLst/>
-          </a:prstGeom>
-          <a:noFill/>
-          <a:ln w="38100">
-            <a:solidFill>
-              <a:srgbClr val="FF0000"/>
-            </a:solidFill>
-            <a:prstDash val="sysDash"/>
-          </a:ln>
-        </p:spPr>
-        <p:style>
-          <a:lnRef idx="2">
-            <a:schemeClr val="accent1">
-              <a:shade val="50000"/>
-            </a:schemeClr>
-          </a:lnRef>
-          <a:fillRef idx="1">
-            <a:schemeClr val="accent1"/>
-          </a:fillRef>
-          <a:effectRef idx="0">
-            <a:schemeClr val="accent1"/>
-          </a:effectRef>
-          <a:fontRef idx="minor">
-            <a:schemeClr val="lt1"/>
-          </a:fontRef>
-        </p:style>
-        <p:txBody>
-          <a:bodyPr rtlCol="0" anchor="ctr"/>
-          <a:lstStyle/>
-          <a:p>
-            <a:pPr algn="ctr"/>
-            <a:endParaRPr lang="zh-TW" altLang="en-US"/>
-          </a:p>
-        </p:txBody>
-      </p:sp>
-      <p:sp>
-        <p:nvSpPr>
-          <p:cNvPr id="12" name="文字方塊 11">
-            <a:extLst>
-              <a:ext uri="{FF2B5EF4-FFF2-40B4-BE49-F238E27FC236}">
-                <a16:creationId xmlns:a16="http://schemas.microsoft.com/office/drawing/2014/main" id="{F08579F4-4B26-49B2-893C-22ED8E9D658F}"/>
-              </a:ext>
-            </a:extLst>
-          </p:cNvPr>
-          <p:cNvSpPr txBox="1"/>
-          <p:nvPr/>
-        </p:nvSpPr>
-        <p:spPr>
-          <a:xfrm>
-            <a:off x="2173910" y="2217795"/>
-            <a:ext cx="3467616" cy="584775"/>
-          </a:xfrm>
-          <a:prstGeom prst="rect">
-            <a:avLst/>
-          </a:prstGeom>
-          <a:noFill/>
-        </p:spPr>
-        <p:txBody>
-          <a:bodyPr wrap="none" rtlCol="0">
-            <a:spAutoFit/>
-          </a:bodyPr>
-          <a:lstStyle/>
-          <a:p>
-            <a:r>
-              <a:rPr lang="zh-TW" altLang="en-US" sz="3200" dirty="0">
-                <a:solidFill>
-                  <a:srgbClr val="FFFFFF"/>
-                </a:solidFill>
-              </a:rPr>
-              <a:t>輸入新的紀錄名稱</a:t>
-            </a:r>
-          </a:p>
-        </p:txBody>
-      </p:sp>
-      <p:sp>
-        <p:nvSpPr>
-          <p:cNvPr id="13" name="文字方塊 12">
-            <a:extLst>
-              <a:ext uri="{FF2B5EF4-FFF2-40B4-BE49-F238E27FC236}">
-                <a16:creationId xmlns:a16="http://schemas.microsoft.com/office/drawing/2014/main" id="{14B6B4EC-9114-45C7-9FD4-26EB81FC0DF1}"/>
-              </a:ext>
-            </a:extLst>
-          </p:cNvPr>
-          <p:cNvSpPr txBox="1"/>
-          <p:nvPr/>
-        </p:nvSpPr>
-        <p:spPr>
-          <a:xfrm>
-            <a:off x="2173910" y="5948547"/>
-            <a:ext cx="1826141" cy="584775"/>
-          </a:xfrm>
-          <a:prstGeom prst="rect">
-            <a:avLst/>
-          </a:prstGeom>
-          <a:noFill/>
-        </p:spPr>
-        <p:txBody>
-          <a:bodyPr wrap="none" rtlCol="0">
-            <a:spAutoFit/>
-          </a:bodyPr>
-          <a:lstStyle/>
-          <a:p>
-            <a:r>
-              <a:rPr lang="zh-TW" altLang="en-US" sz="3200" dirty="0">
-                <a:solidFill>
-                  <a:srgbClr val="FFFFFF"/>
-                </a:solidFill>
-              </a:rPr>
-              <a:t>儲存紀錄</a:t>
-            </a:r>
-          </a:p>
-        </p:txBody>
-      </p:sp>
-    </p:spTree>
-    <p:extLst>
-      <p:ext uri="{BB962C8B-B14F-4D97-AF65-F5344CB8AC3E}">
-        <p14:creationId xmlns:p14="http://schemas.microsoft.com/office/powerpoint/2010/main" val="3245963645"/>
-      </p:ext>
-    </p:extLst>
-  </p:cSld>
-  <p:clrMapOvr>
-    <a:masterClrMapping/>
-  </p:clrMapOvr>
-  <p:timing>
-    <p:tnLst>
-      <p:par>
-        <p:cTn id="1" dur="indefinite" restart="never" nodeType="tmRoot">
-          <p:childTnLst>
-            <p:seq concurrent="1" nextAc="seek">
-              <p:cTn id="2" dur="indefinite" nodeType="mainSeq">
-                <p:childTnLst>
-                  <p:par>
-                    <p:cTn id="3" fill="hold">
-                      <p:stCondLst>
-                        <p:cond delay="indefinite"/>
-                      </p:stCondLst>
-                      <p:childTnLst>
-                        <p:par>
-                          <p:cTn id="4" fill="hold">
-                            <p:stCondLst>
-                              <p:cond delay="0"/>
-                            </p:stCondLst>
-                            <p:childTnLst>
-                              <p:par>
-                                <p:cTn id="5" presetID="1" presetClass="entr" presetSubtype="0" fill="hold" grpId="0" nodeType="clickEffect">
-                                  <p:stCondLst>
-                                    <p:cond delay="0"/>
-                                  </p:stCondLst>
-                                  <p:childTnLst>
-                                    <p:set>
-                                      <p:cBhvr>
-                                        <p:cTn id="6" dur="1" fill="hold">
-                                          <p:stCondLst>
-                                            <p:cond delay="0"/>
-                                          </p:stCondLst>
-                                        </p:cTn>
-                                        <p:tgtEl>
-                                          <p:spTgt spid="8"/>
-                                        </p:tgtEl>
-                                        <p:attrNameLst>
-                                          <p:attrName>style.visibility</p:attrName>
-                                        </p:attrNameLst>
-                                      </p:cBhvr>
-                                      <p:to>
-                                        <p:strVal val="visible"/>
-                                      </p:to>
-                                    </p:set>
-                                  </p:childTnLst>
-                                </p:cTn>
-                              </p:par>
-                              <p:par>
-                                <p:cTn id="7" presetID="1" presetClass="entr" presetSubtype="0" fill="hold" nodeType="withEffect">
-                                  <p:stCondLst>
-                                    <p:cond delay="0"/>
-                                  </p:stCondLst>
-                                  <p:childTnLst>
-                                    <p:set>
-                                      <p:cBhvr>
-                                        <p:cTn id="8" dur="1" fill="hold">
-                                          <p:stCondLst>
-                                            <p:cond delay="0"/>
-                                          </p:stCondLst>
-                                        </p:cTn>
-                                        <p:tgtEl>
-                                          <p:spTgt spid="7"/>
-                                        </p:tgtEl>
-                                        <p:attrNameLst>
-                                          <p:attrName>style.visibility</p:attrName>
-                                        </p:attrNameLst>
-                                      </p:cBhvr>
-                                      <p:to>
-                                        <p:strVal val="visible"/>
-                                      </p:to>
-                                    </p:set>
-                                  </p:childTnLst>
-                                </p:cTn>
-                              </p:par>
-                              <p:par>
-                                <p:cTn id="9" presetID="1" presetClass="entr" presetSubtype="0" fill="hold" grpId="0" nodeType="withEffect">
-                                  <p:stCondLst>
-                                    <p:cond delay="0"/>
-                                  </p:stCondLst>
-                                  <p:childTnLst>
-                                    <p:set>
-                                      <p:cBhvr>
-                                        <p:cTn id="10" dur="1" fill="hold">
-                                          <p:stCondLst>
-                                            <p:cond delay="0"/>
-                                          </p:stCondLst>
-                                        </p:cTn>
-                                        <p:tgtEl>
-                                          <p:spTgt spid="12"/>
-                                        </p:tgtEl>
-                                        <p:attrNameLst>
-                                          <p:attrName>style.visibility</p:attrName>
-                                        </p:attrNameLst>
-                                      </p:cBhvr>
-                                      <p:to>
-                                        <p:strVal val="visible"/>
-                                      </p:to>
-                                    </p:set>
-                                  </p:childTnLst>
-                                </p:cTn>
-                              </p:par>
-                            </p:childTnLst>
-                          </p:cTn>
-                        </p:par>
-                      </p:childTnLst>
-                    </p:cTn>
-                  </p:par>
-                  <p:par>
-                    <p:cTn id="11" fill="hold">
-                      <p:stCondLst>
-                        <p:cond delay="indefinite"/>
-                      </p:stCondLst>
-                      <p:childTnLst>
-                        <p:par>
-                          <p:cTn id="12" fill="hold">
-                            <p:stCondLst>
-                              <p:cond delay="0"/>
-                            </p:stCondLst>
-                            <p:childTnLst>
-                              <p:par>
-                                <p:cTn id="13" presetID="1" presetClass="entr" presetSubtype="0" fill="hold" nodeType="clickEffect">
-                                  <p:stCondLst>
-                                    <p:cond delay="0"/>
-                                  </p:stCondLst>
-                                  <p:childTnLst>
-                                    <p:set>
-                                      <p:cBhvr>
-                                        <p:cTn id="14" dur="1" fill="hold">
-                                          <p:stCondLst>
-                                            <p:cond delay="0"/>
-                                          </p:stCondLst>
-                                        </p:cTn>
-                                        <p:tgtEl>
-                                          <p:spTgt spid="10"/>
-                                        </p:tgtEl>
-                                        <p:attrNameLst>
-                                          <p:attrName>style.visibility</p:attrName>
-                                        </p:attrNameLst>
-                                      </p:cBhvr>
-                                      <p:to>
-                                        <p:strVal val="visible"/>
-                                      </p:to>
-                                    </p:set>
-                                  </p:childTnLst>
-                                </p:cTn>
-                              </p:par>
-                              <p:par>
-                                <p:cTn id="15" presetID="1" presetClass="entr" presetSubtype="0" fill="hold" grpId="0" nodeType="withEffect">
-                                  <p:stCondLst>
-                                    <p:cond delay="0"/>
-                                  </p:stCondLst>
-                                  <p:childTnLst>
-                                    <p:set>
-                                      <p:cBhvr>
-                                        <p:cTn id="16" dur="1" fill="hold">
-                                          <p:stCondLst>
-                                            <p:cond delay="0"/>
-                                          </p:stCondLst>
-                                        </p:cTn>
-                                        <p:tgtEl>
-                                          <p:spTgt spid="11"/>
-                                        </p:tgtEl>
-                                        <p:attrNameLst>
-                                          <p:attrName>style.visibility</p:attrName>
-                                        </p:attrNameLst>
-                                      </p:cBhvr>
-                                      <p:to>
-                                        <p:strVal val="visible"/>
-                                      </p:to>
-                                    </p:set>
-                                  </p:childTnLst>
-                                </p:cTn>
-                              </p:par>
-                              <p:par>
-                                <p:cTn id="17" presetID="1" presetClass="entr" presetSubtype="0" fill="hold" grpId="0" nodeType="withEffect">
-                                  <p:stCondLst>
-                                    <p:cond delay="0"/>
-                                  </p:stCondLst>
-                                  <p:childTnLst>
-                                    <p:set>
-                                      <p:cBhvr>
-                                        <p:cTn id="18" dur="1" fill="hold">
-                                          <p:stCondLst>
-                                            <p:cond delay="0"/>
-                                          </p:stCondLst>
-                                        </p:cTn>
-                                        <p:tgtEl>
-                                          <p:spTgt spid="13"/>
-                                        </p:tgtEl>
-                                        <p:attrNameLst>
-                                          <p:attrName>style.visibility</p:attrName>
-                                        </p:attrNameLst>
-                                      </p:cBhvr>
-                                      <p:to>
-                                        <p:strVal val="visible"/>
-                                      </p:to>
-                                    </p:set>
-                                  </p:childTnLst>
-                                </p:cTn>
-                              </p:par>
-                            </p:childTnLst>
-                          </p:cTn>
-                        </p:par>
-                      </p:childTnLst>
-                    </p:cTn>
-                  </p:par>
-                </p:childTnLst>
-              </p:cTn>
-              <p:prevCondLst>
-                <p:cond evt="onPrev" delay="0">
-                  <p:tgtEl>
-                    <p:sldTgt/>
-                  </p:tgtEl>
-                </p:cond>
-              </p:prevCondLst>
-              <p:nextCondLst>
-                <p:cond evt="onNext" delay="0">
-                  <p:tgtEl>
-                    <p:sldTgt/>
-                  </p:tgtEl>
-                </p:cond>
-              </p:nextCondLst>
-            </p:seq>
-          </p:childTnLst>
-        </p:cTn>
-      </p:par>
-    </p:tnLst>
-    <p:bldLst>
-      <p:bldP spid="8" grpId="0" animBg="1"/>
-      <p:bldP spid="11" grpId="0" animBg="1"/>
-      <p:bldP spid="12" grpId="0"/>
-      <p:bldP spid="13" grpId="0"/>
-    </p:bldLst>
-  </p:timing>
-</p:sld>
-</file>
-
-<file path=ppt/slides/slide13.xml><?xml version="1.0" encoding="utf-8"?>
-<p:sld xmlns:a="http://schemas.openxmlformats.org/drawingml/2006/main" xmlns:r="http://schemas.openxmlformats.org/officeDocument/2006/relationships" xmlns:p="http://schemas.openxmlformats.org/presentationml/2006/main">
-  <p:cSld>
-    <p:spTree>
-      <p:nvGrpSpPr>
-        <p:cNvPr id="1" name=""/>
-        <p:cNvGrpSpPr/>
-        <p:nvPr/>
-      </p:nvGrpSpPr>
-      <p:grpSpPr>
-        <a:xfrm>
-          <a:off x="0" y="0"/>
-          <a:ext cx="0" cy="0"/>
-          <a:chOff x="0" y="0"/>
-          <a:chExt cx="0" cy="0"/>
-        </a:xfrm>
-      </p:grpSpPr>
-      <p:pic>
-        <p:nvPicPr>
-          <p:cNvPr id="5" name="圖片 4">
-            <a:extLst>
-              <a:ext uri="{FF2B5EF4-FFF2-40B4-BE49-F238E27FC236}">
-                <a16:creationId xmlns:a16="http://schemas.microsoft.com/office/drawing/2014/main" id="{AAAA85FB-6472-4846-A6CC-391F8E2229A9}"/>
-              </a:ext>
-            </a:extLst>
-          </p:cNvPr>
-          <p:cNvPicPr>
-            <a:picLocks noChangeAspect="1"/>
-          </p:cNvPicPr>
-          <p:nvPr/>
-        </p:nvPicPr>
-        <p:blipFill>
-          <a:blip r:embed="rId2">
-            <a:extLst>
-              <a:ext uri="{28A0092B-C50C-407E-A947-70E740481C1C}">
-                <a14:useLocalDpi xmlns:a14="http://schemas.microsoft.com/office/drawing/2010/main" val="0"/>
-              </a:ext>
-            </a:extLst>
-          </a:blip>
-          <a:stretch>
-            <a:fillRect/>
-          </a:stretch>
-        </p:blipFill>
-        <p:spPr>
-          <a:xfrm>
-            <a:off x="0" y="0"/>
-            <a:ext cx="12192000" cy="6858000"/>
-          </a:xfrm>
-          <a:prstGeom prst="rect">
-            <a:avLst/>
-          </a:prstGeom>
-        </p:spPr>
-      </p:pic>
-      <p:sp>
-        <p:nvSpPr>
-          <p:cNvPr id="6" name="矩形 5">
-            <a:extLst>
-              <a:ext uri="{FF2B5EF4-FFF2-40B4-BE49-F238E27FC236}">
-                <a16:creationId xmlns:a16="http://schemas.microsoft.com/office/drawing/2014/main" id="{19CE9910-2CD8-4FB3-87F0-D71E12A509F8}"/>
-              </a:ext>
-            </a:extLst>
-          </p:cNvPr>
-          <p:cNvSpPr/>
-          <p:nvPr/>
-        </p:nvSpPr>
-        <p:spPr>
-          <a:xfrm>
-            <a:off x="530087" y="4797286"/>
-            <a:ext cx="1470992" cy="1272210"/>
-          </a:xfrm>
-          <a:prstGeom prst="rect">
-            <a:avLst/>
-          </a:prstGeom>
-          <a:noFill/>
-          <a:ln w="38100">
-            <a:solidFill>
-              <a:srgbClr val="FF0000"/>
-            </a:solidFill>
-            <a:prstDash val="sysDash"/>
-          </a:ln>
-        </p:spPr>
-        <p:style>
-          <a:lnRef idx="2">
-            <a:schemeClr val="accent1">
-              <a:shade val="50000"/>
-            </a:schemeClr>
-          </a:lnRef>
-          <a:fillRef idx="1">
-            <a:schemeClr val="accent1"/>
-          </a:fillRef>
-          <a:effectRef idx="0">
-            <a:schemeClr val="accent1"/>
-          </a:effectRef>
-          <a:fontRef idx="minor">
-            <a:schemeClr val="lt1"/>
-          </a:fontRef>
-        </p:style>
-        <p:txBody>
-          <a:bodyPr rtlCol="0" anchor="ctr"/>
-          <a:lstStyle/>
-          <a:p>
-            <a:pPr algn="ctr"/>
-            <a:endParaRPr lang="zh-TW" altLang="en-US"/>
-          </a:p>
-        </p:txBody>
-      </p:sp>
-      <p:sp>
-        <p:nvSpPr>
-          <p:cNvPr id="7" name="矩形 6">
-            <a:extLst>
-              <a:ext uri="{FF2B5EF4-FFF2-40B4-BE49-F238E27FC236}">
-                <a16:creationId xmlns:a16="http://schemas.microsoft.com/office/drawing/2014/main" id="{357DB69E-AFA6-41A9-8FAC-A6C39AA74F43}"/>
-              </a:ext>
-            </a:extLst>
-          </p:cNvPr>
-          <p:cNvSpPr/>
-          <p:nvPr/>
-        </p:nvSpPr>
-        <p:spPr>
-          <a:xfrm>
-            <a:off x="530087" y="3538329"/>
-            <a:ext cx="1470992" cy="1182757"/>
-          </a:xfrm>
-          <a:prstGeom prst="rect">
-            <a:avLst/>
-          </a:prstGeom>
-          <a:noFill/>
-          <a:ln w="38100">
-            <a:solidFill>
-              <a:srgbClr val="FF0000"/>
-            </a:solidFill>
-            <a:prstDash val="sysDash"/>
-          </a:ln>
-        </p:spPr>
-        <p:style>
-          <a:lnRef idx="2">
-            <a:schemeClr val="accent1">
-              <a:shade val="50000"/>
-            </a:schemeClr>
-          </a:lnRef>
-          <a:fillRef idx="1">
-            <a:schemeClr val="accent1"/>
-          </a:fillRef>
-          <a:effectRef idx="0">
-            <a:schemeClr val="accent1"/>
-          </a:effectRef>
-          <a:fontRef idx="minor">
-            <a:schemeClr val="lt1"/>
-          </a:fontRef>
-        </p:style>
-        <p:txBody>
-          <a:bodyPr rtlCol="0" anchor="ctr"/>
-          <a:lstStyle/>
-          <a:p>
-            <a:pPr algn="ctr"/>
-            <a:endParaRPr lang="zh-TW" altLang="en-US"/>
-          </a:p>
-        </p:txBody>
-      </p:sp>
-      <p:sp>
-        <p:nvSpPr>
-          <p:cNvPr id="8" name="文字方塊 7">
-            <a:extLst>
-              <a:ext uri="{FF2B5EF4-FFF2-40B4-BE49-F238E27FC236}">
-                <a16:creationId xmlns:a16="http://schemas.microsoft.com/office/drawing/2014/main" id="{B5DBE945-54DC-4D35-936D-9D27AFF39EC6}"/>
-              </a:ext>
-            </a:extLst>
-          </p:cNvPr>
-          <p:cNvSpPr txBox="1"/>
-          <p:nvPr/>
-        </p:nvSpPr>
-        <p:spPr>
-          <a:xfrm>
-            <a:off x="2147405" y="3837319"/>
-            <a:ext cx="1415772" cy="584775"/>
-          </a:xfrm>
-          <a:prstGeom prst="rect">
-            <a:avLst/>
-          </a:prstGeom>
-          <a:noFill/>
-        </p:spPr>
-        <p:txBody>
-          <a:bodyPr wrap="none" rtlCol="0">
-            <a:spAutoFit/>
-          </a:bodyPr>
-          <a:lstStyle/>
-          <a:p>
-            <a:r>
-              <a:rPr lang="zh-TW" altLang="en-US" sz="3200" dirty="0">
-                <a:solidFill>
-                  <a:srgbClr val="FFFFFF"/>
-                </a:solidFill>
-              </a:rPr>
-              <a:t>新紀錄</a:t>
-            </a:r>
-          </a:p>
-        </p:txBody>
-      </p:sp>
-      <p:sp>
-        <p:nvSpPr>
-          <p:cNvPr id="9" name="文字方塊 8">
-            <a:extLst>
-              <a:ext uri="{FF2B5EF4-FFF2-40B4-BE49-F238E27FC236}">
-                <a16:creationId xmlns:a16="http://schemas.microsoft.com/office/drawing/2014/main" id="{DDA29796-4EDC-4A86-86B5-72B3EC13B78A}"/>
-              </a:ext>
-            </a:extLst>
-          </p:cNvPr>
-          <p:cNvSpPr txBox="1"/>
-          <p:nvPr/>
-        </p:nvSpPr>
-        <p:spPr>
-          <a:xfrm>
-            <a:off x="2147405" y="5141003"/>
-            <a:ext cx="4631396" cy="584775"/>
-          </a:xfrm>
-          <a:prstGeom prst="rect">
-            <a:avLst/>
-          </a:prstGeom>
-          <a:noFill/>
-        </p:spPr>
-        <p:txBody>
-          <a:bodyPr wrap="none" rtlCol="0">
-            <a:spAutoFit/>
-          </a:bodyPr>
-          <a:lstStyle/>
-          <a:p>
-            <a:r>
-              <a:rPr lang="zh-TW" altLang="en-US" sz="3200" dirty="0">
-                <a:solidFill>
-                  <a:srgbClr val="FFFFFF"/>
-                </a:solidFill>
-              </a:rPr>
-              <a:t>舊紀錄 </a:t>
-            </a:r>
-            <a:r>
-              <a:rPr lang="en-US" altLang="zh-TW" sz="3200" dirty="0">
-                <a:solidFill>
-                  <a:srgbClr val="FFFFFF"/>
-                </a:solidFill>
-              </a:rPr>
-              <a:t>(</a:t>
-            </a:r>
-            <a:r>
-              <a:rPr lang="zh-TW" altLang="en-US" sz="3200" dirty="0">
-                <a:solidFill>
-                  <a:srgbClr val="FFFFFF"/>
-                </a:solidFill>
-              </a:rPr>
-              <a:t>可回朔至舊紀錄</a:t>
-            </a:r>
-            <a:r>
-              <a:rPr lang="en-US" altLang="zh-TW" sz="3200" dirty="0">
-                <a:solidFill>
-                  <a:srgbClr val="FFFFFF"/>
-                </a:solidFill>
-              </a:rPr>
-              <a:t>)</a:t>
-            </a:r>
-            <a:endParaRPr lang="zh-TW" altLang="en-US" sz="3200" dirty="0">
-              <a:solidFill>
-                <a:srgbClr val="FFFFFF"/>
-              </a:solidFill>
-            </a:endParaRPr>
-          </a:p>
-        </p:txBody>
-      </p:sp>
-    </p:spTree>
-    <p:extLst>
-      <p:ext uri="{BB962C8B-B14F-4D97-AF65-F5344CB8AC3E}">
-        <p14:creationId xmlns:p14="http://schemas.microsoft.com/office/powerpoint/2010/main" val="2813272277"/>
-      </p:ext>
-    </p:extLst>
-  </p:cSld>
-  <p:clrMapOvr>
-    <a:masterClrMapping/>
-  </p:clrMapOvr>
-</p:sld>
-</file>
-
-<file path=ppt/slides/slide2.xml><?xml version="1.0" encoding="utf-8"?>
-<p:sld xmlns:a="http://schemas.openxmlformats.org/drawingml/2006/main" xmlns:r="http://schemas.openxmlformats.org/officeDocument/2006/relationships" xmlns:p="http://schemas.openxmlformats.org/presentationml/2006/main">
-  <p:cSld>
-    <p:spTree>
-      <p:nvGrpSpPr>
-        <p:cNvPr id="1" name=""/>
-        <p:cNvGrpSpPr/>
-        <p:nvPr/>
-      </p:nvGrpSpPr>
-      <p:grpSpPr>
-        <a:xfrm>
-          <a:off x="0" y="0"/>
-          <a:ext cx="0" cy="0"/>
-          <a:chOff x="0" y="0"/>
-          <a:chExt cx="0" cy="0"/>
-        </a:xfrm>
-      </p:grpSpPr>
-      <p:sp>
-        <p:nvSpPr>
-          <p:cNvPr id="6" name="矩形 5">
-            <a:extLst>
-              <a:ext uri="{FF2B5EF4-FFF2-40B4-BE49-F238E27FC236}">
-                <a16:creationId xmlns:a16="http://schemas.microsoft.com/office/drawing/2014/main" id="{5EB9354C-BCD4-4F2F-99DB-3D4B4D186F7F}"/>
-              </a:ext>
-            </a:extLst>
-          </p:cNvPr>
-          <p:cNvSpPr/>
-          <p:nvPr/>
-        </p:nvSpPr>
-        <p:spPr>
-          <a:xfrm>
-            <a:off x="818209" y="1453587"/>
-            <a:ext cx="10555582" cy="3950825"/>
-          </a:xfrm>
-          <a:prstGeom prst="rect">
-            <a:avLst/>
-          </a:prstGeom>
-        </p:spPr>
-        <p:txBody>
-          <a:bodyPr wrap="none">
-            <a:spAutoFit/>
-          </a:bodyPr>
-          <a:lstStyle/>
-          <a:p>
-            <a:pPr>
-              <a:lnSpc>
-                <a:spcPct val="200000"/>
-              </a:lnSpc>
-            </a:pPr>
-            <a:r>
-              <a:rPr lang="en-US" altLang="zh-TW" sz="4400" dirty="0">
-                <a:latin typeface="Times New Roman" panose="02020603050405020304" pitchFamily="18" charset="0"/>
-                <a:cs typeface="Times New Roman" panose="02020603050405020304" pitchFamily="18" charset="0"/>
-              </a:rPr>
-              <a:t>1.</a:t>
-            </a:r>
-            <a:r>
-              <a:rPr lang="zh-TW" altLang="en-US" sz="4400" dirty="0">
-                <a:latin typeface="Times New Roman" panose="02020603050405020304" pitchFamily="18" charset="0"/>
-                <a:cs typeface="Times New Roman" panose="02020603050405020304" pitchFamily="18" charset="0"/>
-              </a:rPr>
-              <a:t>請同學先申請</a:t>
-            </a:r>
-            <a:r>
-              <a:rPr lang="en-US" altLang="zh-TW" sz="4400" dirty="0" err="1">
-                <a:latin typeface="Times New Roman" panose="02020603050405020304" pitchFamily="18" charset="0"/>
-                <a:cs typeface="Times New Roman" panose="02020603050405020304" pitchFamily="18" charset="0"/>
-              </a:rPr>
-              <a:t>github</a:t>
-            </a:r>
-            <a:r>
-              <a:rPr lang="zh-TW" altLang="en-US" sz="4400" dirty="0">
-                <a:latin typeface="Times New Roman" panose="02020603050405020304" pitchFamily="18" charset="0"/>
-                <a:cs typeface="Times New Roman" panose="02020603050405020304" pitchFamily="18" charset="0"/>
-              </a:rPr>
-              <a:t>帳號</a:t>
-            </a:r>
-            <a:endParaRPr lang="en-US" altLang="zh-TW" sz="4400" dirty="0">
-              <a:latin typeface="Times New Roman" panose="02020603050405020304" pitchFamily="18" charset="0"/>
-              <a:cs typeface="Times New Roman" panose="02020603050405020304" pitchFamily="18" charset="0"/>
-            </a:endParaRPr>
-          </a:p>
-          <a:p>
-            <a:pPr>
-              <a:lnSpc>
-                <a:spcPct val="200000"/>
-              </a:lnSpc>
-            </a:pPr>
-            <a:r>
-              <a:rPr lang="en-US" altLang="zh-TW" sz="4400" dirty="0">
-                <a:latin typeface="Times New Roman" panose="02020603050405020304" pitchFamily="18" charset="0"/>
-                <a:cs typeface="Times New Roman" panose="02020603050405020304" pitchFamily="18" charset="0"/>
-              </a:rPr>
-              <a:t>2.</a:t>
-            </a:r>
-            <a:r>
-              <a:rPr lang="zh-TW" altLang="en-US" sz="4400" dirty="0">
-                <a:latin typeface="Times New Roman" panose="02020603050405020304" pitchFamily="18" charset="0"/>
-                <a:cs typeface="Times New Roman" panose="02020603050405020304" pitchFamily="18" charset="0"/>
-              </a:rPr>
-              <a:t>到</a:t>
-            </a:r>
-            <a:r>
-              <a:rPr lang="en-US" altLang="zh-TW" sz="4400" dirty="0">
-                <a:latin typeface="Times New Roman" panose="02020603050405020304" pitchFamily="18" charset="0"/>
-                <a:cs typeface="Times New Roman" panose="02020603050405020304" pitchFamily="18" charset="0"/>
-              </a:rPr>
-              <a:t>https://</a:t>
-            </a:r>
-            <a:r>
-              <a:rPr lang="en-US" altLang="zh-TW" sz="4400" dirty="0" err="1">
-                <a:latin typeface="Times New Roman" panose="02020603050405020304" pitchFamily="18" charset="0"/>
-                <a:cs typeface="Times New Roman" panose="02020603050405020304" pitchFamily="18" charset="0"/>
-              </a:rPr>
-              <a:t>classroom.github.com</a:t>
-            </a:r>
-            <a:r>
-              <a:rPr lang="en-US" altLang="zh-TW" sz="4400" dirty="0">
-                <a:latin typeface="Times New Roman" panose="02020603050405020304" pitchFamily="18" charset="0"/>
-                <a:cs typeface="Times New Roman" panose="02020603050405020304" pitchFamily="18" charset="0"/>
-              </a:rPr>
-              <a:t>/a/</a:t>
-            </a:r>
-            <a:r>
-              <a:rPr lang="en-US" altLang="zh-TW" sz="4400" dirty="0" err="1">
-                <a:latin typeface="Times New Roman" panose="02020603050405020304" pitchFamily="18" charset="0"/>
-                <a:cs typeface="Times New Roman" panose="02020603050405020304" pitchFamily="18" charset="0"/>
-              </a:rPr>
-              <a:t>GiiZAYzr</a:t>
-            </a:r>
-            <a:endParaRPr lang="zh-TW" altLang="en-US" sz="4400" dirty="0">
-              <a:latin typeface="Times New Roman" panose="02020603050405020304" pitchFamily="18" charset="0"/>
-              <a:cs typeface="Times New Roman" panose="02020603050405020304" pitchFamily="18" charset="0"/>
-            </a:endParaRPr>
-          </a:p>
-          <a:p>
-            <a:pPr>
-              <a:lnSpc>
-                <a:spcPct val="200000"/>
-              </a:lnSpc>
-            </a:pPr>
-            <a:r>
-              <a:rPr lang="en-US" altLang="zh-TW" sz="4400" dirty="0">
-                <a:latin typeface="Times New Roman" panose="02020603050405020304" pitchFamily="18" charset="0"/>
-                <a:cs typeface="Times New Roman" panose="02020603050405020304" pitchFamily="18" charset="0"/>
-              </a:rPr>
-              <a:t>3.</a:t>
-            </a:r>
-            <a:r>
-              <a:rPr lang="zh-TW" altLang="en-US" sz="4400" dirty="0">
-                <a:latin typeface="Times New Roman" panose="02020603050405020304" pitchFamily="18" charset="0"/>
-                <a:cs typeface="Times New Roman" panose="02020603050405020304" pitchFamily="18" charset="0"/>
-              </a:rPr>
-              <a:t>申請授權</a:t>
-            </a:r>
-          </a:p>
-        </p:txBody>
-      </p:sp>
-    </p:spTree>
-    <p:extLst>
-      <p:ext uri="{BB962C8B-B14F-4D97-AF65-F5344CB8AC3E}">
-        <p14:creationId xmlns:p14="http://schemas.microsoft.com/office/powerpoint/2010/main" val="3936509881"/>
-      </p:ext>
-    </p:extLst>
-  </p:cSld>
-  <p:clrMapOvr>
-    <a:masterClrMapping/>
-  </p:clrMapOvr>
-</p:sld>
-</file>
-
-<file path=ppt/slides/slide3.xml><?xml version="1.0" encoding="utf-8"?>
-<p:sld xmlns:a="http://schemas.openxmlformats.org/drawingml/2006/main" xmlns:r="http://schemas.openxmlformats.org/officeDocument/2006/relationships" xmlns:p="http://schemas.openxmlformats.org/presentationml/2006/main">
-  <p:cSld>
-    <p:spTree>
-      <p:nvGrpSpPr>
-        <p:cNvPr id="1" name=""/>
-        <p:cNvGrpSpPr/>
-        <p:nvPr/>
-      </p:nvGrpSpPr>
-      <p:grpSpPr>
-        <a:xfrm>
-          <a:off x="0" y="0"/>
-          <a:ext cx="0" cy="0"/>
-          <a:chOff x="0" y="0"/>
-          <a:chExt cx="0" cy="0"/>
-        </a:xfrm>
-      </p:grpSpPr>
-      <p:pic>
-        <p:nvPicPr>
-          <p:cNvPr id="5" name="圖片 4">
-            <a:extLst>
-              <a:ext uri="{FF2B5EF4-FFF2-40B4-BE49-F238E27FC236}">
-                <a16:creationId xmlns:a16="http://schemas.microsoft.com/office/drawing/2014/main" id="{105357F4-953C-4724-BE6D-6CBD74867005}"/>
-              </a:ext>
-            </a:extLst>
-          </p:cNvPr>
-          <p:cNvPicPr>
-            <a:picLocks noChangeAspect="1"/>
-          </p:cNvPicPr>
-          <p:nvPr/>
-        </p:nvPicPr>
-        <p:blipFill rotWithShape="1">
-          <a:blip r:embed="rId2">
-            <a:extLst>
-              <a:ext uri="{28A0092B-C50C-407E-A947-70E740481C1C}">
-                <a14:useLocalDpi xmlns:a14="http://schemas.microsoft.com/office/drawing/2010/main" val="0"/>
-              </a:ext>
-            </a:extLst>
-          </a:blip>
-          <a:srcRect t="7628"/>
-          <a:stretch/>
-        </p:blipFill>
-        <p:spPr>
-          <a:xfrm>
-            <a:off x="748747" y="274982"/>
-            <a:ext cx="10694505" cy="6308035"/>
-          </a:xfrm>
-          <a:prstGeom prst="rect">
-            <a:avLst/>
-          </a:prstGeom>
-        </p:spPr>
-      </p:pic>
-      <p:sp>
-        <p:nvSpPr>
-          <p:cNvPr id="6" name="矩形 5">
-            <a:extLst>
-              <a:ext uri="{FF2B5EF4-FFF2-40B4-BE49-F238E27FC236}">
-                <a16:creationId xmlns:a16="http://schemas.microsoft.com/office/drawing/2014/main" id="{0D139BF1-842F-4448-968F-C0C3B168B5B9}"/>
-              </a:ext>
-            </a:extLst>
-          </p:cNvPr>
-          <p:cNvSpPr/>
-          <p:nvPr/>
-        </p:nvSpPr>
-        <p:spPr>
-          <a:xfrm>
-            <a:off x="3276760" y="6034634"/>
-            <a:ext cx="2175340" cy="479858"/>
-          </a:xfrm>
-          <a:prstGeom prst="rect">
-            <a:avLst/>
-          </a:prstGeom>
-          <a:noFill/>
-          <a:ln w="38100">
-            <a:solidFill>
-              <a:srgbClr val="FF0000"/>
-            </a:solidFill>
-            <a:prstDash val="sysDash"/>
-          </a:ln>
-        </p:spPr>
-        <p:style>
-          <a:lnRef idx="2">
-            <a:schemeClr val="accent1">
-              <a:shade val="50000"/>
-            </a:schemeClr>
-          </a:lnRef>
-          <a:fillRef idx="1">
-            <a:schemeClr val="accent1"/>
-          </a:fillRef>
-          <a:effectRef idx="0">
-            <a:schemeClr val="accent1"/>
-          </a:effectRef>
-          <a:fontRef idx="minor">
-            <a:schemeClr val="lt1"/>
-          </a:fontRef>
-        </p:style>
-        <p:txBody>
-          <a:bodyPr rtlCol="0" anchor="ctr"/>
-          <a:lstStyle/>
-          <a:p>
-            <a:pPr algn="ctr"/>
-            <a:endParaRPr lang="zh-TW" altLang="en-US"/>
-          </a:p>
-        </p:txBody>
-      </p:sp>
-      <p:cxnSp>
-        <p:nvCxnSpPr>
-          <p:cNvPr id="8" name="直線單箭頭接點 7">
-            <a:extLst>
-              <a:ext uri="{FF2B5EF4-FFF2-40B4-BE49-F238E27FC236}">
-                <a16:creationId xmlns:a16="http://schemas.microsoft.com/office/drawing/2014/main" id="{3A9827B1-49BA-45F9-98C4-2A947C8A2B63}"/>
-              </a:ext>
-            </a:extLst>
-          </p:cNvPr>
-          <p:cNvCxnSpPr>
-            <a:cxnSpLocks/>
-          </p:cNvCxnSpPr>
-          <p:nvPr/>
-        </p:nvCxnSpPr>
-        <p:spPr>
-          <a:xfrm>
-            <a:off x="2511043" y="6274563"/>
-            <a:ext cx="765717" cy="0"/>
-          </a:xfrm>
-          <a:prstGeom prst="straightConnector1">
-            <a:avLst/>
-          </a:prstGeom>
-          <a:ln w="63500">
-            <a:solidFill>
-              <a:srgbClr val="FF0000"/>
-            </a:solidFill>
-            <a:tailEnd type="triangle"/>
-          </a:ln>
-        </p:spPr>
-        <p:style>
-          <a:lnRef idx="1">
-            <a:schemeClr val="accent1"/>
-          </a:lnRef>
-          <a:fillRef idx="0">
-            <a:schemeClr val="accent1"/>
-          </a:fillRef>
-          <a:effectRef idx="0">
-            <a:schemeClr val="accent1"/>
-          </a:effectRef>
-          <a:fontRef idx="minor">
-            <a:schemeClr val="tx1"/>
-          </a:fontRef>
-        </p:style>
-      </p:cxnSp>
-    </p:spTree>
-    <p:extLst>
-      <p:ext uri="{BB962C8B-B14F-4D97-AF65-F5344CB8AC3E}">
-        <p14:creationId xmlns:p14="http://schemas.microsoft.com/office/powerpoint/2010/main" val="2268541624"/>
-      </p:ext>
-    </p:extLst>
-  </p:cSld>
-  <p:clrMapOvr>
-    <a:masterClrMapping/>
-  </p:clrMapOvr>
-</p:sld>
-</file>
-
-<file path=ppt/slides/slide4.xml><?xml version="1.0" encoding="utf-8"?>
-<p:sld xmlns:a="http://schemas.openxmlformats.org/drawingml/2006/main" xmlns:r="http://schemas.openxmlformats.org/officeDocument/2006/relationships" xmlns:p="http://schemas.openxmlformats.org/presentationml/2006/main">
-  <p:cSld>
-    <p:spTree>
-      <p:nvGrpSpPr>
-        <p:cNvPr id="1" name=""/>
-        <p:cNvGrpSpPr/>
-        <p:nvPr/>
-      </p:nvGrpSpPr>
-      <p:grpSpPr>
-        <a:xfrm>
-          <a:off x="0" y="0"/>
-          <a:ext cx="0" cy="0"/>
-          <a:chOff x="0" y="0"/>
-          <a:chExt cx="0" cy="0"/>
-        </a:xfrm>
-      </p:grpSpPr>
-      <p:pic>
-        <p:nvPicPr>
-          <p:cNvPr id="5" name="圖片 4">
-            <a:extLst>
-              <a:ext uri="{FF2B5EF4-FFF2-40B4-BE49-F238E27FC236}">
-                <a16:creationId xmlns:a16="http://schemas.microsoft.com/office/drawing/2014/main" id="{256BA2EA-80FF-40E5-8632-1956AE2E76B2}"/>
-              </a:ext>
-            </a:extLst>
-          </p:cNvPr>
-          <p:cNvPicPr>
-            <a:picLocks noChangeAspect="1"/>
-          </p:cNvPicPr>
-          <p:nvPr/>
-        </p:nvPicPr>
-        <p:blipFill>
-          <a:blip r:embed="rId2">
-            <a:extLst>
-              <a:ext uri="{28A0092B-C50C-407E-A947-70E740481C1C}">
-                <a14:useLocalDpi xmlns:a14="http://schemas.microsoft.com/office/drawing/2010/main" val="0"/>
-              </a:ext>
-            </a:extLst>
-          </a:blip>
-          <a:stretch>
-            <a:fillRect/>
-          </a:stretch>
-        </p:blipFill>
-        <p:spPr>
-          <a:xfrm>
-            <a:off x="1802296" y="107455"/>
-            <a:ext cx="8580702" cy="6637902"/>
-          </a:xfrm>
-          <a:prstGeom prst="rect">
-            <a:avLst/>
-          </a:prstGeom>
-        </p:spPr>
-      </p:pic>
-      <p:sp>
-        <p:nvSpPr>
-          <p:cNvPr id="6" name="矩形 5">
-            <a:extLst>
-              <a:ext uri="{FF2B5EF4-FFF2-40B4-BE49-F238E27FC236}">
-                <a16:creationId xmlns:a16="http://schemas.microsoft.com/office/drawing/2014/main" id="{B8DFE7C5-2DD2-4728-9906-981F6310BD2B}"/>
-              </a:ext>
-            </a:extLst>
-          </p:cNvPr>
-          <p:cNvSpPr/>
-          <p:nvPr/>
-        </p:nvSpPr>
-        <p:spPr>
-          <a:xfrm>
-            <a:off x="1802296" y="4956313"/>
-            <a:ext cx="4134678" cy="331682"/>
-          </a:xfrm>
-          <a:prstGeom prst="rect">
-            <a:avLst/>
-          </a:prstGeom>
-          <a:noFill/>
-          <a:ln w="38100">
-            <a:solidFill>
-              <a:srgbClr val="FF0000"/>
-            </a:solidFill>
-            <a:prstDash val="sysDash"/>
-          </a:ln>
-        </p:spPr>
-        <p:style>
-          <a:lnRef idx="2">
-            <a:schemeClr val="accent1">
-              <a:shade val="50000"/>
-            </a:schemeClr>
-          </a:lnRef>
-          <a:fillRef idx="1">
-            <a:schemeClr val="accent1"/>
-          </a:fillRef>
-          <a:effectRef idx="0">
-            <a:schemeClr val="accent1"/>
-          </a:effectRef>
-          <a:fontRef idx="minor">
-            <a:schemeClr val="lt1"/>
-          </a:fontRef>
-        </p:style>
-        <p:txBody>
-          <a:bodyPr rtlCol="0" anchor="ctr"/>
-          <a:lstStyle/>
-          <a:p>
-            <a:pPr algn="ctr"/>
-            <a:endParaRPr lang="zh-TW" altLang="en-US"/>
-          </a:p>
-        </p:txBody>
-      </p:sp>
-      <p:cxnSp>
-        <p:nvCxnSpPr>
-          <p:cNvPr id="7" name="直線單箭頭接點 6">
-            <a:extLst>
-              <a:ext uri="{FF2B5EF4-FFF2-40B4-BE49-F238E27FC236}">
-                <a16:creationId xmlns:a16="http://schemas.microsoft.com/office/drawing/2014/main" id="{334E1E3E-4E2B-46F9-993D-6D217FE21962}"/>
-              </a:ext>
-            </a:extLst>
-          </p:cNvPr>
-          <p:cNvCxnSpPr>
-            <a:cxnSpLocks/>
-          </p:cNvCxnSpPr>
-          <p:nvPr/>
-        </p:nvCxnSpPr>
-        <p:spPr>
-          <a:xfrm>
-            <a:off x="1036579" y="5114327"/>
-            <a:ext cx="765717" cy="0"/>
-          </a:xfrm>
-          <a:prstGeom prst="straightConnector1">
-            <a:avLst/>
-          </a:prstGeom>
-          <a:ln w="63500">
-            <a:solidFill>
-              <a:srgbClr val="FF0000"/>
-            </a:solidFill>
-            <a:tailEnd type="triangle"/>
-          </a:ln>
-        </p:spPr>
-        <p:style>
-          <a:lnRef idx="1">
-            <a:schemeClr val="accent1"/>
-          </a:lnRef>
-          <a:fillRef idx="0">
-            <a:schemeClr val="accent1"/>
-          </a:fillRef>
-          <a:effectRef idx="0">
-            <a:schemeClr val="accent1"/>
-          </a:effectRef>
-          <a:fontRef idx="minor">
-            <a:schemeClr val="tx1"/>
-          </a:fontRef>
-        </p:style>
-      </p:cxnSp>
-    </p:spTree>
-    <p:extLst>
-      <p:ext uri="{BB962C8B-B14F-4D97-AF65-F5344CB8AC3E}">
-        <p14:creationId xmlns:p14="http://schemas.microsoft.com/office/powerpoint/2010/main" val="2469080273"/>
-      </p:ext>
-    </p:extLst>
-  </p:cSld>
-  <p:clrMapOvr>
-    <a:masterClrMapping/>
-  </p:clrMapOvr>
-</p:sld>
-</file>
-
-<file path=ppt/slides/slide5.xml><?xml version="1.0" encoding="utf-8"?>
-<p:sld xmlns:a="http://schemas.openxmlformats.org/drawingml/2006/main" xmlns:r="http://schemas.openxmlformats.org/officeDocument/2006/relationships" xmlns:p="http://schemas.openxmlformats.org/presentationml/2006/main">
-  <p:cSld>
-    <p:spTree>
-      <p:nvGrpSpPr>
-        <p:cNvPr id="1" name=""/>
-        <p:cNvGrpSpPr/>
-        <p:nvPr/>
-      </p:nvGrpSpPr>
-      <p:grpSpPr>
-        <a:xfrm>
-          <a:off x="0" y="0"/>
-          <a:ext cx="0" cy="0"/>
-          <a:chOff x="0" y="0"/>
-          <a:chExt cx="0" cy="0"/>
-        </a:xfrm>
-      </p:grpSpPr>
-      <p:pic>
-        <p:nvPicPr>
-          <p:cNvPr id="5" name="圖片 4">
-            <a:extLst>
-              <a:ext uri="{FF2B5EF4-FFF2-40B4-BE49-F238E27FC236}">
-                <a16:creationId xmlns:a16="http://schemas.microsoft.com/office/drawing/2014/main" id="{E5647EE9-9A97-4C46-96C1-7DF07F99B420}"/>
-              </a:ext>
-            </a:extLst>
-          </p:cNvPr>
-          <p:cNvPicPr>
-            <a:picLocks noChangeAspect="1"/>
-          </p:cNvPicPr>
-          <p:nvPr/>
-        </p:nvPicPr>
-        <p:blipFill>
-          <a:blip r:embed="rId2">
-            <a:extLst>
-              <a:ext uri="{28A0092B-C50C-407E-A947-70E740481C1C}">
-                <a14:useLocalDpi xmlns:a14="http://schemas.microsoft.com/office/drawing/2010/main" val="0"/>
-              </a:ext>
-            </a:extLst>
-          </a:blip>
-          <a:stretch>
-            <a:fillRect/>
-          </a:stretch>
-        </p:blipFill>
-        <p:spPr>
-          <a:xfrm>
-            <a:off x="324322" y="0"/>
-            <a:ext cx="11543355" cy="6858000"/>
-          </a:xfrm>
-          <a:prstGeom prst="rect">
-            <a:avLst/>
-          </a:prstGeom>
-        </p:spPr>
-      </p:pic>
-      <p:sp>
-        <p:nvSpPr>
-          <p:cNvPr id="6" name="矩形 5">
-            <a:extLst>
-              <a:ext uri="{FF2B5EF4-FFF2-40B4-BE49-F238E27FC236}">
-                <a16:creationId xmlns:a16="http://schemas.microsoft.com/office/drawing/2014/main" id="{2E9D871C-0D59-416A-81E6-E1AFD98D2774}"/>
-              </a:ext>
-            </a:extLst>
-          </p:cNvPr>
-          <p:cNvSpPr/>
-          <p:nvPr/>
-        </p:nvSpPr>
-        <p:spPr>
-          <a:xfrm>
-            <a:off x="3591339" y="5353878"/>
-            <a:ext cx="1510748" cy="410817"/>
-          </a:xfrm>
-          <a:prstGeom prst="rect">
-            <a:avLst/>
-          </a:prstGeom>
-          <a:noFill/>
-          <a:ln w="38100">
-            <a:solidFill>
-              <a:srgbClr val="FF0000"/>
-            </a:solidFill>
-            <a:prstDash val="sysDash"/>
-          </a:ln>
-        </p:spPr>
-        <p:style>
-          <a:lnRef idx="2">
-            <a:schemeClr val="accent1">
-              <a:shade val="50000"/>
-            </a:schemeClr>
-          </a:lnRef>
-          <a:fillRef idx="1">
-            <a:schemeClr val="accent1"/>
-          </a:fillRef>
-          <a:effectRef idx="0">
-            <a:schemeClr val="accent1"/>
-          </a:effectRef>
-          <a:fontRef idx="minor">
-            <a:schemeClr val="lt1"/>
-          </a:fontRef>
-        </p:style>
-        <p:txBody>
-          <a:bodyPr rtlCol="0" anchor="ctr"/>
-          <a:lstStyle/>
-          <a:p>
-            <a:pPr algn="ctr"/>
-            <a:endParaRPr lang="zh-TW" altLang="en-US"/>
-          </a:p>
-        </p:txBody>
-      </p:sp>
-      <p:cxnSp>
-        <p:nvCxnSpPr>
-          <p:cNvPr id="7" name="直線單箭頭接點 6">
-            <a:extLst>
-              <a:ext uri="{FF2B5EF4-FFF2-40B4-BE49-F238E27FC236}">
-                <a16:creationId xmlns:a16="http://schemas.microsoft.com/office/drawing/2014/main" id="{CCAC8DA4-EB59-4CA0-8E9D-2FCFC96B8C2C}"/>
-              </a:ext>
-            </a:extLst>
-          </p:cNvPr>
-          <p:cNvCxnSpPr>
-            <a:cxnSpLocks/>
-          </p:cNvCxnSpPr>
-          <p:nvPr/>
-        </p:nvCxnSpPr>
-        <p:spPr>
-          <a:xfrm>
-            <a:off x="2825622" y="5551649"/>
-            <a:ext cx="765717" cy="0"/>
-          </a:xfrm>
-          <a:prstGeom prst="straightConnector1">
-            <a:avLst/>
-          </a:prstGeom>
-          <a:ln w="63500">
-            <a:solidFill>
-              <a:srgbClr val="FF0000"/>
-            </a:solidFill>
-            <a:tailEnd type="triangle"/>
-          </a:ln>
-        </p:spPr>
-        <p:style>
-          <a:lnRef idx="1">
-            <a:schemeClr val="accent1"/>
-          </a:lnRef>
-          <a:fillRef idx="0">
-            <a:schemeClr val="accent1"/>
-          </a:fillRef>
-          <a:effectRef idx="0">
-            <a:schemeClr val="accent1"/>
-          </a:effectRef>
-          <a:fontRef idx="minor">
-            <a:schemeClr val="tx1"/>
-          </a:fontRef>
-        </p:style>
-      </p:cxnSp>
-    </p:spTree>
-    <p:extLst>
-      <p:ext uri="{BB962C8B-B14F-4D97-AF65-F5344CB8AC3E}">
-        <p14:creationId xmlns:p14="http://schemas.microsoft.com/office/powerpoint/2010/main" val="657796669"/>
-      </p:ext>
-    </p:extLst>
-  </p:cSld>
-  <p:clrMapOvr>
-    <a:masterClrMapping/>
-  </p:clrMapOvr>
-</p:sld>
-</file>
-
-<file path=ppt/slides/slide6.xml><?xml version="1.0" encoding="utf-8"?>
-<p:sld xmlns:a="http://schemas.openxmlformats.org/drawingml/2006/main" xmlns:r="http://schemas.openxmlformats.org/officeDocument/2006/relationships" xmlns:p="http://schemas.openxmlformats.org/presentationml/2006/main">
-  <p:cSld>
-    <p:spTree>
-      <p:nvGrpSpPr>
-        <p:cNvPr id="1" name=""/>
-        <p:cNvGrpSpPr/>
-        <p:nvPr/>
-      </p:nvGrpSpPr>
-      <p:grpSpPr>
-        <a:xfrm>
-          <a:off x="0" y="0"/>
-          <a:ext cx="0" cy="0"/>
-          <a:chOff x="0" y="0"/>
-          <a:chExt cx="0" cy="0"/>
-        </a:xfrm>
-      </p:grpSpPr>
-      <p:pic>
-        <p:nvPicPr>
-          <p:cNvPr id="5" name="圖片 4">
-            <a:extLst>
-              <a:ext uri="{FF2B5EF4-FFF2-40B4-BE49-F238E27FC236}">
-                <a16:creationId xmlns:a16="http://schemas.microsoft.com/office/drawing/2014/main" id="{94D8882B-CFFC-4E91-9366-04F2043F60AC}"/>
-              </a:ext>
-            </a:extLst>
-          </p:cNvPr>
-          <p:cNvPicPr>
-            <a:picLocks noChangeAspect="1"/>
-          </p:cNvPicPr>
-          <p:nvPr/>
-        </p:nvPicPr>
-        <p:blipFill>
-          <a:blip r:embed="rId2">
-            <a:extLst>
-              <a:ext uri="{28A0092B-C50C-407E-A947-70E740481C1C}">
-                <a14:useLocalDpi xmlns:a14="http://schemas.microsoft.com/office/drawing/2010/main" val="0"/>
-              </a:ext>
-            </a:extLst>
-          </a:blip>
-          <a:stretch>
-            <a:fillRect/>
-          </a:stretch>
-        </p:blipFill>
-        <p:spPr>
-          <a:xfrm>
-            <a:off x="0" y="0"/>
-            <a:ext cx="12192000" cy="6857999"/>
-          </a:xfrm>
-          <a:prstGeom prst="rect">
-            <a:avLst/>
-          </a:prstGeom>
-        </p:spPr>
-      </p:pic>
-      <p:sp>
-        <p:nvSpPr>
-          <p:cNvPr id="6" name="文字方塊 5">
-            <a:extLst>
-              <a:ext uri="{FF2B5EF4-FFF2-40B4-BE49-F238E27FC236}">
-                <a16:creationId xmlns:a16="http://schemas.microsoft.com/office/drawing/2014/main" id="{1F70EB18-BA2E-414C-9D5D-3AF1FD5E7E75}"/>
-              </a:ext>
-            </a:extLst>
-          </p:cNvPr>
-          <p:cNvSpPr txBox="1"/>
-          <p:nvPr/>
-        </p:nvSpPr>
-        <p:spPr>
-          <a:xfrm>
-            <a:off x="2310348" y="2351781"/>
-            <a:ext cx="7571303" cy="1077218"/>
-          </a:xfrm>
-          <a:prstGeom prst="rect">
-            <a:avLst/>
-          </a:prstGeom>
-          <a:noFill/>
-        </p:spPr>
-        <p:txBody>
-          <a:bodyPr wrap="none" rtlCol="0">
-            <a:spAutoFit/>
-          </a:bodyPr>
-          <a:lstStyle/>
-          <a:p>
-            <a:r>
-              <a:rPr lang="zh-TW" altLang="en-US" sz="3200" dirty="0">
-                <a:solidFill>
-                  <a:srgbClr val="FF0000"/>
-                </a:solidFill>
-              </a:rPr>
-              <a:t>如果出現這個頁面請按一下網頁重新整理</a:t>
-            </a:r>
-            <a:endParaRPr lang="en-US" altLang="zh-TW" sz="3200" dirty="0">
-              <a:solidFill>
-                <a:srgbClr val="FF0000"/>
-              </a:solidFill>
-            </a:endParaRPr>
-          </a:p>
-          <a:p>
-            <a:r>
-              <a:rPr lang="zh-TW" altLang="en-US" sz="3200" dirty="0">
-                <a:solidFill>
-                  <a:srgbClr val="FF0000"/>
-                </a:solidFill>
-              </a:rPr>
-              <a:t>或者回到上一頁重新再登入一次</a:t>
-            </a:r>
-          </a:p>
-        </p:txBody>
-      </p:sp>
-    </p:spTree>
-    <p:extLst>
-      <p:ext uri="{BB962C8B-B14F-4D97-AF65-F5344CB8AC3E}">
-        <p14:creationId xmlns:p14="http://schemas.microsoft.com/office/powerpoint/2010/main" val="3596642274"/>
-      </p:ext>
-    </p:extLst>
-  </p:cSld>
-  <p:clrMapOvr>
-    <a:masterClrMapping/>
-  </p:clrMapOvr>
-</p:sld>
-</file>
-
-<file path=ppt/slides/slide7.xml><?xml version="1.0" encoding="utf-8"?>
-<p:sld xmlns:a="http://schemas.openxmlformats.org/drawingml/2006/main" xmlns:r="http://schemas.openxmlformats.org/officeDocument/2006/relationships" xmlns:p="http://schemas.openxmlformats.org/presentationml/2006/main">
-  <p:cSld>
-    <p:spTree>
-      <p:nvGrpSpPr>
-        <p:cNvPr id="1" name=""/>
-        <p:cNvGrpSpPr/>
-        <p:nvPr/>
-      </p:nvGrpSpPr>
-      <p:grpSpPr>
-        <a:xfrm>
-          <a:off x="0" y="0"/>
-          <a:ext cx="0" cy="0"/>
-          <a:chOff x="0" y="0"/>
-          <a:chExt cx="0" cy="0"/>
-        </a:xfrm>
-      </p:grpSpPr>
-      <p:pic>
-        <p:nvPicPr>
-          <p:cNvPr id="5" name="圖片 4">
-            <a:extLst>
-              <a:ext uri="{FF2B5EF4-FFF2-40B4-BE49-F238E27FC236}">
-                <a16:creationId xmlns:a16="http://schemas.microsoft.com/office/drawing/2014/main" id="{29954E0D-8D5D-4B1F-8D6A-2DF2AE4E2BD9}"/>
-              </a:ext>
-            </a:extLst>
-          </p:cNvPr>
-          <p:cNvPicPr>
-            <a:picLocks noChangeAspect="1"/>
-          </p:cNvPicPr>
-          <p:nvPr/>
-        </p:nvPicPr>
-        <p:blipFill>
-          <a:blip r:embed="rId2">
-            <a:extLst>
-              <a:ext uri="{28A0092B-C50C-407E-A947-70E740481C1C}">
-                <a14:useLocalDpi xmlns:a14="http://schemas.microsoft.com/office/drawing/2010/main" val="0"/>
-              </a:ext>
-            </a:extLst>
-          </a:blip>
-          <a:stretch>
-            <a:fillRect/>
-          </a:stretch>
-        </p:blipFill>
-        <p:spPr>
-          <a:xfrm>
-            <a:off x="0" y="0"/>
-            <a:ext cx="12192000" cy="6857999"/>
-          </a:xfrm>
-          <a:prstGeom prst="rect">
-            <a:avLst/>
-          </a:prstGeom>
-        </p:spPr>
-      </p:pic>
-      <p:sp>
-        <p:nvSpPr>
-          <p:cNvPr id="6" name="矩形 5">
-            <a:extLst>
-              <a:ext uri="{FF2B5EF4-FFF2-40B4-BE49-F238E27FC236}">
-                <a16:creationId xmlns:a16="http://schemas.microsoft.com/office/drawing/2014/main" id="{0CA20382-CD02-48F5-AE5B-261BCB0C541B}"/>
-              </a:ext>
-            </a:extLst>
-          </p:cNvPr>
-          <p:cNvSpPr/>
-          <p:nvPr/>
-        </p:nvSpPr>
-        <p:spPr>
-          <a:xfrm>
-            <a:off x="1179443" y="437322"/>
-            <a:ext cx="304800" cy="371061"/>
-          </a:xfrm>
-          <a:prstGeom prst="rect">
-            <a:avLst/>
-          </a:prstGeom>
-          <a:noFill/>
-          <a:ln w="38100">
-            <a:solidFill>
-              <a:srgbClr val="FF0000"/>
-            </a:solidFill>
-            <a:prstDash val="sysDash"/>
-          </a:ln>
-        </p:spPr>
-        <p:style>
-          <a:lnRef idx="2">
-            <a:schemeClr val="accent1">
-              <a:shade val="50000"/>
-            </a:schemeClr>
-          </a:lnRef>
-          <a:fillRef idx="1">
-            <a:schemeClr val="accent1"/>
-          </a:fillRef>
-          <a:effectRef idx="0">
-            <a:schemeClr val="accent1"/>
-          </a:effectRef>
-          <a:fontRef idx="minor">
-            <a:schemeClr val="lt1"/>
-          </a:fontRef>
-        </p:style>
-        <p:txBody>
-          <a:bodyPr rtlCol="0" anchor="ctr"/>
-          <a:lstStyle/>
-          <a:p>
-            <a:pPr algn="ctr"/>
-            <a:endParaRPr lang="zh-TW" altLang="en-US"/>
-          </a:p>
-        </p:txBody>
-      </p:sp>
-      <p:sp>
-        <p:nvSpPr>
-          <p:cNvPr id="7" name="文字方塊 6">
-            <a:extLst>
-              <a:ext uri="{FF2B5EF4-FFF2-40B4-BE49-F238E27FC236}">
-                <a16:creationId xmlns:a16="http://schemas.microsoft.com/office/drawing/2014/main" id="{A60371BA-3E01-6947-985D-71258E5FCA94}"/>
-              </a:ext>
-            </a:extLst>
-          </p:cNvPr>
-          <p:cNvSpPr txBox="1"/>
-          <p:nvPr/>
-        </p:nvSpPr>
-        <p:spPr>
-          <a:xfrm>
-            <a:off x="1179443" y="808383"/>
-            <a:ext cx="2236510" cy="584775"/>
-          </a:xfrm>
-          <a:prstGeom prst="rect">
-            <a:avLst/>
-          </a:prstGeom>
-          <a:noFill/>
-        </p:spPr>
-        <p:txBody>
-          <a:bodyPr wrap="none" rtlCol="0">
-            <a:spAutoFit/>
-          </a:bodyPr>
-          <a:lstStyle/>
-          <a:p>
-            <a:r>
-              <a:rPr lang="zh-TW" altLang="en-US" sz="3200" dirty="0">
-                <a:solidFill>
-                  <a:srgbClr val="FF0000"/>
-                </a:solidFill>
-              </a:rPr>
-              <a:t>新增程式檔</a:t>
-            </a:r>
-          </a:p>
-        </p:txBody>
-      </p:sp>
-    </p:spTree>
-    <p:extLst>
-      <p:ext uri="{BB962C8B-B14F-4D97-AF65-F5344CB8AC3E}">
-        <p14:creationId xmlns:p14="http://schemas.microsoft.com/office/powerpoint/2010/main" val="288966535"/>
-      </p:ext>
-    </p:extLst>
-  </p:cSld>
-  <p:clrMapOvr>
-    <a:masterClrMapping/>
-  </p:clrMapOvr>
-</p:sld>
-</file>
-
-<file path=ppt/slides/slide8.xml><?xml version="1.0" encoding="utf-8"?>
-<p:sld xmlns:a="http://schemas.openxmlformats.org/drawingml/2006/main" xmlns:r="http://schemas.openxmlformats.org/officeDocument/2006/relationships" xmlns:p="http://schemas.openxmlformats.org/presentationml/2006/main">
-  <p:cSld>
-    <p:spTree>
-      <p:nvGrpSpPr>
-        <p:cNvPr id="1" name=""/>
-        <p:cNvGrpSpPr/>
-        <p:nvPr/>
-      </p:nvGrpSpPr>
-      <p:grpSpPr>
-        <a:xfrm>
-          <a:off x="0" y="0"/>
-          <a:ext cx="0" cy="0"/>
-          <a:chOff x="0" y="0"/>
-          <a:chExt cx="0" cy="0"/>
-        </a:xfrm>
-      </p:grpSpPr>
-      <p:pic>
-        <p:nvPicPr>
-          <p:cNvPr id="12" name="圖片 11">
-            <a:extLst>
-              <a:ext uri="{FF2B5EF4-FFF2-40B4-BE49-F238E27FC236}">
-                <a16:creationId xmlns:a16="http://schemas.microsoft.com/office/drawing/2014/main" id="{F82D7743-10A7-4842-80B6-E3CDC186BE24}"/>
-              </a:ext>
-            </a:extLst>
-          </p:cNvPr>
-          <p:cNvPicPr>
-            <a:picLocks noChangeAspect="1"/>
-          </p:cNvPicPr>
-          <p:nvPr/>
-        </p:nvPicPr>
-        <p:blipFill>
-          <a:blip r:embed="rId2">
-            <a:extLst>
-              <a:ext uri="{28A0092B-C50C-407E-A947-70E740481C1C}">
-                <a14:useLocalDpi xmlns:a14="http://schemas.microsoft.com/office/drawing/2010/main" val="0"/>
-              </a:ext>
-            </a:extLst>
-          </a:blip>
-          <a:stretch>
-            <a:fillRect/>
-          </a:stretch>
-        </p:blipFill>
-        <p:spPr>
-          <a:xfrm>
-            <a:off x="-3693" y="0"/>
-            <a:ext cx="12195693" cy="6858000"/>
-          </a:xfrm>
-          <a:prstGeom prst="rect">
-            <a:avLst/>
-          </a:prstGeom>
-        </p:spPr>
-      </p:pic>
-      <p:sp>
-        <p:nvSpPr>
-          <p:cNvPr id="8" name="矩形 7">
-            <a:extLst>
-              <a:ext uri="{FF2B5EF4-FFF2-40B4-BE49-F238E27FC236}">
-                <a16:creationId xmlns:a16="http://schemas.microsoft.com/office/drawing/2014/main" id="{EA9DC28B-BDC8-47BE-AAB7-F35B93907386}"/>
-              </a:ext>
-            </a:extLst>
-          </p:cNvPr>
-          <p:cNvSpPr/>
-          <p:nvPr/>
-        </p:nvSpPr>
-        <p:spPr>
-          <a:xfrm>
-            <a:off x="251790" y="2319131"/>
-            <a:ext cx="1895061" cy="371061"/>
-          </a:xfrm>
-          <a:prstGeom prst="rect">
-            <a:avLst/>
-          </a:prstGeom>
-          <a:noFill/>
-          <a:ln w="38100">
-            <a:solidFill>
-              <a:srgbClr val="FF0000"/>
-            </a:solidFill>
-            <a:prstDash val="sysDash"/>
-          </a:ln>
-        </p:spPr>
-        <p:style>
-          <a:lnRef idx="2">
-            <a:schemeClr val="accent1">
-              <a:shade val="50000"/>
-            </a:schemeClr>
-          </a:lnRef>
-          <a:fillRef idx="1">
-            <a:schemeClr val="accent1"/>
-          </a:fillRef>
-          <a:effectRef idx="0">
-            <a:schemeClr val="accent1"/>
-          </a:effectRef>
-          <a:fontRef idx="minor">
-            <a:schemeClr val="lt1"/>
-          </a:fontRef>
-        </p:style>
-        <p:txBody>
-          <a:bodyPr rtlCol="0" anchor="ctr"/>
-          <a:lstStyle/>
-          <a:p>
-            <a:pPr algn="ctr"/>
-            <a:endParaRPr lang="zh-TW" altLang="en-US"/>
-          </a:p>
-        </p:txBody>
-      </p:sp>
-      <p:sp>
-        <p:nvSpPr>
-          <p:cNvPr id="9" name="文字方塊 8">
-            <a:extLst>
-              <a:ext uri="{FF2B5EF4-FFF2-40B4-BE49-F238E27FC236}">
-                <a16:creationId xmlns:a16="http://schemas.microsoft.com/office/drawing/2014/main" id="{F1B3BDD2-938B-4E7D-A544-4E16DC308B46}"/>
-              </a:ext>
-            </a:extLst>
-          </p:cNvPr>
-          <p:cNvSpPr txBox="1"/>
-          <p:nvPr/>
-        </p:nvSpPr>
-        <p:spPr>
-          <a:xfrm>
-            <a:off x="251788" y="2844224"/>
-            <a:ext cx="6930889" cy="2062103"/>
-          </a:xfrm>
-          <a:prstGeom prst="rect">
-            <a:avLst/>
-          </a:prstGeom>
-          <a:noFill/>
-        </p:spPr>
-        <p:txBody>
-          <a:bodyPr wrap="square" rtlCol="0">
-            <a:spAutoFit/>
-          </a:bodyPr>
-          <a:lstStyle/>
-          <a:p>
-            <a:r>
-              <a:rPr lang="zh-TW" altLang="en-US" sz="3200" dirty="0">
-                <a:solidFill>
-                  <a:srgbClr val="FF0000"/>
-                </a:solidFill>
-                <a:latin typeface="Times New Roman" panose="02020603050405020304" pitchFamily="18" charset="0"/>
-                <a:cs typeface="Times New Roman" panose="02020603050405020304" pitchFamily="18" charset="0"/>
-              </a:rPr>
-              <a:t>根據你回答哪個問題輸入</a:t>
-            </a:r>
-            <a:r>
-              <a:rPr lang="en-US" altLang="zh-TW" sz="3200" dirty="0">
-                <a:solidFill>
-                  <a:srgbClr val="FF0000"/>
-                </a:solidFill>
-                <a:latin typeface="Times New Roman" panose="02020603050405020304" pitchFamily="18" charset="0"/>
-                <a:cs typeface="Times New Roman" panose="02020603050405020304" pitchFamily="18" charset="0"/>
-              </a:rPr>
-              <a:t>”</a:t>
-            </a:r>
-            <a:r>
-              <a:rPr lang="en-US" altLang="zh-TW" sz="3200" dirty="0" err="1">
-                <a:solidFill>
-                  <a:srgbClr val="FF0000"/>
-                </a:solidFill>
-                <a:latin typeface="Times New Roman" panose="02020603050405020304" pitchFamily="18" charset="0"/>
-                <a:cs typeface="Times New Roman" panose="02020603050405020304" pitchFamily="18" charset="0"/>
-              </a:rPr>
-              <a:t>ans</a:t>
-            </a:r>
-            <a:r>
-              <a:rPr lang="zh-TW" altLang="en-US" sz="3200" dirty="0">
-                <a:solidFill>
-                  <a:srgbClr val="FF0000"/>
-                </a:solidFill>
-                <a:latin typeface="Times New Roman" panose="02020603050405020304" pitchFamily="18" charset="0"/>
-                <a:cs typeface="Times New Roman" panose="02020603050405020304" pitchFamily="18" charset="0"/>
-              </a:rPr>
-              <a:t>題號</a:t>
-            </a:r>
-            <a:r>
-              <a:rPr lang="en-US" altLang="zh-TW" sz="3200" dirty="0">
-                <a:solidFill>
-                  <a:srgbClr val="FF0000"/>
-                </a:solidFill>
-                <a:latin typeface="Times New Roman" panose="02020603050405020304" pitchFamily="18" charset="0"/>
-                <a:cs typeface="Times New Roman" panose="02020603050405020304" pitchFamily="18" charset="0"/>
-              </a:rPr>
-              <a:t>.</a:t>
-            </a:r>
-            <a:r>
-              <a:rPr lang="en-US" altLang="zh-TW" sz="3200" dirty="0" err="1">
-                <a:solidFill>
-                  <a:srgbClr val="FF0000"/>
-                </a:solidFill>
-                <a:latin typeface="Times New Roman" panose="02020603050405020304" pitchFamily="18" charset="0"/>
-                <a:cs typeface="Times New Roman" panose="02020603050405020304" pitchFamily="18" charset="0"/>
-              </a:rPr>
-              <a:t>py</a:t>
-            </a:r>
-            <a:r>
-              <a:rPr lang="en-US" altLang="zh-TW" sz="3200" dirty="0">
-                <a:solidFill>
-                  <a:srgbClr val="FF0000"/>
-                </a:solidFill>
-                <a:latin typeface="Times New Roman" panose="02020603050405020304" pitchFamily="18" charset="0"/>
-                <a:cs typeface="Times New Roman" panose="02020603050405020304" pitchFamily="18" charset="0"/>
-              </a:rPr>
-              <a:t>”</a:t>
-            </a:r>
-          </a:p>
-          <a:p>
-            <a:r>
-              <a:rPr lang="zh-TW" altLang="en-US" sz="3200" dirty="0">
-                <a:solidFill>
-                  <a:srgbClr val="FF0000"/>
-                </a:solidFill>
-                <a:latin typeface="Times New Roman" panose="02020603050405020304" pitchFamily="18" charset="0"/>
-                <a:cs typeface="Times New Roman" panose="02020603050405020304" pitchFamily="18" charset="0"/>
-              </a:rPr>
-              <a:t>例如</a:t>
-            </a:r>
-            <a:r>
-              <a:rPr lang="en-US" altLang="zh-TW" sz="3200" dirty="0">
-                <a:solidFill>
-                  <a:srgbClr val="FF0000"/>
-                </a:solidFill>
-                <a:latin typeface="Times New Roman" panose="02020603050405020304" pitchFamily="18" charset="0"/>
-                <a:cs typeface="Times New Roman" panose="02020603050405020304" pitchFamily="18" charset="0"/>
-              </a:rPr>
-              <a:t>: ans1.py, ans2.py, ans3.py</a:t>
-            </a:r>
-          </a:p>
-          <a:p>
-            <a:endParaRPr lang="en-US" altLang="zh-TW" sz="3200" dirty="0">
-              <a:solidFill>
-                <a:srgbClr val="FF0000"/>
-              </a:solidFill>
-              <a:latin typeface="Times New Roman" panose="02020603050405020304" pitchFamily="18" charset="0"/>
-              <a:cs typeface="Times New Roman" panose="02020603050405020304" pitchFamily="18" charset="0"/>
-            </a:endParaRPr>
-          </a:p>
-          <a:p>
-            <a:r>
-              <a:rPr lang="zh-TW" altLang="en-US" sz="3200" b="1" dirty="0">
-                <a:solidFill>
-                  <a:srgbClr val="FF0000"/>
-                </a:solidFill>
-                <a:latin typeface="Times New Roman" panose="02020603050405020304" pitchFamily="18" charset="0"/>
-                <a:cs typeface="Times New Roman" panose="02020603050405020304" pitchFamily="18" charset="0"/>
-              </a:rPr>
-              <a:t>切記</a:t>
-            </a:r>
-            <a:r>
-              <a:rPr lang="en-US" altLang="zh-TW" sz="3200" b="1" dirty="0">
-                <a:solidFill>
-                  <a:srgbClr val="FF0000"/>
-                </a:solidFill>
-                <a:latin typeface="Times New Roman" panose="02020603050405020304" pitchFamily="18" charset="0"/>
-                <a:cs typeface="Times New Roman" panose="02020603050405020304" pitchFamily="18" charset="0"/>
-              </a:rPr>
-              <a:t>:</a:t>
-            </a:r>
-            <a:r>
-              <a:rPr lang="zh-TW" altLang="en-US" sz="3200" b="1" dirty="0">
-                <a:solidFill>
-                  <a:srgbClr val="FF0000"/>
-                </a:solidFill>
-                <a:latin typeface="Times New Roman" panose="02020603050405020304" pitchFamily="18" charset="0"/>
-                <a:cs typeface="Times New Roman" panose="02020603050405020304" pitchFamily="18" charset="0"/>
-              </a:rPr>
-              <a:t>附檔名一定要是</a:t>
-            </a:r>
-            <a:r>
-              <a:rPr lang="en-US" altLang="zh-TW" sz="3200" b="1" dirty="0" err="1">
-                <a:solidFill>
-                  <a:srgbClr val="FF0000"/>
-                </a:solidFill>
-                <a:latin typeface="Times New Roman" panose="02020603050405020304" pitchFamily="18" charset="0"/>
-                <a:cs typeface="Times New Roman" panose="02020603050405020304" pitchFamily="18" charset="0"/>
-              </a:rPr>
-              <a:t>py</a:t>
-            </a:r>
-            <a:endParaRPr lang="zh-TW" altLang="en-US" sz="3200" b="1" dirty="0">
-              <a:solidFill>
-                <a:srgbClr val="FF0000"/>
-              </a:solidFill>
-              <a:latin typeface="Times New Roman" panose="02020603050405020304" pitchFamily="18" charset="0"/>
-              <a:cs typeface="Times New Roman" panose="02020603050405020304" pitchFamily="18" charset="0"/>
-            </a:endParaRPr>
-          </a:p>
-        </p:txBody>
-      </p:sp>
-    </p:spTree>
-    <p:extLst>
-      <p:ext uri="{BB962C8B-B14F-4D97-AF65-F5344CB8AC3E}">
-        <p14:creationId xmlns:p14="http://schemas.microsoft.com/office/powerpoint/2010/main" val="3043335378"/>
-      </p:ext>
-    </p:extLst>
-  </p:cSld>
-  <p:clrMapOvr>
-    <a:masterClrMapping/>
-  </p:clrMapOvr>
-</p:sld>
-</file>
-
-<file path=ppt/slides/slide9.xml><?xml version="1.0" encoding="utf-8"?>
 <p:sld xmlns:a="http://schemas.openxmlformats.org/drawingml/2006/main" xmlns:r="http://schemas.openxmlformats.org/officeDocument/2006/relationships" xmlns:p="http://schemas.openxmlformats.org/presentationml/2006/main">
   <p:cSld>
     <p:spTree>
@@ -7589,6 +5241,2731 @@
 </p:sld>
 </file>
 
+<file path=ppt/slides/slide11.xml><?xml version="1.0" encoding="utf-8"?>
+<p:sld xmlns:a="http://schemas.openxmlformats.org/drawingml/2006/main" xmlns:r="http://schemas.openxmlformats.org/officeDocument/2006/relationships" xmlns:p="http://schemas.openxmlformats.org/presentationml/2006/main">
+  <p:cSld>
+    <p:spTree>
+      <p:nvGrpSpPr>
+        <p:cNvPr id="1" name=""/>
+        <p:cNvGrpSpPr/>
+        <p:nvPr/>
+      </p:nvGrpSpPr>
+      <p:grpSpPr>
+        <a:xfrm>
+          <a:off x="0" y="0"/>
+          <a:ext cx="0" cy="0"/>
+          <a:chOff x="0" y="0"/>
+          <a:chExt cx="0" cy="0"/>
+        </a:xfrm>
+      </p:grpSpPr>
+      <p:pic>
+        <p:nvPicPr>
+          <p:cNvPr id="5" name="圖片 4">
+            <a:extLst>
+              <a:ext uri="{FF2B5EF4-FFF2-40B4-BE49-F238E27FC236}">
+                <a16:creationId xmlns:a16="http://schemas.microsoft.com/office/drawing/2014/main" id="{CCCE16E5-B41F-48D2-809A-48C71ADC8A74}"/>
+              </a:ext>
+            </a:extLst>
+          </p:cNvPr>
+          <p:cNvPicPr>
+            <a:picLocks noChangeAspect="1"/>
+          </p:cNvPicPr>
+          <p:nvPr/>
+        </p:nvPicPr>
+        <p:blipFill>
+          <a:blip r:embed="rId2">
+            <a:extLst>
+              <a:ext uri="{28A0092B-C50C-407E-A947-70E740481C1C}">
+                <a14:useLocalDpi xmlns:a14="http://schemas.microsoft.com/office/drawing/2010/main" val="0"/>
+              </a:ext>
+            </a:extLst>
+          </a:blip>
+          <a:stretch>
+            <a:fillRect/>
+          </a:stretch>
+        </p:blipFill>
+        <p:spPr>
+          <a:xfrm>
+            <a:off x="0" y="0"/>
+            <a:ext cx="12192000" cy="6857999"/>
+          </a:xfrm>
+          <a:prstGeom prst="rect">
+            <a:avLst/>
+          </a:prstGeom>
+        </p:spPr>
+      </p:pic>
+      <p:sp>
+        <p:nvSpPr>
+          <p:cNvPr id="6" name="矩形 5">
+            <a:extLst>
+              <a:ext uri="{FF2B5EF4-FFF2-40B4-BE49-F238E27FC236}">
+                <a16:creationId xmlns:a16="http://schemas.microsoft.com/office/drawing/2014/main" id="{6EF17705-9A50-4DCB-BE2C-0F0A892CB4C6}"/>
+              </a:ext>
+            </a:extLst>
+          </p:cNvPr>
+          <p:cNvSpPr/>
+          <p:nvPr/>
+        </p:nvSpPr>
+        <p:spPr>
+          <a:xfrm>
+            <a:off x="1" y="1239631"/>
+            <a:ext cx="292100" cy="371061"/>
+          </a:xfrm>
+          <a:prstGeom prst="rect">
+            <a:avLst/>
+          </a:prstGeom>
+          <a:noFill/>
+          <a:ln w="38100">
+            <a:solidFill>
+              <a:srgbClr val="FF0000"/>
+            </a:solidFill>
+            <a:prstDash val="sysDash"/>
+          </a:ln>
+        </p:spPr>
+        <p:style>
+          <a:lnRef idx="2">
+            <a:schemeClr val="accent1">
+              <a:shade val="50000"/>
+            </a:schemeClr>
+          </a:lnRef>
+          <a:fillRef idx="1">
+            <a:schemeClr val="accent1"/>
+          </a:fillRef>
+          <a:effectRef idx="0">
+            <a:schemeClr val="accent1"/>
+          </a:effectRef>
+          <a:fontRef idx="minor">
+            <a:schemeClr val="lt1"/>
+          </a:fontRef>
+        </p:style>
+        <p:txBody>
+          <a:bodyPr rtlCol="0" anchor="ctr"/>
+          <a:lstStyle/>
+          <a:p>
+            <a:pPr algn="ctr"/>
+            <a:endParaRPr lang="zh-TW" altLang="en-US"/>
+          </a:p>
+        </p:txBody>
+      </p:sp>
+      <p:sp>
+        <p:nvSpPr>
+          <p:cNvPr id="7" name="文字方塊 6">
+            <a:extLst>
+              <a:ext uri="{FF2B5EF4-FFF2-40B4-BE49-F238E27FC236}">
+                <a16:creationId xmlns:a16="http://schemas.microsoft.com/office/drawing/2014/main" id="{56D9529F-C991-451C-88C8-4885016154F5}"/>
+              </a:ext>
+            </a:extLst>
+          </p:cNvPr>
+          <p:cNvSpPr txBox="1"/>
+          <p:nvPr/>
+        </p:nvSpPr>
+        <p:spPr>
+          <a:xfrm>
+            <a:off x="-101600" y="1610692"/>
+            <a:ext cx="5109091" cy="584775"/>
+          </a:xfrm>
+          <a:prstGeom prst="rect">
+            <a:avLst/>
+          </a:prstGeom>
+          <a:noFill/>
+        </p:spPr>
+        <p:txBody>
+          <a:bodyPr wrap="none" rtlCol="0">
+            <a:spAutoFit/>
+          </a:bodyPr>
+          <a:lstStyle/>
+          <a:p>
+            <a:r>
+              <a:rPr lang="zh-TW" altLang="en-US" sz="3200" dirty="0">
+                <a:solidFill>
+                  <a:srgbClr val="FFFFFF"/>
+                </a:solidFill>
+              </a:rPr>
+              <a:t>設定背景顏色以及其他功能</a:t>
+            </a:r>
+          </a:p>
+        </p:txBody>
+      </p:sp>
+    </p:spTree>
+    <p:extLst>
+      <p:ext uri="{BB962C8B-B14F-4D97-AF65-F5344CB8AC3E}">
+        <p14:creationId xmlns:p14="http://schemas.microsoft.com/office/powerpoint/2010/main" val="2617088901"/>
+      </p:ext>
+    </p:extLst>
+  </p:cSld>
+  <p:clrMapOvr>
+    <a:masterClrMapping/>
+  </p:clrMapOvr>
+</p:sld>
+</file>
+
+<file path=ppt/slides/slide12.xml><?xml version="1.0" encoding="utf-8"?>
+<p:sld xmlns:a="http://schemas.openxmlformats.org/drawingml/2006/main" xmlns:r="http://schemas.openxmlformats.org/officeDocument/2006/relationships" xmlns:p="http://schemas.openxmlformats.org/presentationml/2006/main">
+  <p:cSld>
+    <p:spTree>
+      <p:nvGrpSpPr>
+        <p:cNvPr id="1" name=""/>
+        <p:cNvGrpSpPr/>
+        <p:nvPr/>
+      </p:nvGrpSpPr>
+      <p:grpSpPr>
+        <a:xfrm>
+          <a:off x="0" y="0"/>
+          <a:ext cx="0" cy="0"/>
+          <a:chOff x="0" y="0"/>
+          <a:chExt cx="0" cy="0"/>
+        </a:xfrm>
+      </p:grpSpPr>
+      <p:pic>
+        <p:nvPicPr>
+          <p:cNvPr id="5" name="圖片 4">
+            <a:extLst>
+              <a:ext uri="{FF2B5EF4-FFF2-40B4-BE49-F238E27FC236}">
+                <a16:creationId xmlns:a16="http://schemas.microsoft.com/office/drawing/2014/main" id="{4056FCB5-4771-41A4-83D9-1FA510F26CAF}"/>
+              </a:ext>
+            </a:extLst>
+          </p:cNvPr>
+          <p:cNvPicPr>
+            <a:picLocks noChangeAspect="1"/>
+          </p:cNvPicPr>
+          <p:nvPr/>
+        </p:nvPicPr>
+        <p:blipFill>
+          <a:blip r:embed="rId2">
+            <a:extLst>
+              <a:ext uri="{28A0092B-C50C-407E-A947-70E740481C1C}">
+                <a14:useLocalDpi xmlns:a14="http://schemas.microsoft.com/office/drawing/2010/main" val="0"/>
+              </a:ext>
+            </a:extLst>
+          </a:blip>
+          <a:stretch>
+            <a:fillRect/>
+          </a:stretch>
+        </p:blipFill>
+        <p:spPr>
+          <a:xfrm>
+            <a:off x="0" y="0"/>
+            <a:ext cx="12192000" cy="6858000"/>
+          </a:xfrm>
+          <a:prstGeom prst="rect">
+            <a:avLst/>
+          </a:prstGeom>
+        </p:spPr>
+      </p:pic>
+      <p:sp>
+        <p:nvSpPr>
+          <p:cNvPr id="6" name="矩形 5">
+            <a:extLst>
+              <a:ext uri="{FF2B5EF4-FFF2-40B4-BE49-F238E27FC236}">
+                <a16:creationId xmlns:a16="http://schemas.microsoft.com/office/drawing/2014/main" id="{A827C3ED-8DF8-45D1-A057-D9BBC0FC4195}"/>
+              </a:ext>
+            </a:extLst>
+          </p:cNvPr>
+          <p:cNvSpPr/>
+          <p:nvPr/>
+        </p:nvSpPr>
+        <p:spPr>
+          <a:xfrm>
+            <a:off x="1" y="845931"/>
+            <a:ext cx="292100" cy="371061"/>
+          </a:xfrm>
+          <a:prstGeom prst="rect">
+            <a:avLst/>
+          </a:prstGeom>
+          <a:noFill/>
+          <a:ln w="38100">
+            <a:solidFill>
+              <a:srgbClr val="FF0000"/>
+            </a:solidFill>
+            <a:prstDash val="sysDash"/>
+          </a:ln>
+        </p:spPr>
+        <p:style>
+          <a:lnRef idx="2">
+            <a:schemeClr val="accent1">
+              <a:shade val="50000"/>
+            </a:schemeClr>
+          </a:lnRef>
+          <a:fillRef idx="1">
+            <a:schemeClr val="accent1"/>
+          </a:fillRef>
+          <a:effectRef idx="0">
+            <a:schemeClr val="accent1"/>
+          </a:effectRef>
+          <a:fontRef idx="minor">
+            <a:schemeClr val="lt1"/>
+          </a:fontRef>
+        </p:style>
+        <p:txBody>
+          <a:bodyPr rtlCol="0" anchor="ctr"/>
+          <a:lstStyle/>
+          <a:p>
+            <a:pPr algn="ctr"/>
+            <a:endParaRPr lang="zh-TW" altLang="en-US"/>
+          </a:p>
+        </p:txBody>
+      </p:sp>
+      <p:sp>
+        <p:nvSpPr>
+          <p:cNvPr id="7" name="文字方塊 6">
+            <a:extLst>
+              <a:ext uri="{FF2B5EF4-FFF2-40B4-BE49-F238E27FC236}">
+                <a16:creationId xmlns:a16="http://schemas.microsoft.com/office/drawing/2014/main" id="{CDCC0D25-23C1-489F-8E18-EAEF7527EDC6}"/>
+              </a:ext>
+            </a:extLst>
+          </p:cNvPr>
+          <p:cNvSpPr txBox="1"/>
+          <p:nvPr/>
+        </p:nvSpPr>
+        <p:spPr>
+          <a:xfrm>
+            <a:off x="292101" y="739073"/>
+            <a:ext cx="1826141" cy="584775"/>
+          </a:xfrm>
+          <a:prstGeom prst="rect">
+            <a:avLst/>
+          </a:prstGeom>
+          <a:noFill/>
+        </p:spPr>
+        <p:txBody>
+          <a:bodyPr wrap="none" rtlCol="0">
+            <a:spAutoFit/>
+          </a:bodyPr>
+          <a:lstStyle/>
+          <a:p>
+            <a:r>
+              <a:rPr lang="zh-TW" altLang="en-US" sz="3200" dirty="0">
+                <a:solidFill>
+                  <a:srgbClr val="FFFFFF"/>
+                </a:solidFill>
+              </a:rPr>
+              <a:t>編輯紀錄</a:t>
+            </a:r>
+          </a:p>
+        </p:txBody>
+      </p:sp>
+    </p:spTree>
+    <p:extLst>
+      <p:ext uri="{BB962C8B-B14F-4D97-AF65-F5344CB8AC3E}">
+        <p14:creationId xmlns:p14="http://schemas.microsoft.com/office/powerpoint/2010/main" val="4197469091"/>
+      </p:ext>
+    </p:extLst>
+  </p:cSld>
+  <p:clrMapOvr>
+    <a:masterClrMapping/>
+  </p:clrMapOvr>
+</p:sld>
+</file>
+
+<file path=ppt/slides/slide13.xml><?xml version="1.0" encoding="utf-8"?>
+<p:sld xmlns:a="http://schemas.openxmlformats.org/drawingml/2006/main" xmlns:r="http://schemas.openxmlformats.org/officeDocument/2006/relationships" xmlns:p="http://schemas.openxmlformats.org/presentationml/2006/main">
+  <p:cSld>
+    <p:spTree>
+      <p:nvGrpSpPr>
+        <p:cNvPr id="1" name=""/>
+        <p:cNvGrpSpPr/>
+        <p:nvPr/>
+      </p:nvGrpSpPr>
+      <p:grpSpPr>
+        <a:xfrm>
+          <a:off x="0" y="0"/>
+          <a:ext cx="0" cy="0"/>
+          <a:chOff x="0" y="0"/>
+          <a:chExt cx="0" cy="0"/>
+        </a:xfrm>
+      </p:grpSpPr>
+      <p:pic>
+        <p:nvPicPr>
+          <p:cNvPr id="7" name="圖片 6">
+            <a:extLst>
+              <a:ext uri="{FF2B5EF4-FFF2-40B4-BE49-F238E27FC236}">
+                <a16:creationId xmlns:a16="http://schemas.microsoft.com/office/drawing/2014/main" id="{FEB71AA1-0463-4193-A83D-1A7102EFD922}"/>
+              </a:ext>
+            </a:extLst>
+          </p:cNvPr>
+          <p:cNvPicPr>
+            <a:picLocks noChangeAspect="1"/>
+          </p:cNvPicPr>
+          <p:nvPr/>
+        </p:nvPicPr>
+        <p:blipFill rotWithShape="1">
+          <a:blip r:embed="rId2">
+            <a:extLst>
+              <a:ext uri="{28A0092B-C50C-407E-A947-70E740481C1C}">
+                <a14:useLocalDpi xmlns:a14="http://schemas.microsoft.com/office/drawing/2010/main" val="0"/>
+              </a:ext>
+            </a:extLst>
+          </a:blip>
+          <a:srcRect b="54396"/>
+          <a:stretch/>
+        </p:blipFill>
+        <p:spPr>
+          <a:xfrm>
+            <a:off x="0" y="0"/>
+            <a:ext cx="12192000" cy="3127513"/>
+          </a:xfrm>
+          <a:prstGeom prst="rect">
+            <a:avLst/>
+          </a:prstGeom>
+        </p:spPr>
+      </p:pic>
+      <p:sp>
+        <p:nvSpPr>
+          <p:cNvPr id="8" name="矩形 7">
+            <a:extLst>
+              <a:ext uri="{FF2B5EF4-FFF2-40B4-BE49-F238E27FC236}">
+                <a16:creationId xmlns:a16="http://schemas.microsoft.com/office/drawing/2014/main" id="{376614B3-A0F9-4870-BEE2-44769C783B28}"/>
+              </a:ext>
+            </a:extLst>
+          </p:cNvPr>
+          <p:cNvSpPr/>
+          <p:nvPr/>
+        </p:nvSpPr>
+        <p:spPr>
+          <a:xfrm>
+            <a:off x="371060" y="2290418"/>
+            <a:ext cx="1643269" cy="439530"/>
+          </a:xfrm>
+          <a:prstGeom prst="rect">
+            <a:avLst/>
+          </a:prstGeom>
+          <a:noFill/>
+          <a:ln w="38100">
+            <a:solidFill>
+              <a:srgbClr val="FF0000"/>
+            </a:solidFill>
+            <a:prstDash val="sysDash"/>
+          </a:ln>
+        </p:spPr>
+        <p:style>
+          <a:lnRef idx="2">
+            <a:schemeClr val="accent1">
+              <a:shade val="50000"/>
+            </a:schemeClr>
+          </a:lnRef>
+          <a:fillRef idx="1">
+            <a:schemeClr val="accent1"/>
+          </a:fillRef>
+          <a:effectRef idx="0">
+            <a:schemeClr val="accent1"/>
+          </a:effectRef>
+          <a:fontRef idx="minor">
+            <a:schemeClr val="lt1"/>
+          </a:fontRef>
+        </p:style>
+        <p:txBody>
+          <a:bodyPr rtlCol="0" anchor="ctr"/>
+          <a:lstStyle/>
+          <a:p>
+            <a:pPr algn="ctr"/>
+            <a:endParaRPr lang="zh-TW" altLang="en-US"/>
+          </a:p>
+        </p:txBody>
+      </p:sp>
+      <p:pic>
+        <p:nvPicPr>
+          <p:cNvPr id="10" name="圖片 9">
+            <a:extLst>
+              <a:ext uri="{FF2B5EF4-FFF2-40B4-BE49-F238E27FC236}">
+                <a16:creationId xmlns:a16="http://schemas.microsoft.com/office/drawing/2014/main" id="{836A50B8-88CF-4B43-998C-2B1DCF1A6AE3}"/>
+              </a:ext>
+            </a:extLst>
+          </p:cNvPr>
+          <p:cNvPicPr>
+            <a:picLocks noChangeAspect="1"/>
+          </p:cNvPicPr>
+          <p:nvPr/>
+        </p:nvPicPr>
+        <p:blipFill rotWithShape="1">
+          <a:blip r:embed="rId3">
+            <a:extLst>
+              <a:ext uri="{28A0092B-C50C-407E-A947-70E740481C1C}">
+                <a14:useLocalDpi xmlns:a14="http://schemas.microsoft.com/office/drawing/2010/main" val="0"/>
+              </a:ext>
+            </a:extLst>
+          </a:blip>
+          <a:srcRect b="53468"/>
+          <a:stretch/>
+        </p:blipFill>
+        <p:spPr>
+          <a:xfrm>
+            <a:off x="0" y="3911099"/>
+            <a:ext cx="12192000" cy="2622223"/>
+          </a:xfrm>
+          <a:prstGeom prst="rect">
+            <a:avLst/>
+          </a:prstGeom>
+        </p:spPr>
+      </p:pic>
+      <p:sp>
+        <p:nvSpPr>
+          <p:cNvPr id="11" name="矩形 10">
+            <a:extLst>
+              <a:ext uri="{FF2B5EF4-FFF2-40B4-BE49-F238E27FC236}">
+                <a16:creationId xmlns:a16="http://schemas.microsoft.com/office/drawing/2014/main" id="{548A62B5-F3CC-45B6-B6B3-FB3C467D252E}"/>
+              </a:ext>
+            </a:extLst>
+          </p:cNvPr>
+          <p:cNvSpPr/>
+          <p:nvPr/>
+        </p:nvSpPr>
+        <p:spPr>
+          <a:xfrm>
+            <a:off x="371060" y="6149008"/>
+            <a:ext cx="1643269" cy="331305"/>
+          </a:xfrm>
+          <a:prstGeom prst="rect">
+            <a:avLst/>
+          </a:prstGeom>
+          <a:noFill/>
+          <a:ln w="38100">
+            <a:solidFill>
+              <a:srgbClr val="FF0000"/>
+            </a:solidFill>
+            <a:prstDash val="sysDash"/>
+          </a:ln>
+        </p:spPr>
+        <p:style>
+          <a:lnRef idx="2">
+            <a:schemeClr val="accent1">
+              <a:shade val="50000"/>
+            </a:schemeClr>
+          </a:lnRef>
+          <a:fillRef idx="1">
+            <a:schemeClr val="accent1"/>
+          </a:fillRef>
+          <a:effectRef idx="0">
+            <a:schemeClr val="accent1"/>
+          </a:effectRef>
+          <a:fontRef idx="minor">
+            <a:schemeClr val="lt1"/>
+          </a:fontRef>
+        </p:style>
+        <p:txBody>
+          <a:bodyPr rtlCol="0" anchor="ctr"/>
+          <a:lstStyle/>
+          <a:p>
+            <a:pPr algn="ctr"/>
+            <a:endParaRPr lang="zh-TW" altLang="en-US"/>
+          </a:p>
+        </p:txBody>
+      </p:sp>
+      <p:sp>
+        <p:nvSpPr>
+          <p:cNvPr id="12" name="文字方塊 11">
+            <a:extLst>
+              <a:ext uri="{FF2B5EF4-FFF2-40B4-BE49-F238E27FC236}">
+                <a16:creationId xmlns:a16="http://schemas.microsoft.com/office/drawing/2014/main" id="{F08579F4-4B26-49B2-893C-22ED8E9D658F}"/>
+              </a:ext>
+            </a:extLst>
+          </p:cNvPr>
+          <p:cNvSpPr txBox="1"/>
+          <p:nvPr/>
+        </p:nvSpPr>
+        <p:spPr>
+          <a:xfrm>
+            <a:off x="2173910" y="2217795"/>
+            <a:ext cx="3467616" cy="584775"/>
+          </a:xfrm>
+          <a:prstGeom prst="rect">
+            <a:avLst/>
+          </a:prstGeom>
+          <a:noFill/>
+        </p:spPr>
+        <p:txBody>
+          <a:bodyPr wrap="none" rtlCol="0">
+            <a:spAutoFit/>
+          </a:bodyPr>
+          <a:lstStyle/>
+          <a:p>
+            <a:r>
+              <a:rPr lang="zh-TW" altLang="en-US" sz="3200" dirty="0">
+                <a:solidFill>
+                  <a:srgbClr val="FFFFFF"/>
+                </a:solidFill>
+              </a:rPr>
+              <a:t>輸入新的紀錄名稱</a:t>
+            </a:r>
+          </a:p>
+        </p:txBody>
+      </p:sp>
+      <p:sp>
+        <p:nvSpPr>
+          <p:cNvPr id="13" name="文字方塊 12">
+            <a:extLst>
+              <a:ext uri="{FF2B5EF4-FFF2-40B4-BE49-F238E27FC236}">
+                <a16:creationId xmlns:a16="http://schemas.microsoft.com/office/drawing/2014/main" id="{14B6B4EC-9114-45C7-9FD4-26EB81FC0DF1}"/>
+              </a:ext>
+            </a:extLst>
+          </p:cNvPr>
+          <p:cNvSpPr txBox="1"/>
+          <p:nvPr/>
+        </p:nvSpPr>
+        <p:spPr>
+          <a:xfrm>
+            <a:off x="2173910" y="5948547"/>
+            <a:ext cx="1826141" cy="584775"/>
+          </a:xfrm>
+          <a:prstGeom prst="rect">
+            <a:avLst/>
+          </a:prstGeom>
+          <a:noFill/>
+        </p:spPr>
+        <p:txBody>
+          <a:bodyPr wrap="none" rtlCol="0">
+            <a:spAutoFit/>
+          </a:bodyPr>
+          <a:lstStyle/>
+          <a:p>
+            <a:r>
+              <a:rPr lang="zh-TW" altLang="en-US" sz="3200" dirty="0">
+                <a:solidFill>
+                  <a:srgbClr val="FFFFFF"/>
+                </a:solidFill>
+              </a:rPr>
+              <a:t>儲存紀錄</a:t>
+            </a:r>
+          </a:p>
+        </p:txBody>
+      </p:sp>
+    </p:spTree>
+    <p:extLst>
+      <p:ext uri="{BB962C8B-B14F-4D97-AF65-F5344CB8AC3E}">
+        <p14:creationId xmlns:p14="http://schemas.microsoft.com/office/powerpoint/2010/main" val="3245963645"/>
+      </p:ext>
+    </p:extLst>
+  </p:cSld>
+  <p:clrMapOvr>
+    <a:masterClrMapping/>
+  </p:clrMapOvr>
+  <p:timing>
+    <p:tnLst>
+      <p:par>
+        <p:cTn id="1" dur="indefinite" restart="never" nodeType="tmRoot">
+          <p:childTnLst>
+            <p:seq concurrent="1" nextAc="seek">
+              <p:cTn id="2" dur="indefinite" nodeType="mainSeq">
+                <p:childTnLst>
+                  <p:par>
+                    <p:cTn id="3" fill="hold">
+                      <p:stCondLst>
+                        <p:cond delay="indefinite"/>
+                      </p:stCondLst>
+                      <p:childTnLst>
+                        <p:par>
+                          <p:cTn id="4" fill="hold">
+                            <p:stCondLst>
+                              <p:cond delay="0"/>
+                            </p:stCondLst>
+                            <p:childTnLst>
+                              <p:par>
+                                <p:cTn id="5" presetID="1" presetClass="entr" presetSubtype="0" fill="hold" grpId="0" nodeType="clickEffect">
+                                  <p:stCondLst>
+                                    <p:cond delay="0"/>
+                                  </p:stCondLst>
+                                  <p:childTnLst>
+                                    <p:set>
+                                      <p:cBhvr>
+                                        <p:cTn id="6" dur="1" fill="hold">
+                                          <p:stCondLst>
+                                            <p:cond delay="0"/>
+                                          </p:stCondLst>
+                                        </p:cTn>
+                                        <p:tgtEl>
+                                          <p:spTgt spid="8"/>
+                                        </p:tgtEl>
+                                        <p:attrNameLst>
+                                          <p:attrName>style.visibility</p:attrName>
+                                        </p:attrNameLst>
+                                      </p:cBhvr>
+                                      <p:to>
+                                        <p:strVal val="visible"/>
+                                      </p:to>
+                                    </p:set>
+                                  </p:childTnLst>
+                                </p:cTn>
+                              </p:par>
+                              <p:par>
+                                <p:cTn id="7" presetID="1" presetClass="entr" presetSubtype="0" fill="hold" nodeType="withEffect">
+                                  <p:stCondLst>
+                                    <p:cond delay="0"/>
+                                  </p:stCondLst>
+                                  <p:childTnLst>
+                                    <p:set>
+                                      <p:cBhvr>
+                                        <p:cTn id="8" dur="1" fill="hold">
+                                          <p:stCondLst>
+                                            <p:cond delay="0"/>
+                                          </p:stCondLst>
+                                        </p:cTn>
+                                        <p:tgtEl>
+                                          <p:spTgt spid="7"/>
+                                        </p:tgtEl>
+                                        <p:attrNameLst>
+                                          <p:attrName>style.visibility</p:attrName>
+                                        </p:attrNameLst>
+                                      </p:cBhvr>
+                                      <p:to>
+                                        <p:strVal val="visible"/>
+                                      </p:to>
+                                    </p:set>
+                                  </p:childTnLst>
+                                </p:cTn>
+                              </p:par>
+                              <p:par>
+                                <p:cTn id="9" presetID="1" presetClass="entr" presetSubtype="0" fill="hold" grpId="0" nodeType="withEffect">
+                                  <p:stCondLst>
+                                    <p:cond delay="0"/>
+                                  </p:stCondLst>
+                                  <p:childTnLst>
+                                    <p:set>
+                                      <p:cBhvr>
+                                        <p:cTn id="10" dur="1" fill="hold">
+                                          <p:stCondLst>
+                                            <p:cond delay="0"/>
+                                          </p:stCondLst>
+                                        </p:cTn>
+                                        <p:tgtEl>
+                                          <p:spTgt spid="12"/>
+                                        </p:tgtEl>
+                                        <p:attrNameLst>
+                                          <p:attrName>style.visibility</p:attrName>
+                                        </p:attrNameLst>
+                                      </p:cBhvr>
+                                      <p:to>
+                                        <p:strVal val="visible"/>
+                                      </p:to>
+                                    </p:set>
+                                  </p:childTnLst>
+                                </p:cTn>
+                              </p:par>
+                            </p:childTnLst>
+                          </p:cTn>
+                        </p:par>
+                      </p:childTnLst>
+                    </p:cTn>
+                  </p:par>
+                  <p:par>
+                    <p:cTn id="11" fill="hold">
+                      <p:stCondLst>
+                        <p:cond delay="indefinite"/>
+                      </p:stCondLst>
+                      <p:childTnLst>
+                        <p:par>
+                          <p:cTn id="12" fill="hold">
+                            <p:stCondLst>
+                              <p:cond delay="0"/>
+                            </p:stCondLst>
+                            <p:childTnLst>
+                              <p:par>
+                                <p:cTn id="13" presetID="1" presetClass="entr" presetSubtype="0" fill="hold" nodeType="clickEffect">
+                                  <p:stCondLst>
+                                    <p:cond delay="0"/>
+                                  </p:stCondLst>
+                                  <p:childTnLst>
+                                    <p:set>
+                                      <p:cBhvr>
+                                        <p:cTn id="14" dur="1" fill="hold">
+                                          <p:stCondLst>
+                                            <p:cond delay="0"/>
+                                          </p:stCondLst>
+                                        </p:cTn>
+                                        <p:tgtEl>
+                                          <p:spTgt spid="10"/>
+                                        </p:tgtEl>
+                                        <p:attrNameLst>
+                                          <p:attrName>style.visibility</p:attrName>
+                                        </p:attrNameLst>
+                                      </p:cBhvr>
+                                      <p:to>
+                                        <p:strVal val="visible"/>
+                                      </p:to>
+                                    </p:set>
+                                  </p:childTnLst>
+                                </p:cTn>
+                              </p:par>
+                              <p:par>
+                                <p:cTn id="15" presetID="1" presetClass="entr" presetSubtype="0" fill="hold" grpId="0" nodeType="withEffect">
+                                  <p:stCondLst>
+                                    <p:cond delay="0"/>
+                                  </p:stCondLst>
+                                  <p:childTnLst>
+                                    <p:set>
+                                      <p:cBhvr>
+                                        <p:cTn id="16" dur="1" fill="hold">
+                                          <p:stCondLst>
+                                            <p:cond delay="0"/>
+                                          </p:stCondLst>
+                                        </p:cTn>
+                                        <p:tgtEl>
+                                          <p:spTgt spid="11"/>
+                                        </p:tgtEl>
+                                        <p:attrNameLst>
+                                          <p:attrName>style.visibility</p:attrName>
+                                        </p:attrNameLst>
+                                      </p:cBhvr>
+                                      <p:to>
+                                        <p:strVal val="visible"/>
+                                      </p:to>
+                                    </p:set>
+                                  </p:childTnLst>
+                                </p:cTn>
+                              </p:par>
+                              <p:par>
+                                <p:cTn id="17" presetID="1" presetClass="entr" presetSubtype="0" fill="hold" grpId="0" nodeType="withEffect">
+                                  <p:stCondLst>
+                                    <p:cond delay="0"/>
+                                  </p:stCondLst>
+                                  <p:childTnLst>
+                                    <p:set>
+                                      <p:cBhvr>
+                                        <p:cTn id="18" dur="1" fill="hold">
+                                          <p:stCondLst>
+                                            <p:cond delay="0"/>
+                                          </p:stCondLst>
+                                        </p:cTn>
+                                        <p:tgtEl>
+                                          <p:spTgt spid="13"/>
+                                        </p:tgtEl>
+                                        <p:attrNameLst>
+                                          <p:attrName>style.visibility</p:attrName>
+                                        </p:attrNameLst>
+                                      </p:cBhvr>
+                                      <p:to>
+                                        <p:strVal val="visible"/>
+                                      </p:to>
+                                    </p:set>
+                                  </p:childTnLst>
+                                </p:cTn>
+                              </p:par>
+                            </p:childTnLst>
+                          </p:cTn>
+                        </p:par>
+                      </p:childTnLst>
+                    </p:cTn>
+                  </p:par>
+                </p:childTnLst>
+              </p:cTn>
+              <p:prevCondLst>
+                <p:cond evt="onPrev" delay="0">
+                  <p:tgtEl>
+                    <p:sldTgt/>
+                  </p:tgtEl>
+                </p:cond>
+              </p:prevCondLst>
+              <p:nextCondLst>
+                <p:cond evt="onNext" delay="0">
+                  <p:tgtEl>
+                    <p:sldTgt/>
+                  </p:tgtEl>
+                </p:cond>
+              </p:nextCondLst>
+            </p:seq>
+          </p:childTnLst>
+        </p:cTn>
+      </p:par>
+    </p:tnLst>
+    <p:bldLst>
+      <p:bldP spid="8" grpId="0" animBg="1"/>
+      <p:bldP spid="11" grpId="0" animBg="1"/>
+      <p:bldP spid="12" grpId="0"/>
+      <p:bldP spid="13" grpId="0"/>
+    </p:bldLst>
+  </p:timing>
+</p:sld>
+</file>
+
+<file path=ppt/slides/slide14.xml><?xml version="1.0" encoding="utf-8"?>
+<p:sld xmlns:a="http://schemas.openxmlformats.org/drawingml/2006/main" xmlns:r="http://schemas.openxmlformats.org/officeDocument/2006/relationships" xmlns:p="http://schemas.openxmlformats.org/presentationml/2006/main">
+  <p:cSld>
+    <p:spTree>
+      <p:nvGrpSpPr>
+        <p:cNvPr id="1" name=""/>
+        <p:cNvGrpSpPr/>
+        <p:nvPr/>
+      </p:nvGrpSpPr>
+      <p:grpSpPr>
+        <a:xfrm>
+          <a:off x="0" y="0"/>
+          <a:ext cx="0" cy="0"/>
+          <a:chOff x="0" y="0"/>
+          <a:chExt cx="0" cy="0"/>
+        </a:xfrm>
+      </p:grpSpPr>
+      <p:pic>
+        <p:nvPicPr>
+          <p:cNvPr id="5" name="圖片 4">
+            <a:extLst>
+              <a:ext uri="{FF2B5EF4-FFF2-40B4-BE49-F238E27FC236}">
+                <a16:creationId xmlns:a16="http://schemas.microsoft.com/office/drawing/2014/main" id="{AAAA85FB-6472-4846-A6CC-391F8E2229A9}"/>
+              </a:ext>
+            </a:extLst>
+          </p:cNvPr>
+          <p:cNvPicPr>
+            <a:picLocks noChangeAspect="1"/>
+          </p:cNvPicPr>
+          <p:nvPr/>
+        </p:nvPicPr>
+        <p:blipFill>
+          <a:blip r:embed="rId2">
+            <a:extLst>
+              <a:ext uri="{28A0092B-C50C-407E-A947-70E740481C1C}">
+                <a14:useLocalDpi xmlns:a14="http://schemas.microsoft.com/office/drawing/2010/main" val="0"/>
+              </a:ext>
+            </a:extLst>
+          </a:blip>
+          <a:stretch>
+            <a:fillRect/>
+          </a:stretch>
+        </p:blipFill>
+        <p:spPr>
+          <a:xfrm>
+            <a:off x="0" y="0"/>
+            <a:ext cx="12192000" cy="6858000"/>
+          </a:xfrm>
+          <a:prstGeom prst="rect">
+            <a:avLst/>
+          </a:prstGeom>
+        </p:spPr>
+      </p:pic>
+      <p:sp>
+        <p:nvSpPr>
+          <p:cNvPr id="6" name="矩形 5">
+            <a:extLst>
+              <a:ext uri="{FF2B5EF4-FFF2-40B4-BE49-F238E27FC236}">
+                <a16:creationId xmlns:a16="http://schemas.microsoft.com/office/drawing/2014/main" id="{19CE9910-2CD8-4FB3-87F0-D71E12A509F8}"/>
+              </a:ext>
+            </a:extLst>
+          </p:cNvPr>
+          <p:cNvSpPr/>
+          <p:nvPr/>
+        </p:nvSpPr>
+        <p:spPr>
+          <a:xfrm>
+            <a:off x="530087" y="4797286"/>
+            <a:ext cx="1470992" cy="1272210"/>
+          </a:xfrm>
+          <a:prstGeom prst="rect">
+            <a:avLst/>
+          </a:prstGeom>
+          <a:noFill/>
+          <a:ln w="38100">
+            <a:solidFill>
+              <a:srgbClr val="FF0000"/>
+            </a:solidFill>
+            <a:prstDash val="sysDash"/>
+          </a:ln>
+        </p:spPr>
+        <p:style>
+          <a:lnRef idx="2">
+            <a:schemeClr val="accent1">
+              <a:shade val="50000"/>
+            </a:schemeClr>
+          </a:lnRef>
+          <a:fillRef idx="1">
+            <a:schemeClr val="accent1"/>
+          </a:fillRef>
+          <a:effectRef idx="0">
+            <a:schemeClr val="accent1"/>
+          </a:effectRef>
+          <a:fontRef idx="minor">
+            <a:schemeClr val="lt1"/>
+          </a:fontRef>
+        </p:style>
+        <p:txBody>
+          <a:bodyPr rtlCol="0" anchor="ctr"/>
+          <a:lstStyle/>
+          <a:p>
+            <a:pPr algn="ctr"/>
+            <a:endParaRPr lang="zh-TW" altLang="en-US"/>
+          </a:p>
+        </p:txBody>
+      </p:sp>
+      <p:sp>
+        <p:nvSpPr>
+          <p:cNvPr id="7" name="矩形 6">
+            <a:extLst>
+              <a:ext uri="{FF2B5EF4-FFF2-40B4-BE49-F238E27FC236}">
+                <a16:creationId xmlns:a16="http://schemas.microsoft.com/office/drawing/2014/main" id="{357DB69E-AFA6-41A9-8FAC-A6C39AA74F43}"/>
+              </a:ext>
+            </a:extLst>
+          </p:cNvPr>
+          <p:cNvSpPr/>
+          <p:nvPr/>
+        </p:nvSpPr>
+        <p:spPr>
+          <a:xfrm>
+            <a:off x="530087" y="3538329"/>
+            <a:ext cx="1470992" cy="1182757"/>
+          </a:xfrm>
+          <a:prstGeom prst="rect">
+            <a:avLst/>
+          </a:prstGeom>
+          <a:noFill/>
+          <a:ln w="38100">
+            <a:solidFill>
+              <a:srgbClr val="FF0000"/>
+            </a:solidFill>
+            <a:prstDash val="sysDash"/>
+          </a:ln>
+        </p:spPr>
+        <p:style>
+          <a:lnRef idx="2">
+            <a:schemeClr val="accent1">
+              <a:shade val="50000"/>
+            </a:schemeClr>
+          </a:lnRef>
+          <a:fillRef idx="1">
+            <a:schemeClr val="accent1"/>
+          </a:fillRef>
+          <a:effectRef idx="0">
+            <a:schemeClr val="accent1"/>
+          </a:effectRef>
+          <a:fontRef idx="minor">
+            <a:schemeClr val="lt1"/>
+          </a:fontRef>
+        </p:style>
+        <p:txBody>
+          <a:bodyPr rtlCol="0" anchor="ctr"/>
+          <a:lstStyle/>
+          <a:p>
+            <a:pPr algn="ctr"/>
+            <a:endParaRPr lang="zh-TW" altLang="en-US"/>
+          </a:p>
+        </p:txBody>
+      </p:sp>
+      <p:sp>
+        <p:nvSpPr>
+          <p:cNvPr id="8" name="文字方塊 7">
+            <a:extLst>
+              <a:ext uri="{FF2B5EF4-FFF2-40B4-BE49-F238E27FC236}">
+                <a16:creationId xmlns:a16="http://schemas.microsoft.com/office/drawing/2014/main" id="{B5DBE945-54DC-4D35-936D-9D27AFF39EC6}"/>
+              </a:ext>
+            </a:extLst>
+          </p:cNvPr>
+          <p:cNvSpPr txBox="1"/>
+          <p:nvPr/>
+        </p:nvSpPr>
+        <p:spPr>
+          <a:xfrm>
+            <a:off x="2147405" y="3837319"/>
+            <a:ext cx="1415772" cy="584775"/>
+          </a:xfrm>
+          <a:prstGeom prst="rect">
+            <a:avLst/>
+          </a:prstGeom>
+          <a:noFill/>
+        </p:spPr>
+        <p:txBody>
+          <a:bodyPr wrap="none" rtlCol="0">
+            <a:spAutoFit/>
+          </a:bodyPr>
+          <a:lstStyle/>
+          <a:p>
+            <a:r>
+              <a:rPr lang="zh-TW" altLang="en-US" sz="3200" dirty="0">
+                <a:solidFill>
+                  <a:srgbClr val="FFFFFF"/>
+                </a:solidFill>
+              </a:rPr>
+              <a:t>新紀錄</a:t>
+            </a:r>
+          </a:p>
+        </p:txBody>
+      </p:sp>
+      <p:sp>
+        <p:nvSpPr>
+          <p:cNvPr id="9" name="文字方塊 8">
+            <a:extLst>
+              <a:ext uri="{FF2B5EF4-FFF2-40B4-BE49-F238E27FC236}">
+                <a16:creationId xmlns:a16="http://schemas.microsoft.com/office/drawing/2014/main" id="{DDA29796-4EDC-4A86-86B5-72B3EC13B78A}"/>
+              </a:ext>
+            </a:extLst>
+          </p:cNvPr>
+          <p:cNvSpPr txBox="1"/>
+          <p:nvPr/>
+        </p:nvSpPr>
+        <p:spPr>
+          <a:xfrm>
+            <a:off x="2147405" y="5141003"/>
+            <a:ext cx="4631396" cy="584775"/>
+          </a:xfrm>
+          <a:prstGeom prst="rect">
+            <a:avLst/>
+          </a:prstGeom>
+          <a:noFill/>
+        </p:spPr>
+        <p:txBody>
+          <a:bodyPr wrap="none" rtlCol="0">
+            <a:spAutoFit/>
+          </a:bodyPr>
+          <a:lstStyle/>
+          <a:p>
+            <a:r>
+              <a:rPr lang="zh-TW" altLang="en-US" sz="3200" dirty="0">
+                <a:solidFill>
+                  <a:srgbClr val="FFFFFF"/>
+                </a:solidFill>
+              </a:rPr>
+              <a:t>舊紀錄 </a:t>
+            </a:r>
+            <a:r>
+              <a:rPr lang="en-US" altLang="zh-TW" sz="3200" dirty="0">
+                <a:solidFill>
+                  <a:srgbClr val="FFFFFF"/>
+                </a:solidFill>
+              </a:rPr>
+              <a:t>(</a:t>
+            </a:r>
+            <a:r>
+              <a:rPr lang="zh-TW" altLang="en-US" sz="3200" dirty="0">
+                <a:solidFill>
+                  <a:srgbClr val="FFFFFF"/>
+                </a:solidFill>
+              </a:rPr>
+              <a:t>可回朔至舊紀錄</a:t>
+            </a:r>
+            <a:r>
+              <a:rPr lang="en-US" altLang="zh-TW" sz="3200" dirty="0">
+                <a:solidFill>
+                  <a:srgbClr val="FFFFFF"/>
+                </a:solidFill>
+              </a:rPr>
+              <a:t>)</a:t>
+            </a:r>
+            <a:endParaRPr lang="zh-TW" altLang="en-US" sz="3200" dirty="0">
+              <a:solidFill>
+                <a:srgbClr val="FFFFFF"/>
+              </a:solidFill>
+            </a:endParaRPr>
+          </a:p>
+        </p:txBody>
+      </p:sp>
+    </p:spTree>
+    <p:extLst>
+      <p:ext uri="{BB962C8B-B14F-4D97-AF65-F5344CB8AC3E}">
+        <p14:creationId xmlns:p14="http://schemas.microsoft.com/office/powerpoint/2010/main" val="2813272277"/>
+      </p:ext>
+    </p:extLst>
+  </p:cSld>
+  <p:clrMapOvr>
+    <a:masterClrMapping/>
+  </p:clrMapOvr>
+</p:sld>
+</file>
+
+<file path=ppt/slides/slide15.xml><?xml version="1.0" encoding="utf-8"?>
+<p:sld xmlns:a="http://schemas.openxmlformats.org/drawingml/2006/main" xmlns:r="http://schemas.openxmlformats.org/officeDocument/2006/relationships" xmlns:p="http://schemas.openxmlformats.org/presentationml/2006/main">
+  <p:cSld>
+    <p:spTree>
+      <p:nvGrpSpPr>
+        <p:cNvPr id="1" name=""/>
+        <p:cNvGrpSpPr/>
+        <p:nvPr/>
+      </p:nvGrpSpPr>
+      <p:grpSpPr>
+        <a:xfrm>
+          <a:off x="0" y="0"/>
+          <a:ext cx="0" cy="0"/>
+          <a:chOff x="0" y="0"/>
+          <a:chExt cx="0" cy="0"/>
+        </a:xfrm>
+      </p:grpSpPr>
+      <p:sp>
+        <p:nvSpPr>
+          <p:cNvPr id="6" name="矩形 5">
+            <a:extLst>
+              <a:ext uri="{FF2B5EF4-FFF2-40B4-BE49-F238E27FC236}">
+                <a16:creationId xmlns:a16="http://schemas.microsoft.com/office/drawing/2014/main" id="{5EB9354C-BCD4-4F2F-99DB-3D4B4D186F7F}"/>
+              </a:ext>
+            </a:extLst>
+          </p:cNvPr>
+          <p:cNvSpPr/>
+          <p:nvPr/>
+        </p:nvSpPr>
+        <p:spPr>
+          <a:xfrm>
+            <a:off x="423614" y="777569"/>
+            <a:ext cx="11344772" cy="5302862"/>
+          </a:xfrm>
+          <a:prstGeom prst="rect">
+            <a:avLst/>
+          </a:prstGeom>
+        </p:spPr>
+        <p:txBody>
+          <a:bodyPr wrap="none">
+            <a:spAutoFit/>
+          </a:bodyPr>
+          <a:lstStyle/>
+          <a:p>
+            <a:pPr>
+              <a:lnSpc>
+                <a:spcPct val="200000"/>
+              </a:lnSpc>
+            </a:pPr>
+            <a:r>
+              <a:rPr lang="zh-TW" altLang="en-US" sz="4400" dirty="0">
+                <a:latin typeface="Times New Roman" panose="02020603050405020304" pitchFamily="18" charset="0"/>
+                <a:cs typeface="Times New Roman" panose="02020603050405020304" pitchFamily="18" charset="0"/>
+              </a:rPr>
+              <a:t>以上測試先讓同學們熟悉</a:t>
+            </a:r>
+            <a:r>
+              <a:rPr lang="en-US" altLang="zh-TW" sz="4400" dirty="0" err="1">
+                <a:latin typeface="Times New Roman" panose="02020603050405020304" pitchFamily="18" charset="0"/>
+                <a:cs typeface="Times New Roman" panose="02020603050405020304" pitchFamily="18" charset="0"/>
+              </a:rPr>
+              <a:t>github</a:t>
+            </a:r>
+            <a:r>
+              <a:rPr lang="en-US" altLang="zh-TW" sz="4400" dirty="0">
+                <a:latin typeface="Times New Roman" panose="02020603050405020304" pitchFamily="18" charset="0"/>
+                <a:cs typeface="Times New Roman" panose="02020603050405020304" pitchFamily="18" charset="0"/>
+              </a:rPr>
+              <a:t> classroom</a:t>
+            </a:r>
+            <a:r>
+              <a:rPr lang="zh-TW" altLang="en-US" sz="4400" dirty="0">
+                <a:latin typeface="Times New Roman" panose="02020603050405020304" pitchFamily="18" charset="0"/>
+                <a:cs typeface="Times New Roman" panose="02020603050405020304" pitchFamily="18" charset="0"/>
+              </a:rPr>
+              <a:t>，</a:t>
+            </a:r>
+            <a:endParaRPr lang="en-US" altLang="zh-TW" sz="4400" dirty="0">
+              <a:latin typeface="Times New Roman" panose="02020603050405020304" pitchFamily="18" charset="0"/>
+              <a:cs typeface="Times New Roman" panose="02020603050405020304" pitchFamily="18" charset="0"/>
+            </a:endParaRPr>
+          </a:p>
+          <a:p>
+            <a:pPr>
+              <a:lnSpc>
+                <a:spcPct val="200000"/>
+              </a:lnSpc>
+            </a:pPr>
+            <a:r>
+              <a:rPr lang="en-US" altLang="zh-TW" sz="4400" b="1" dirty="0">
+                <a:solidFill>
+                  <a:srgbClr val="FF0000"/>
+                </a:solidFill>
+                <a:latin typeface="Times New Roman" panose="02020603050405020304" pitchFamily="18" charset="0"/>
+                <a:cs typeface="Times New Roman" panose="02020603050405020304" pitchFamily="18" charset="0"/>
+              </a:rPr>
+              <a:t>7/17</a:t>
+            </a:r>
+            <a:r>
+              <a:rPr lang="zh-TW" altLang="en-US" sz="4400" b="1" dirty="0">
+                <a:solidFill>
+                  <a:srgbClr val="FF0000"/>
+                </a:solidFill>
+                <a:latin typeface="Times New Roman" panose="02020603050405020304" pitchFamily="18" charset="0"/>
+                <a:cs typeface="Times New Roman" panose="02020603050405020304" pitchFamily="18" charset="0"/>
+              </a:rPr>
+              <a:t>下午</a:t>
+            </a:r>
+            <a:r>
+              <a:rPr lang="zh-TW" altLang="en-US" sz="4400" dirty="0">
+                <a:latin typeface="Times New Roman" panose="02020603050405020304" pitchFamily="18" charset="0"/>
+                <a:cs typeface="Times New Roman" panose="02020603050405020304" pitchFamily="18" charset="0"/>
+              </a:rPr>
+              <a:t>會另外公布考試連結給同學做測驗，</a:t>
+            </a:r>
+            <a:endParaRPr lang="en-US" altLang="zh-TW" sz="4400" dirty="0">
+              <a:latin typeface="Times New Roman" panose="02020603050405020304" pitchFamily="18" charset="0"/>
+              <a:cs typeface="Times New Roman" panose="02020603050405020304" pitchFamily="18" charset="0"/>
+            </a:endParaRPr>
+          </a:p>
+          <a:p>
+            <a:pPr>
+              <a:lnSpc>
+                <a:spcPct val="200000"/>
+              </a:lnSpc>
+            </a:pPr>
+            <a:r>
+              <a:rPr lang="zh-TW" altLang="en-US" sz="4400" dirty="0">
+                <a:latin typeface="Times New Roman" panose="02020603050405020304" pitchFamily="18" charset="0"/>
+                <a:cs typeface="Times New Roman" panose="02020603050405020304" pitchFamily="18" charset="0"/>
+              </a:rPr>
+              <a:t>中間有任何問題請寄信到</a:t>
+            </a:r>
+            <a:endParaRPr lang="en-US" altLang="zh-TW" sz="4400" dirty="0">
+              <a:latin typeface="Times New Roman" panose="02020603050405020304" pitchFamily="18" charset="0"/>
+              <a:cs typeface="Times New Roman" panose="02020603050405020304" pitchFamily="18" charset="0"/>
+            </a:endParaRPr>
+          </a:p>
+          <a:p>
+            <a:pPr>
+              <a:lnSpc>
+                <a:spcPct val="200000"/>
+              </a:lnSpc>
+            </a:pPr>
+            <a:r>
+              <a:rPr lang="en-US" altLang="zh-TW" sz="4400" dirty="0">
+                <a:latin typeface="Times New Roman" panose="02020603050405020304" pitchFamily="18" charset="0"/>
+                <a:cs typeface="Times New Roman" panose="02020603050405020304" pitchFamily="18" charset="0"/>
+                <a:hlinkClick r:id="rId2"/>
+              </a:rPr>
+              <a:t>hayato655169@gmail.com</a:t>
+            </a:r>
+            <a:endParaRPr lang="en-US" altLang="zh-TW" sz="4400" dirty="0">
+              <a:latin typeface="Times New Roman" panose="02020603050405020304" pitchFamily="18" charset="0"/>
+              <a:cs typeface="Times New Roman" panose="02020603050405020304" pitchFamily="18" charset="0"/>
+            </a:endParaRPr>
+          </a:p>
+        </p:txBody>
+      </p:sp>
+    </p:spTree>
+    <p:extLst>
+      <p:ext uri="{BB962C8B-B14F-4D97-AF65-F5344CB8AC3E}">
+        <p14:creationId xmlns:p14="http://schemas.microsoft.com/office/powerpoint/2010/main" val="2274976494"/>
+      </p:ext>
+    </p:extLst>
+  </p:cSld>
+  <p:clrMapOvr>
+    <a:masterClrMapping/>
+  </p:clrMapOvr>
+</p:sld>
+</file>
+
+<file path=ppt/slides/slide2.xml><?xml version="1.0" encoding="utf-8"?>
+<p:sld xmlns:a="http://schemas.openxmlformats.org/drawingml/2006/main" xmlns:r="http://schemas.openxmlformats.org/officeDocument/2006/relationships" xmlns:p="http://schemas.openxmlformats.org/presentationml/2006/main">
+  <p:cSld>
+    <p:spTree>
+      <p:nvGrpSpPr>
+        <p:cNvPr id="1" name=""/>
+        <p:cNvGrpSpPr/>
+        <p:nvPr/>
+      </p:nvGrpSpPr>
+      <p:grpSpPr>
+        <a:xfrm>
+          <a:off x="0" y="0"/>
+          <a:ext cx="0" cy="0"/>
+          <a:chOff x="0" y="0"/>
+          <a:chExt cx="0" cy="0"/>
+        </a:xfrm>
+      </p:grpSpPr>
+      <p:sp>
+        <p:nvSpPr>
+          <p:cNvPr id="6" name="矩形 5">
+            <a:extLst>
+              <a:ext uri="{FF2B5EF4-FFF2-40B4-BE49-F238E27FC236}">
+                <a16:creationId xmlns:a16="http://schemas.microsoft.com/office/drawing/2014/main" id="{5EB9354C-BCD4-4F2F-99DB-3D4B4D186F7F}"/>
+              </a:ext>
+            </a:extLst>
+          </p:cNvPr>
+          <p:cNvSpPr/>
+          <p:nvPr/>
+        </p:nvSpPr>
+        <p:spPr>
+          <a:xfrm>
+            <a:off x="321021" y="777569"/>
+            <a:ext cx="10985700" cy="5302862"/>
+          </a:xfrm>
+          <a:prstGeom prst="rect">
+            <a:avLst/>
+          </a:prstGeom>
+        </p:spPr>
+        <p:txBody>
+          <a:bodyPr wrap="none">
+            <a:spAutoFit/>
+          </a:bodyPr>
+          <a:lstStyle/>
+          <a:p>
+            <a:pPr>
+              <a:lnSpc>
+                <a:spcPct val="200000"/>
+              </a:lnSpc>
+            </a:pPr>
+            <a:r>
+              <a:rPr lang="en-US" altLang="zh-TW" sz="4400" dirty="0">
+                <a:latin typeface="Times New Roman" panose="02020603050405020304" pitchFamily="18" charset="0"/>
+                <a:cs typeface="Times New Roman" panose="02020603050405020304" pitchFamily="18" charset="0"/>
+              </a:rPr>
+              <a:t>1.</a:t>
+            </a:r>
+            <a:r>
+              <a:rPr lang="zh-TW" altLang="en-US" sz="4400">
+                <a:latin typeface="Times New Roman" panose="02020603050405020304" pitchFamily="18" charset="0"/>
+                <a:cs typeface="Times New Roman" panose="02020603050405020304" pitchFamily="18" charset="0"/>
+              </a:rPr>
+              <a:t>請同學們先</a:t>
+            </a:r>
+            <a:r>
+              <a:rPr lang="zh-TW" altLang="en-US" sz="4400" dirty="0">
+                <a:latin typeface="Times New Roman" panose="02020603050405020304" pitchFamily="18" charset="0"/>
+                <a:cs typeface="Times New Roman" panose="02020603050405020304" pitchFamily="18" charset="0"/>
+              </a:rPr>
+              <a:t>申請</a:t>
+            </a:r>
+            <a:r>
+              <a:rPr lang="en-US" altLang="zh-TW" sz="4400" dirty="0" err="1">
+                <a:latin typeface="Times New Roman" panose="02020603050405020304" pitchFamily="18" charset="0"/>
+                <a:cs typeface="Times New Roman" panose="02020603050405020304" pitchFamily="18" charset="0"/>
+              </a:rPr>
+              <a:t>github</a:t>
+            </a:r>
+            <a:r>
+              <a:rPr lang="zh-TW" altLang="en-US" sz="4400" dirty="0">
+                <a:latin typeface="Times New Roman" panose="02020603050405020304" pitchFamily="18" charset="0"/>
+                <a:cs typeface="Times New Roman" panose="02020603050405020304" pitchFamily="18" charset="0"/>
+              </a:rPr>
+              <a:t>帳號</a:t>
+            </a:r>
+            <a:endParaRPr lang="en-US" altLang="zh-TW" sz="4400" dirty="0">
+              <a:latin typeface="Times New Roman" panose="02020603050405020304" pitchFamily="18" charset="0"/>
+              <a:cs typeface="Times New Roman" panose="02020603050405020304" pitchFamily="18" charset="0"/>
+            </a:endParaRPr>
+          </a:p>
+          <a:p>
+            <a:pPr>
+              <a:lnSpc>
+                <a:spcPct val="200000"/>
+              </a:lnSpc>
+            </a:pPr>
+            <a:r>
+              <a:rPr lang="en-US" altLang="zh-TW" sz="4400" dirty="0">
+                <a:latin typeface="Times New Roman" panose="02020603050405020304" pitchFamily="18" charset="0"/>
+                <a:cs typeface="Times New Roman" panose="02020603050405020304" pitchFamily="18" charset="0"/>
+              </a:rPr>
+              <a:t>2.</a:t>
+            </a:r>
+            <a:r>
+              <a:rPr lang="zh-TW" altLang="en-US" sz="4400" dirty="0">
+                <a:latin typeface="Times New Roman" panose="02020603050405020304" pitchFamily="18" charset="0"/>
+                <a:cs typeface="Times New Roman" panose="02020603050405020304" pitchFamily="18" charset="0"/>
+              </a:rPr>
+              <a:t>將</a:t>
+            </a:r>
+            <a:r>
+              <a:rPr lang="en-US" altLang="zh-TW" sz="4400" dirty="0" err="1">
+                <a:latin typeface="Times New Roman" panose="02020603050405020304" pitchFamily="18" charset="0"/>
+                <a:cs typeface="Times New Roman" panose="02020603050405020304" pitchFamily="18" charset="0"/>
+              </a:rPr>
+              <a:t>github</a:t>
+            </a:r>
+            <a:r>
+              <a:rPr lang="zh-TW" altLang="en-US" sz="4400" dirty="0">
+                <a:latin typeface="Times New Roman" panose="02020603050405020304" pitchFamily="18" charset="0"/>
+                <a:cs typeface="Times New Roman" panose="02020603050405020304" pitchFamily="18" charset="0"/>
+              </a:rPr>
+              <a:t>帳號寄到</a:t>
+            </a:r>
+            <a:r>
+              <a:rPr lang="en-US" altLang="zh-TW" sz="4400" dirty="0">
+                <a:latin typeface="Times New Roman" panose="02020603050405020304" pitchFamily="18" charset="0"/>
+                <a:cs typeface="Times New Roman" panose="02020603050405020304" pitchFamily="18" charset="0"/>
+              </a:rPr>
+              <a:t>hayato655169@gmail.com</a:t>
+            </a:r>
+          </a:p>
+          <a:p>
+            <a:pPr>
+              <a:lnSpc>
+                <a:spcPct val="200000"/>
+              </a:lnSpc>
+            </a:pPr>
+            <a:r>
+              <a:rPr lang="en-US" altLang="zh-TW" sz="4400" dirty="0">
+                <a:latin typeface="Times New Roman" panose="02020603050405020304" pitchFamily="18" charset="0"/>
+                <a:cs typeface="Times New Roman" panose="02020603050405020304" pitchFamily="18" charset="0"/>
+              </a:rPr>
+              <a:t>3.</a:t>
+            </a:r>
+            <a:r>
+              <a:rPr lang="zh-TW" altLang="en-US" sz="4400" dirty="0">
+                <a:latin typeface="Times New Roman" panose="02020603050405020304" pitchFamily="18" charset="0"/>
+                <a:cs typeface="Times New Roman" panose="02020603050405020304" pitchFamily="18" charset="0"/>
+              </a:rPr>
+              <a:t>收到回覆信後到下面連結</a:t>
+            </a:r>
+            <a:endParaRPr lang="en-US" altLang="zh-TW" sz="4400" dirty="0">
+              <a:latin typeface="Times New Roman" panose="02020603050405020304" pitchFamily="18" charset="0"/>
+              <a:cs typeface="Times New Roman" panose="02020603050405020304" pitchFamily="18" charset="0"/>
+            </a:endParaRPr>
+          </a:p>
+          <a:p>
+            <a:pPr>
+              <a:lnSpc>
+                <a:spcPct val="200000"/>
+              </a:lnSpc>
+            </a:pPr>
+            <a:r>
+              <a:rPr lang="en-US" altLang="zh-TW" sz="4400" dirty="0">
+                <a:latin typeface="Times New Roman" panose="02020603050405020304" pitchFamily="18" charset="0"/>
+                <a:cs typeface="Times New Roman" panose="02020603050405020304" pitchFamily="18" charset="0"/>
+              </a:rPr>
+              <a:t>https://</a:t>
+            </a:r>
+            <a:r>
+              <a:rPr lang="en-US" altLang="zh-TW" sz="4400" dirty="0" err="1">
+                <a:latin typeface="Times New Roman" panose="02020603050405020304" pitchFamily="18" charset="0"/>
+                <a:cs typeface="Times New Roman" panose="02020603050405020304" pitchFamily="18" charset="0"/>
+              </a:rPr>
+              <a:t>classroom.github.com</a:t>
+            </a:r>
+            <a:r>
+              <a:rPr lang="en-US" altLang="zh-TW" sz="4400" dirty="0">
+                <a:latin typeface="Times New Roman" panose="02020603050405020304" pitchFamily="18" charset="0"/>
+                <a:cs typeface="Times New Roman" panose="02020603050405020304" pitchFamily="18" charset="0"/>
+              </a:rPr>
+              <a:t>/a/</a:t>
+            </a:r>
+            <a:r>
+              <a:rPr lang="en-US" altLang="zh-TW" sz="4400" dirty="0" err="1">
+                <a:latin typeface="Times New Roman" panose="02020603050405020304" pitchFamily="18" charset="0"/>
+                <a:cs typeface="Times New Roman" panose="02020603050405020304" pitchFamily="18" charset="0"/>
+              </a:rPr>
+              <a:t>GiiZAYzr</a:t>
+            </a:r>
+            <a:endParaRPr lang="en-US" altLang="zh-TW" sz="4400" dirty="0">
+              <a:latin typeface="Times New Roman" panose="02020603050405020304" pitchFamily="18" charset="0"/>
+              <a:cs typeface="Times New Roman" panose="02020603050405020304" pitchFamily="18" charset="0"/>
+            </a:endParaRPr>
+          </a:p>
+        </p:txBody>
+      </p:sp>
+    </p:spTree>
+    <p:extLst>
+      <p:ext uri="{BB962C8B-B14F-4D97-AF65-F5344CB8AC3E}">
+        <p14:creationId xmlns:p14="http://schemas.microsoft.com/office/powerpoint/2010/main" val="3936509881"/>
+      </p:ext>
+    </p:extLst>
+  </p:cSld>
+  <p:clrMapOvr>
+    <a:masterClrMapping/>
+  </p:clrMapOvr>
+</p:sld>
+</file>
+
+<file path=ppt/slides/slide3.xml><?xml version="1.0" encoding="utf-8"?>
+<p:sld xmlns:a="http://schemas.openxmlformats.org/drawingml/2006/main" xmlns:r="http://schemas.openxmlformats.org/officeDocument/2006/relationships" xmlns:p="http://schemas.openxmlformats.org/presentationml/2006/main">
+  <p:cSld>
+    <p:spTree>
+      <p:nvGrpSpPr>
+        <p:cNvPr id="1" name=""/>
+        <p:cNvGrpSpPr/>
+        <p:nvPr/>
+      </p:nvGrpSpPr>
+      <p:grpSpPr>
+        <a:xfrm>
+          <a:off x="0" y="0"/>
+          <a:ext cx="0" cy="0"/>
+          <a:chOff x="0" y="0"/>
+          <a:chExt cx="0" cy="0"/>
+        </a:xfrm>
+      </p:grpSpPr>
+      <p:pic>
+        <p:nvPicPr>
+          <p:cNvPr id="5" name="圖片 4">
+            <a:extLst>
+              <a:ext uri="{FF2B5EF4-FFF2-40B4-BE49-F238E27FC236}">
+                <a16:creationId xmlns:a16="http://schemas.microsoft.com/office/drawing/2014/main" id="{A4BCA00D-FF0B-8145-902D-BB134EB84A1D}"/>
+              </a:ext>
+            </a:extLst>
+          </p:cNvPr>
+          <p:cNvPicPr>
+            <a:picLocks noChangeAspect="1"/>
+          </p:cNvPicPr>
+          <p:nvPr/>
+        </p:nvPicPr>
+        <p:blipFill>
+          <a:blip r:embed="rId2">
+            <a:extLst>
+              <a:ext uri="{28A0092B-C50C-407E-A947-70E740481C1C}">
+                <a14:useLocalDpi xmlns:a14="http://schemas.microsoft.com/office/drawing/2010/main" val="0"/>
+              </a:ext>
+            </a:extLst>
+          </a:blip>
+          <a:stretch>
+            <a:fillRect/>
+          </a:stretch>
+        </p:blipFill>
+        <p:spPr>
+          <a:xfrm>
+            <a:off x="1807579" y="0"/>
+            <a:ext cx="8576841" cy="6858000"/>
+          </a:xfrm>
+          <a:prstGeom prst="rect">
+            <a:avLst/>
+          </a:prstGeom>
+        </p:spPr>
+      </p:pic>
+      <p:sp>
+        <p:nvSpPr>
+          <p:cNvPr id="6" name="矩形 5">
+            <a:extLst>
+              <a:ext uri="{FF2B5EF4-FFF2-40B4-BE49-F238E27FC236}">
+                <a16:creationId xmlns:a16="http://schemas.microsoft.com/office/drawing/2014/main" id="{9F4D95FB-33F8-044F-B996-7461066354E3}"/>
+              </a:ext>
+            </a:extLst>
+          </p:cNvPr>
+          <p:cNvSpPr/>
+          <p:nvPr/>
+        </p:nvSpPr>
+        <p:spPr>
+          <a:xfrm>
+            <a:off x="3430872" y="3979802"/>
+            <a:ext cx="1079483" cy="427811"/>
+          </a:xfrm>
+          <a:prstGeom prst="rect">
+            <a:avLst/>
+          </a:prstGeom>
+          <a:noFill/>
+          <a:ln w="38100">
+            <a:solidFill>
+              <a:srgbClr val="FF0000"/>
+            </a:solidFill>
+            <a:prstDash val="sysDash"/>
+          </a:ln>
+        </p:spPr>
+        <p:style>
+          <a:lnRef idx="2">
+            <a:schemeClr val="accent1">
+              <a:shade val="50000"/>
+            </a:schemeClr>
+          </a:lnRef>
+          <a:fillRef idx="1">
+            <a:schemeClr val="accent1"/>
+          </a:fillRef>
+          <a:effectRef idx="0">
+            <a:schemeClr val="accent1"/>
+          </a:effectRef>
+          <a:fontRef idx="minor">
+            <a:schemeClr val="lt1"/>
+          </a:fontRef>
+        </p:style>
+        <p:txBody>
+          <a:bodyPr rtlCol="0" anchor="ctr"/>
+          <a:lstStyle/>
+          <a:p>
+            <a:pPr algn="ctr"/>
+            <a:endParaRPr lang="zh-TW" altLang="en-US"/>
+          </a:p>
+        </p:txBody>
+      </p:sp>
+      <p:cxnSp>
+        <p:nvCxnSpPr>
+          <p:cNvPr id="7" name="直線單箭頭接點 7">
+            <a:extLst>
+              <a:ext uri="{FF2B5EF4-FFF2-40B4-BE49-F238E27FC236}">
+                <a16:creationId xmlns:a16="http://schemas.microsoft.com/office/drawing/2014/main" id="{DB12CA1E-1F88-4F4E-856E-5CD5F7F96EF1}"/>
+              </a:ext>
+            </a:extLst>
+          </p:cNvPr>
+          <p:cNvCxnSpPr>
+            <a:cxnSpLocks/>
+          </p:cNvCxnSpPr>
+          <p:nvPr/>
+        </p:nvCxnSpPr>
+        <p:spPr>
+          <a:xfrm>
+            <a:off x="2665155" y="4199184"/>
+            <a:ext cx="765717" cy="0"/>
+          </a:xfrm>
+          <a:prstGeom prst="straightConnector1">
+            <a:avLst/>
+          </a:prstGeom>
+          <a:ln w="63500">
+            <a:solidFill>
+              <a:srgbClr val="FF0000"/>
+            </a:solidFill>
+            <a:tailEnd type="triangle"/>
+          </a:ln>
+        </p:spPr>
+        <p:style>
+          <a:lnRef idx="1">
+            <a:schemeClr val="accent1"/>
+          </a:lnRef>
+          <a:fillRef idx="0">
+            <a:schemeClr val="accent1"/>
+          </a:fillRef>
+          <a:effectRef idx="0">
+            <a:schemeClr val="accent1"/>
+          </a:effectRef>
+          <a:fontRef idx="minor">
+            <a:schemeClr val="tx1"/>
+          </a:fontRef>
+        </p:style>
+      </p:cxnSp>
+    </p:spTree>
+    <p:extLst>
+      <p:ext uri="{BB962C8B-B14F-4D97-AF65-F5344CB8AC3E}">
+        <p14:creationId xmlns:p14="http://schemas.microsoft.com/office/powerpoint/2010/main" val="232359366"/>
+      </p:ext>
+    </p:extLst>
+  </p:cSld>
+  <p:clrMapOvr>
+    <a:masterClrMapping/>
+  </p:clrMapOvr>
+</p:sld>
+</file>
+
+<file path=ppt/slides/slide4.xml><?xml version="1.0" encoding="utf-8"?>
+<p:sld xmlns:a="http://schemas.openxmlformats.org/drawingml/2006/main" xmlns:r="http://schemas.openxmlformats.org/officeDocument/2006/relationships" xmlns:p="http://schemas.openxmlformats.org/presentationml/2006/main">
+  <p:cSld>
+    <p:spTree>
+      <p:nvGrpSpPr>
+        <p:cNvPr id="1" name=""/>
+        <p:cNvGrpSpPr/>
+        <p:nvPr/>
+      </p:nvGrpSpPr>
+      <p:grpSpPr>
+        <a:xfrm>
+          <a:off x="0" y="0"/>
+          <a:ext cx="0" cy="0"/>
+          <a:chOff x="0" y="0"/>
+          <a:chExt cx="0" cy="0"/>
+        </a:xfrm>
+      </p:grpSpPr>
+      <p:pic>
+        <p:nvPicPr>
+          <p:cNvPr id="3" name="圖片 2">
+            <a:extLst>
+              <a:ext uri="{FF2B5EF4-FFF2-40B4-BE49-F238E27FC236}">
+                <a16:creationId xmlns:a16="http://schemas.microsoft.com/office/drawing/2014/main" id="{71982F73-C34C-2D47-AB75-0F11309F829B}"/>
+              </a:ext>
+            </a:extLst>
+          </p:cNvPr>
+          <p:cNvPicPr>
+            <a:picLocks noChangeAspect="1"/>
+          </p:cNvPicPr>
+          <p:nvPr/>
+        </p:nvPicPr>
+        <p:blipFill>
+          <a:blip r:embed="rId2">
+            <a:extLst>
+              <a:ext uri="{28A0092B-C50C-407E-A947-70E740481C1C}">
+                <a14:useLocalDpi xmlns:a14="http://schemas.microsoft.com/office/drawing/2010/main" val="0"/>
+              </a:ext>
+            </a:extLst>
+          </a:blip>
+          <a:stretch>
+            <a:fillRect/>
+          </a:stretch>
+        </p:blipFill>
+        <p:spPr>
+          <a:xfrm>
+            <a:off x="1686045" y="0"/>
+            <a:ext cx="8819909" cy="6858000"/>
+          </a:xfrm>
+          <a:prstGeom prst="rect">
+            <a:avLst/>
+          </a:prstGeom>
+        </p:spPr>
+      </p:pic>
+      <p:sp>
+        <p:nvSpPr>
+          <p:cNvPr id="6" name="矩形 5">
+            <a:extLst>
+              <a:ext uri="{FF2B5EF4-FFF2-40B4-BE49-F238E27FC236}">
+                <a16:creationId xmlns:a16="http://schemas.microsoft.com/office/drawing/2014/main" id="{0D139BF1-842F-4448-968F-C0C3B168B5B9}"/>
+              </a:ext>
+            </a:extLst>
+          </p:cNvPr>
+          <p:cNvSpPr/>
+          <p:nvPr/>
+        </p:nvSpPr>
+        <p:spPr>
+          <a:xfrm>
+            <a:off x="3276760" y="4421592"/>
+            <a:ext cx="1860319" cy="479858"/>
+          </a:xfrm>
+          <a:prstGeom prst="rect">
+            <a:avLst/>
+          </a:prstGeom>
+          <a:noFill/>
+          <a:ln w="38100">
+            <a:solidFill>
+              <a:srgbClr val="FF0000"/>
+            </a:solidFill>
+            <a:prstDash val="sysDash"/>
+          </a:ln>
+        </p:spPr>
+        <p:style>
+          <a:lnRef idx="2">
+            <a:schemeClr val="accent1">
+              <a:shade val="50000"/>
+            </a:schemeClr>
+          </a:lnRef>
+          <a:fillRef idx="1">
+            <a:schemeClr val="accent1"/>
+          </a:fillRef>
+          <a:effectRef idx="0">
+            <a:schemeClr val="accent1"/>
+          </a:effectRef>
+          <a:fontRef idx="minor">
+            <a:schemeClr val="lt1"/>
+          </a:fontRef>
+        </p:style>
+        <p:txBody>
+          <a:bodyPr rtlCol="0" anchor="ctr"/>
+          <a:lstStyle/>
+          <a:p>
+            <a:pPr algn="ctr"/>
+            <a:endParaRPr lang="zh-TW" altLang="en-US"/>
+          </a:p>
+        </p:txBody>
+      </p:sp>
+      <p:cxnSp>
+        <p:nvCxnSpPr>
+          <p:cNvPr id="8" name="直線單箭頭接點 7">
+            <a:extLst>
+              <a:ext uri="{FF2B5EF4-FFF2-40B4-BE49-F238E27FC236}">
+                <a16:creationId xmlns:a16="http://schemas.microsoft.com/office/drawing/2014/main" id="{3A9827B1-49BA-45F9-98C4-2A947C8A2B63}"/>
+              </a:ext>
+            </a:extLst>
+          </p:cNvPr>
+          <p:cNvCxnSpPr>
+            <a:cxnSpLocks/>
+          </p:cNvCxnSpPr>
+          <p:nvPr/>
+        </p:nvCxnSpPr>
+        <p:spPr>
+          <a:xfrm>
+            <a:off x="2511043" y="4671795"/>
+            <a:ext cx="765717" cy="0"/>
+          </a:xfrm>
+          <a:prstGeom prst="straightConnector1">
+            <a:avLst/>
+          </a:prstGeom>
+          <a:ln w="63500">
+            <a:solidFill>
+              <a:srgbClr val="FF0000"/>
+            </a:solidFill>
+            <a:tailEnd type="triangle"/>
+          </a:ln>
+        </p:spPr>
+        <p:style>
+          <a:lnRef idx="1">
+            <a:schemeClr val="accent1"/>
+          </a:lnRef>
+          <a:fillRef idx="0">
+            <a:schemeClr val="accent1"/>
+          </a:fillRef>
+          <a:effectRef idx="0">
+            <a:schemeClr val="accent1"/>
+          </a:effectRef>
+          <a:fontRef idx="minor">
+            <a:schemeClr val="tx1"/>
+          </a:fontRef>
+        </p:style>
+      </p:cxnSp>
+    </p:spTree>
+    <p:extLst>
+      <p:ext uri="{BB962C8B-B14F-4D97-AF65-F5344CB8AC3E}">
+        <p14:creationId xmlns:p14="http://schemas.microsoft.com/office/powerpoint/2010/main" val="2268541624"/>
+      </p:ext>
+    </p:extLst>
+  </p:cSld>
+  <p:clrMapOvr>
+    <a:masterClrMapping/>
+  </p:clrMapOvr>
+</p:sld>
+</file>
+
+<file path=ppt/slides/slide5.xml><?xml version="1.0" encoding="utf-8"?>
+<p:sld xmlns:a="http://schemas.openxmlformats.org/drawingml/2006/main" xmlns:r="http://schemas.openxmlformats.org/officeDocument/2006/relationships" xmlns:p="http://schemas.openxmlformats.org/presentationml/2006/main">
+  <p:cSld>
+    <p:spTree>
+      <p:nvGrpSpPr>
+        <p:cNvPr id="1" name=""/>
+        <p:cNvGrpSpPr/>
+        <p:nvPr/>
+      </p:nvGrpSpPr>
+      <p:grpSpPr>
+        <a:xfrm>
+          <a:off x="0" y="0"/>
+          <a:ext cx="0" cy="0"/>
+          <a:chOff x="0" y="0"/>
+          <a:chExt cx="0" cy="0"/>
+        </a:xfrm>
+      </p:grpSpPr>
+      <p:pic>
+        <p:nvPicPr>
+          <p:cNvPr id="3" name="圖片 2">
+            <a:extLst>
+              <a:ext uri="{FF2B5EF4-FFF2-40B4-BE49-F238E27FC236}">
+                <a16:creationId xmlns:a16="http://schemas.microsoft.com/office/drawing/2014/main" id="{097CE597-F98D-0E45-84E3-3DDB0E80E26E}"/>
+              </a:ext>
+            </a:extLst>
+          </p:cNvPr>
+          <p:cNvPicPr>
+            <a:picLocks noChangeAspect="1"/>
+          </p:cNvPicPr>
+          <p:nvPr/>
+        </p:nvPicPr>
+        <p:blipFill>
+          <a:blip r:embed="rId2">
+            <a:extLst>
+              <a:ext uri="{28A0092B-C50C-407E-A947-70E740481C1C}">
+                <a14:useLocalDpi xmlns:a14="http://schemas.microsoft.com/office/drawing/2010/main" val="0"/>
+              </a:ext>
+            </a:extLst>
+          </a:blip>
+          <a:stretch>
+            <a:fillRect/>
+          </a:stretch>
+        </p:blipFill>
+        <p:spPr>
+          <a:xfrm>
+            <a:off x="1723916" y="0"/>
+            <a:ext cx="8744167" cy="6858000"/>
+          </a:xfrm>
+          <a:prstGeom prst="rect">
+            <a:avLst/>
+          </a:prstGeom>
+        </p:spPr>
+      </p:pic>
+      <p:sp>
+        <p:nvSpPr>
+          <p:cNvPr id="6" name="矩形 5">
+            <a:extLst>
+              <a:ext uri="{FF2B5EF4-FFF2-40B4-BE49-F238E27FC236}">
+                <a16:creationId xmlns:a16="http://schemas.microsoft.com/office/drawing/2014/main" id="{B8DFE7C5-2DD2-4728-9906-981F6310BD2B}"/>
+              </a:ext>
+            </a:extLst>
+          </p:cNvPr>
+          <p:cNvSpPr/>
+          <p:nvPr/>
+        </p:nvSpPr>
+        <p:spPr>
+          <a:xfrm>
+            <a:off x="1802296" y="3589850"/>
+            <a:ext cx="3725201" cy="331682"/>
+          </a:xfrm>
+          <a:prstGeom prst="rect">
+            <a:avLst/>
+          </a:prstGeom>
+          <a:noFill/>
+          <a:ln w="38100">
+            <a:solidFill>
+              <a:srgbClr val="FF0000"/>
+            </a:solidFill>
+            <a:prstDash val="sysDash"/>
+          </a:ln>
+        </p:spPr>
+        <p:style>
+          <a:lnRef idx="2">
+            <a:schemeClr val="accent1">
+              <a:shade val="50000"/>
+            </a:schemeClr>
+          </a:lnRef>
+          <a:fillRef idx="1">
+            <a:schemeClr val="accent1"/>
+          </a:fillRef>
+          <a:effectRef idx="0">
+            <a:schemeClr val="accent1"/>
+          </a:effectRef>
+          <a:fontRef idx="minor">
+            <a:schemeClr val="lt1"/>
+          </a:fontRef>
+        </p:style>
+        <p:txBody>
+          <a:bodyPr rtlCol="0" anchor="ctr"/>
+          <a:lstStyle/>
+          <a:p>
+            <a:pPr algn="ctr"/>
+            <a:endParaRPr lang="zh-TW" altLang="en-US"/>
+          </a:p>
+        </p:txBody>
+      </p:sp>
+      <p:cxnSp>
+        <p:nvCxnSpPr>
+          <p:cNvPr id="7" name="直線單箭頭接點 6">
+            <a:extLst>
+              <a:ext uri="{FF2B5EF4-FFF2-40B4-BE49-F238E27FC236}">
+                <a16:creationId xmlns:a16="http://schemas.microsoft.com/office/drawing/2014/main" id="{334E1E3E-4E2B-46F9-993D-6D217FE21962}"/>
+              </a:ext>
+            </a:extLst>
+          </p:cNvPr>
+          <p:cNvCxnSpPr>
+            <a:cxnSpLocks/>
+          </p:cNvCxnSpPr>
+          <p:nvPr/>
+        </p:nvCxnSpPr>
+        <p:spPr>
+          <a:xfrm>
+            <a:off x="1036579" y="3778686"/>
+            <a:ext cx="765717" cy="0"/>
+          </a:xfrm>
+          <a:prstGeom prst="straightConnector1">
+            <a:avLst/>
+          </a:prstGeom>
+          <a:ln w="63500">
+            <a:solidFill>
+              <a:srgbClr val="FF0000"/>
+            </a:solidFill>
+            <a:tailEnd type="triangle"/>
+          </a:ln>
+        </p:spPr>
+        <p:style>
+          <a:lnRef idx="1">
+            <a:schemeClr val="accent1"/>
+          </a:lnRef>
+          <a:fillRef idx="0">
+            <a:schemeClr val="accent1"/>
+          </a:fillRef>
+          <a:effectRef idx="0">
+            <a:schemeClr val="accent1"/>
+          </a:effectRef>
+          <a:fontRef idx="minor">
+            <a:schemeClr val="tx1"/>
+          </a:fontRef>
+        </p:style>
+      </p:cxnSp>
+    </p:spTree>
+    <p:extLst>
+      <p:ext uri="{BB962C8B-B14F-4D97-AF65-F5344CB8AC3E}">
+        <p14:creationId xmlns:p14="http://schemas.microsoft.com/office/powerpoint/2010/main" val="2469080273"/>
+      </p:ext>
+    </p:extLst>
+  </p:cSld>
+  <p:clrMapOvr>
+    <a:masterClrMapping/>
+  </p:clrMapOvr>
+</p:sld>
+</file>
+
+<file path=ppt/slides/slide6.xml><?xml version="1.0" encoding="utf-8"?>
+<p:sld xmlns:a="http://schemas.openxmlformats.org/drawingml/2006/main" xmlns:r="http://schemas.openxmlformats.org/officeDocument/2006/relationships" xmlns:p="http://schemas.openxmlformats.org/presentationml/2006/main">
+  <p:cSld>
+    <p:spTree>
+      <p:nvGrpSpPr>
+        <p:cNvPr id="1" name=""/>
+        <p:cNvGrpSpPr/>
+        <p:nvPr/>
+      </p:nvGrpSpPr>
+      <p:grpSpPr>
+        <a:xfrm>
+          <a:off x="0" y="0"/>
+          <a:ext cx="0" cy="0"/>
+          <a:chOff x="0" y="0"/>
+          <a:chExt cx="0" cy="0"/>
+        </a:xfrm>
+      </p:grpSpPr>
+      <p:pic>
+        <p:nvPicPr>
+          <p:cNvPr id="3" name="圖片 2">
+            <a:extLst>
+              <a:ext uri="{FF2B5EF4-FFF2-40B4-BE49-F238E27FC236}">
+                <a16:creationId xmlns:a16="http://schemas.microsoft.com/office/drawing/2014/main" id="{CD5F7291-9379-C647-9F09-0EBBCE9BEAC7}"/>
+              </a:ext>
+            </a:extLst>
+          </p:cNvPr>
+          <p:cNvPicPr>
+            <a:picLocks noChangeAspect="1"/>
+          </p:cNvPicPr>
+          <p:nvPr/>
+        </p:nvPicPr>
+        <p:blipFill>
+          <a:blip r:embed="rId2">
+            <a:extLst>
+              <a:ext uri="{28A0092B-C50C-407E-A947-70E740481C1C}">
+                <a14:useLocalDpi xmlns:a14="http://schemas.microsoft.com/office/drawing/2010/main" val="0"/>
+              </a:ext>
+            </a:extLst>
+          </a:blip>
+          <a:stretch>
+            <a:fillRect/>
+          </a:stretch>
+        </p:blipFill>
+        <p:spPr>
+          <a:xfrm>
+            <a:off x="0" y="0"/>
+            <a:ext cx="12192000" cy="6858000"/>
+          </a:xfrm>
+          <a:prstGeom prst="rect">
+            <a:avLst/>
+          </a:prstGeom>
+        </p:spPr>
+      </p:pic>
+      <p:sp>
+        <p:nvSpPr>
+          <p:cNvPr id="6" name="矩形 5">
+            <a:extLst>
+              <a:ext uri="{FF2B5EF4-FFF2-40B4-BE49-F238E27FC236}">
+                <a16:creationId xmlns:a16="http://schemas.microsoft.com/office/drawing/2014/main" id="{2E9D871C-0D59-416A-81E6-E1AFD98D2774}"/>
+              </a:ext>
+            </a:extLst>
+          </p:cNvPr>
+          <p:cNvSpPr/>
+          <p:nvPr/>
+        </p:nvSpPr>
+        <p:spPr>
+          <a:xfrm>
+            <a:off x="1736333" y="4049060"/>
+            <a:ext cx="1222624" cy="410817"/>
+          </a:xfrm>
+          <a:prstGeom prst="rect">
+            <a:avLst/>
+          </a:prstGeom>
+          <a:noFill/>
+          <a:ln w="38100">
+            <a:solidFill>
+              <a:srgbClr val="FF0000"/>
+            </a:solidFill>
+            <a:prstDash val="sysDash"/>
+          </a:ln>
+        </p:spPr>
+        <p:style>
+          <a:lnRef idx="2">
+            <a:schemeClr val="accent1">
+              <a:shade val="50000"/>
+            </a:schemeClr>
+          </a:lnRef>
+          <a:fillRef idx="1">
+            <a:schemeClr val="accent1"/>
+          </a:fillRef>
+          <a:effectRef idx="0">
+            <a:schemeClr val="accent1"/>
+          </a:effectRef>
+          <a:fontRef idx="minor">
+            <a:schemeClr val="lt1"/>
+          </a:fontRef>
+        </p:style>
+        <p:txBody>
+          <a:bodyPr rtlCol="0" anchor="ctr"/>
+          <a:lstStyle/>
+          <a:p>
+            <a:pPr algn="ctr"/>
+            <a:endParaRPr lang="zh-TW" altLang="en-US"/>
+          </a:p>
+        </p:txBody>
+      </p:sp>
+      <p:cxnSp>
+        <p:nvCxnSpPr>
+          <p:cNvPr id="7" name="直線單箭頭接點 6">
+            <a:extLst>
+              <a:ext uri="{FF2B5EF4-FFF2-40B4-BE49-F238E27FC236}">
+                <a16:creationId xmlns:a16="http://schemas.microsoft.com/office/drawing/2014/main" id="{CCAC8DA4-EB59-4CA0-8E9D-2FCFC96B8C2C}"/>
+              </a:ext>
+            </a:extLst>
+          </p:cNvPr>
+          <p:cNvCxnSpPr>
+            <a:cxnSpLocks/>
+          </p:cNvCxnSpPr>
+          <p:nvPr/>
+        </p:nvCxnSpPr>
+        <p:spPr>
+          <a:xfrm>
+            <a:off x="955724" y="4246831"/>
+            <a:ext cx="765717" cy="0"/>
+          </a:xfrm>
+          <a:prstGeom prst="straightConnector1">
+            <a:avLst/>
+          </a:prstGeom>
+          <a:ln w="63500">
+            <a:solidFill>
+              <a:srgbClr val="FF0000"/>
+            </a:solidFill>
+            <a:tailEnd type="triangle"/>
+          </a:ln>
+        </p:spPr>
+        <p:style>
+          <a:lnRef idx="1">
+            <a:schemeClr val="accent1"/>
+          </a:lnRef>
+          <a:fillRef idx="0">
+            <a:schemeClr val="accent1"/>
+          </a:fillRef>
+          <a:effectRef idx="0">
+            <a:schemeClr val="accent1"/>
+          </a:effectRef>
+          <a:fontRef idx="minor">
+            <a:schemeClr val="tx1"/>
+          </a:fontRef>
+        </p:style>
+      </p:cxnSp>
+    </p:spTree>
+    <p:extLst>
+      <p:ext uri="{BB962C8B-B14F-4D97-AF65-F5344CB8AC3E}">
+        <p14:creationId xmlns:p14="http://schemas.microsoft.com/office/powerpoint/2010/main" val="657796669"/>
+      </p:ext>
+    </p:extLst>
+  </p:cSld>
+  <p:clrMapOvr>
+    <a:masterClrMapping/>
+  </p:clrMapOvr>
+</p:sld>
+</file>
+
+<file path=ppt/slides/slide7.xml><?xml version="1.0" encoding="utf-8"?>
+<p:sld xmlns:a="http://schemas.openxmlformats.org/drawingml/2006/main" xmlns:r="http://schemas.openxmlformats.org/officeDocument/2006/relationships" xmlns:p="http://schemas.openxmlformats.org/presentationml/2006/main">
+  <p:cSld>
+    <p:spTree>
+      <p:nvGrpSpPr>
+        <p:cNvPr id="1" name=""/>
+        <p:cNvGrpSpPr/>
+        <p:nvPr/>
+      </p:nvGrpSpPr>
+      <p:grpSpPr>
+        <a:xfrm>
+          <a:off x="0" y="0"/>
+          <a:ext cx="0" cy="0"/>
+          <a:chOff x="0" y="0"/>
+          <a:chExt cx="0" cy="0"/>
+        </a:xfrm>
+      </p:grpSpPr>
+      <p:pic>
+        <p:nvPicPr>
+          <p:cNvPr id="5" name="圖片 4">
+            <a:extLst>
+              <a:ext uri="{FF2B5EF4-FFF2-40B4-BE49-F238E27FC236}">
+                <a16:creationId xmlns:a16="http://schemas.microsoft.com/office/drawing/2014/main" id="{94D8882B-CFFC-4E91-9366-04F2043F60AC}"/>
+              </a:ext>
+            </a:extLst>
+          </p:cNvPr>
+          <p:cNvPicPr>
+            <a:picLocks noChangeAspect="1"/>
+          </p:cNvPicPr>
+          <p:nvPr/>
+        </p:nvPicPr>
+        <p:blipFill>
+          <a:blip r:embed="rId2">
+            <a:extLst>
+              <a:ext uri="{28A0092B-C50C-407E-A947-70E740481C1C}">
+                <a14:useLocalDpi xmlns:a14="http://schemas.microsoft.com/office/drawing/2010/main" val="0"/>
+              </a:ext>
+            </a:extLst>
+          </a:blip>
+          <a:stretch>
+            <a:fillRect/>
+          </a:stretch>
+        </p:blipFill>
+        <p:spPr>
+          <a:xfrm>
+            <a:off x="0" y="0"/>
+            <a:ext cx="12192000" cy="6857999"/>
+          </a:xfrm>
+          <a:prstGeom prst="rect">
+            <a:avLst/>
+          </a:prstGeom>
+        </p:spPr>
+      </p:pic>
+      <p:sp>
+        <p:nvSpPr>
+          <p:cNvPr id="6" name="文字方塊 5">
+            <a:extLst>
+              <a:ext uri="{FF2B5EF4-FFF2-40B4-BE49-F238E27FC236}">
+                <a16:creationId xmlns:a16="http://schemas.microsoft.com/office/drawing/2014/main" id="{1F70EB18-BA2E-414C-9D5D-3AF1FD5E7E75}"/>
+              </a:ext>
+            </a:extLst>
+          </p:cNvPr>
+          <p:cNvSpPr txBox="1"/>
+          <p:nvPr/>
+        </p:nvSpPr>
+        <p:spPr>
+          <a:xfrm>
+            <a:off x="2310348" y="2351781"/>
+            <a:ext cx="7571303" cy="1077218"/>
+          </a:xfrm>
+          <a:prstGeom prst="rect">
+            <a:avLst/>
+          </a:prstGeom>
+          <a:noFill/>
+        </p:spPr>
+        <p:txBody>
+          <a:bodyPr wrap="none" rtlCol="0">
+            <a:spAutoFit/>
+          </a:bodyPr>
+          <a:lstStyle/>
+          <a:p>
+            <a:r>
+              <a:rPr lang="zh-TW" altLang="en-US" sz="3200" dirty="0">
+                <a:solidFill>
+                  <a:srgbClr val="FF0000"/>
+                </a:solidFill>
+              </a:rPr>
+              <a:t>如果出現這個頁面請按一下網頁重新整理</a:t>
+            </a:r>
+            <a:endParaRPr lang="en-US" altLang="zh-TW" sz="3200" dirty="0">
+              <a:solidFill>
+                <a:srgbClr val="FF0000"/>
+              </a:solidFill>
+            </a:endParaRPr>
+          </a:p>
+          <a:p>
+            <a:r>
+              <a:rPr lang="zh-TW" altLang="en-US" sz="3200" dirty="0">
+                <a:solidFill>
+                  <a:srgbClr val="FF0000"/>
+                </a:solidFill>
+              </a:rPr>
+              <a:t>或者回到上一頁重新再登入一次</a:t>
+            </a:r>
+          </a:p>
+        </p:txBody>
+      </p:sp>
+    </p:spTree>
+    <p:extLst>
+      <p:ext uri="{BB962C8B-B14F-4D97-AF65-F5344CB8AC3E}">
+        <p14:creationId xmlns:p14="http://schemas.microsoft.com/office/powerpoint/2010/main" val="3596642274"/>
+      </p:ext>
+    </p:extLst>
+  </p:cSld>
+  <p:clrMapOvr>
+    <a:masterClrMapping/>
+  </p:clrMapOvr>
+</p:sld>
+</file>
+
+<file path=ppt/slides/slide8.xml><?xml version="1.0" encoding="utf-8"?>
+<p:sld xmlns:a="http://schemas.openxmlformats.org/drawingml/2006/main" xmlns:r="http://schemas.openxmlformats.org/officeDocument/2006/relationships" xmlns:p="http://schemas.openxmlformats.org/presentationml/2006/main">
+  <p:cSld>
+    <p:spTree>
+      <p:nvGrpSpPr>
+        <p:cNvPr id="1" name=""/>
+        <p:cNvGrpSpPr/>
+        <p:nvPr/>
+      </p:nvGrpSpPr>
+      <p:grpSpPr>
+        <a:xfrm>
+          <a:off x="0" y="0"/>
+          <a:ext cx="0" cy="0"/>
+          <a:chOff x="0" y="0"/>
+          <a:chExt cx="0" cy="0"/>
+        </a:xfrm>
+      </p:grpSpPr>
+      <p:pic>
+        <p:nvPicPr>
+          <p:cNvPr id="5" name="圖片 4">
+            <a:extLst>
+              <a:ext uri="{FF2B5EF4-FFF2-40B4-BE49-F238E27FC236}">
+                <a16:creationId xmlns:a16="http://schemas.microsoft.com/office/drawing/2014/main" id="{29954E0D-8D5D-4B1F-8D6A-2DF2AE4E2BD9}"/>
+              </a:ext>
+            </a:extLst>
+          </p:cNvPr>
+          <p:cNvPicPr>
+            <a:picLocks noChangeAspect="1"/>
+          </p:cNvPicPr>
+          <p:nvPr/>
+        </p:nvPicPr>
+        <p:blipFill>
+          <a:blip r:embed="rId2">
+            <a:extLst>
+              <a:ext uri="{28A0092B-C50C-407E-A947-70E740481C1C}">
+                <a14:useLocalDpi xmlns:a14="http://schemas.microsoft.com/office/drawing/2010/main" val="0"/>
+              </a:ext>
+            </a:extLst>
+          </a:blip>
+          <a:stretch>
+            <a:fillRect/>
+          </a:stretch>
+        </p:blipFill>
+        <p:spPr>
+          <a:xfrm>
+            <a:off x="0" y="0"/>
+            <a:ext cx="12192000" cy="6857999"/>
+          </a:xfrm>
+          <a:prstGeom prst="rect">
+            <a:avLst/>
+          </a:prstGeom>
+        </p:spPr>
+      </p:pic>
+      <p:sp>
+        <p:nvSpPr>
+          <p:cNvPr id="6" name="矩形 5">
+            <a:extLst>
+              <a:ext uri="{FF2B5EF4-FFF2-40B4-BE49-F238E27FC236}">
+                <a16:creationId xmlns:a16="http://schemas.microsoft.com/office/drawing/2014/main" id="{0CA20382-CD02-48F5-AE5B-261BCB0C541B}"/>
+              </a:ext>
+            </a:extLst>
+          </p:cNvPr>
+          <p:cNvSpPr/>
+          <p:nvPr/>
+        </p:nvSpPr>
+        <p:spPr>
+          <a:xfrm>
+            <a:off x="1179443" y="437322"/>
+            <a:ext cx="304800" cy="371061"/>
+          </a:xfrm>
+          <a:prstGeom prst="rect">
+            <a:avLst/>
+          </a:prstGeom>
+          <a:noFill/>
+          <a:ln w="38100">
+            <a:solidFill>
+              <a:srgbClr val="FF0000"/>
+            </a:solidFill>
+            <a:prstDash val="sysDash"/>
+          </a:ln>
+        </p:spPr>
+        <p:style>
+          <a:lnRef idx="2">
+            <a:schemeClr val="accent1">
+              <a:shade val="50000"/>
+            </a:schemeClr>
+          </a:lnRef>
+          <a:fillRef idx="1">
+            <a:schemeClr val="accent1"/>
+          </a:fillRef>
+          <a:effectRef idx="0">
+            <a:schemeClr val="accent1"/>
+          </a:effectRef>
+          <a:fontRef idx="minor">
+            <a:schemeClr val="lt1"/>
+          </a:fontRef>
+        </p:style>
+        <p:txBody>
+          <a:bodyPr rtlCol="0" anchor="ctr"/>
+          <a:lstStyle/>
+          <a:p>
+            <a:pPr algn="ctr"/>
+            <a:endParaRPr lang="zh-TW" altLang="en-US"/>
+          </a:p>
+        </p:txBody>
+      </p:sp>
+      <p:sp>
+        <p:nvSpPr>
+          <p:cNvPr id="7" name="文字方塊 6">
+            <a:extLst>
+              <a:ext uri="{FF2B5EF4-FFF2-40B4-BE49-F238E27FC236}">
+                <a16:creationId xmlns:a16="http://schemas.microsoft.com/office/drawing/2014/main" id="{A60371BA-3E01-6947-985D-71258E5FCA94}"/>
+              </a:ext>
+            </a:extLst>
+          </p:cNvPr>
+          <p:cNvSpPr txBox="1"/>
+          <p:nvPr/>
+        </p:nvSpPr>
+        <p:spPr>
+          <a:xfrm>
+            <a:off x="1179443" y="808383"/>
+            <a:ext cx="2236510" cy="584775"/>
+          </a:xfrm>
+          <a:prstGeom prst="rect">
+            <a:avLst/>
+          </a:prstGeom>
+          <a:noFill/>
+        </p:spPr>
+        <p:txBody>
+          <a:bodyPr wrap="none" rtlCol="0">
+            <a:spAutoFit/>
+          </a:bodyPr>
+          <a:lstStyle/>
+          <a:p>
+            <a:r>
+              <a:rPr lang="zh-TW" altLang="en-US" sz="3200" dirty="0">
+                <a:solidFill>
+                  <a:srgbClr val="FF0000"/>
+                </a:solidFill>
+              </a:rPr>
+              <a:t>新增程式檔</a:t>
+            </a:r>
+          </a:p>
+        </p:txBody>
+      </p:sp>
+    </p:spTree>
+    <p:extLst>
+      <p:ext uri="{BB962C8B-B14F-4D97-AF65-F5344CB8AC3E}">
+        <p14:creationId xmlns:p14="http://schemas.microsoft.com/office/powerpoint/2010/main" val="288966535"/>
+      </p:ext>
+    </p:extLst>
+  </p:cSld>
+  <p:clrMapOvr>
+    <a:masterClrMapping/>
+  </p:clrMapOvr>
+</p:sld>
+</file>
+
+<file path=ppt/slides/slide9.xml><?xml version="1.0" encoding="utf-8"?>
+<p:sld xmlns:a="http://schemas.openxmlformats.org/drawingml/2006/main" xmlns:r="http://schemas.openxmlformats.org/officeDocument/2006/relationships" xmlns:p="http://schemas.openxmlformats.org/presentationml/2006/main">
+  <p:cSld>
+    <p:spTree>
+      <p:nvGrpSpPr>
+        <p:cNvPr id="1" name=""/>
+        <p:cNvGrpSpPr/>
+        <p:nvPr/>
+      </p:nvGrpSpPr>
+      <p:grpSpPr>
+        <a:xfrm>
+          <a:off x="0" y="0"/>
+          <a:ext cx="0" cy="0"/>
+          <a:chOff x="0" y="0"/>
+          <a:chExt cx="0" cy="0"/>
+        </a:xfrm>
+      </p:grpSpPr>
+      <p:pic>
+        <p:nvPicPr>
+          <p:cNvPr id="12" name="圖片 11">
+            <a:extLst>
+              <a:ext uri="{FF2B5EF4-FFF2-40B4-BE49-F238E27FC236}">
+                <a16:creationId xmlns:a16="http://schemas.microsoft.com/office/drawing/2014/main" id="{F82D7743-10A7-4842-80B6-E3CDC186BE24}"/>
+              </a:ext>
+            </a:extLst>
+          </p:cNvPr>
+          <p:cNvPicPr>
+            <a:picLocks noChangeAspect="1"/>
+          </p:cNvPicPr>
+          <p:nvPr/>
+        </p:nvPicPr>
+        <p:blipFill>
+          <a:blip r:embed="rId2">
+            <a:extLst>
+              <a:ext uri="{28A0092B-C50C-407E-A947-70E740481C1C}">
+                <a14:useLocalDpi xmlns:a14="http://schemas.microsoft.com/office/drawing/2010/main" val="0"/>
+              </a:ext>
+            </a:extLst>
+          </a:blip>
+          <a:stretch>
+            <a:fillRect/>
+          </a:stretch>
+        </p:blipFill>
+        <p:spPr>
+          <a:xfrm>
+            <a:off x="-3693" y="0"/>
+            <a:ext cx="12195693" cy="6858000"/>
+          </a:xfrm>
+          <a:prstGeom prst="rect">
+            <a:avLst/>
+          </a:prstGeom>
+        </p:spPr>
+      </p:pic>
+      <p:sp>
+        <p:nvSpPr>
+          <p:cNvPr id="8" name="矩形 7">
+            <a:extLst>
+              <a:ext uri="{FF2B5EF4-FFF2-40B4-BE49-F238E27FC236}">
+                <a16:creationId xmlns:a16="http://schemas.microsoft.com/office/drawing/2014/main" id="{EA9DC28B-BDC8-47BE-AAB7-F35B93907386}"/>
+              </a:ext>
+            </a:extLst>
+          </p:cNvPr>
+          <p:cNvSpPr/>
+          <p:nvPr/>
+        </p:nvSpPr>
+        <p:spPr>
+          <a:xfrm>
+            <a:off x="251790" y="2319131"/>
+            <a:ext cx="1895061" cy="371061"/>
+          </a:xfrm>
+          <a:prstGeom prst="rect">
+            <a:avLst/>
+          </a:prstGeom>
+          <a:noFill/>
+          <a:ln w="38100">
+            <a:solidFill>
+              <a:srgbClr val="FF0000"/>
+            </a:solidFill>
+            <a:prstDash val="sysDash"/>
+          </a:ln>
+        </p:spPr>
+        <p:style>
+          <a:lnRef idx="2">
+            <a:schemeClr val="accent1">
+              <a:shade val="50000"/>
+            </a:schemeClr>
+          </a:lnRef>
+          <a:fillRef idx="1">
+            <a:schemeClr val="accent1"/>
+          </a:fillRef>
+          <a:effectRef idx="0">
+            <a:schemeClr val="accent1"/>
+          </a:effectRef>
+          <a:fontRef idx="minor">
+            <a:schemeClr val="lt1"/>
+          </a:fontRef>
+        </p:style>
+        <p:txBody>
+          <a:bodyPr rtlCol="0" anchor="ctr"/>
+          <a:lstStyle/>
+          <a:p>
+            <a:pPr algn="ctr"/>
+            <a:endParaRPr lang="zh-TW" altLang="en-US"/>
+          </a:p>
+        </p:txBody>
+      </p:sp>
+      <p:sp>
+        <p:nvSpPr>
+          <p:cNvPr id="9" name="文字方塊 8">
+            <a:extLst>
+              <a:ext uri="{FF2B5EF4-FFF2-40B4-BE49-F238E27FC236}">
+                <a16:creationId xmlns:a16="http://schemas.microsoft.com/office/drawing/2014/main" id="{F1B3BDD2-938B-4E7D-A544-4E16DC308B46}"/>
+              </a:ext>
+            </a:extLst>
+          </p:cNvPr>
+          <p:cNvSpPr txBox="1"/>
+          <p:nvPr/>
+        </p:nvSpPr>
+        <p:spPr>
+          <a:xfrm>
+            <a:off x="251788" y="2844224"/>
+            <a:ext cx="6930889" cy="2062103"/>
+          </a:xfrm>
+          <a:prstGeom prst="rect">
+            <a:avLst/>
+          </a:prstGeom>
+          <a:noFill/>
+        </p:spPr>
+        <p:txBody>
+          <a:bodyPr wrap="square" rtlCol="0">
+            <a:spAutoFit/>
+          </a:bodyPr>
+          <a:lstStyle/>
+          <a:p>
+            <a:r>
+              <a:rPr lang="zh-TW" altLang="en-US" sz="3200" dirty="0">
+                <a:solidFill>
+                  <a:srgbClr val="FF0000"/>
+                </a:solidFill>
+                <a:latin typeface="Times New Roman" panose="02020603050405020304" pitchFamily="18" charset="0"/>
+                <a:cs typeface="Times New Roman" panose="02020603050405020304" pitchFamily="18" charset="0"/>
+              </a:rPr>
+              <a:t>根據你回答哪個問題輸入</a:t>
+            </a:r>
+            <a:r>
+              <a:rPr lang="en-US" altLang="zh-TW" sz="3200" dirty="0">
+                <a:solidFill>
+                  <a:srgbClr val="FF0000"/>
+                </a:solidFill>
+                <a:latin typeface="Times New Roman" panose="02020603050405020304" pitchFamily="18" charset="0"/>
+                <a:cs typeface="Times New Roman" panose="02020603050405020304" pitchFamily="18" charset="0"/>
+              </a:rPr>
+              <a:t>”</a:t>
+            </a:r>
+            <a:r>
+              <a:rPr lang="en-US" altLang="zh-TW" sz="3200" dirty="0" err="1">
+                <a:solidFill>
+                  <a:srgbClr val="FF0000"/>
+                </a:solidFill>
+                <a:latin typeface="Times New Roman" panose="02020603050405020304" pitchFamily="18" charset="0"/>
+                <a:cs typeface="Times New Roman" panose="02020603050405020304" pitchFamily="18" charset="0"/>
+              </a:rPr>
+              <a:t>ans</a:t>
+            </a:r>
+            <a:r>
+              <a:rPr lang="zh-TW" altLang="en-US" sz="3200" dirty="0">
+                <a:solidFill>
+                  <a:srgbClr val="FF0000"/>
+                </a:solidFill>
+                <a:latin typeface="Times New Roman" panose="02020603050405020304" pitchFamily="18" charset="0"/>
+                <a:cs typeface="Times New Roman" panose="02020603050405020304" pitchFamily="18" charset="0"/>
+              </a:rPr>
+              <a:t>題號</a:t>
+            </a:r>
+            <a:r>
+              <a:rPr lang="en-US" altLang="zh-TW" sz="3200" dirty="0">
+                <a:solidFill>
+                  <a:srgbClr val="FF0000"/>
+                </a:solidFill>
+                <a:latin typeface="Times New Roman" panose="02020603050405020304" pitchFamily="18" charset="0"/>
+                <a:cs typeface="Times New Roman" panose="02020603050405020304" pitchFamily="18" charset="0"/>
+              </a:rPr>
+              <a:t>.</a:t>
+            </a:r>
+            <a:r>
+              <a:rPr lang="en-US" altLang="zh-TW" sz="3200" dirty="0" err="1">
+                <a:solidFill>
+                  <a:srgbClr val="FF0000"/>
+                </a:solidFill>
+                <a:latin typeface="Times New Roman" panose="02020603050405020304" pitchFamily="18" charset="0"/>
+                <a:cs typeface="Times New Roman" panose="02020603050405020304" pitchFamily="18" charset="0"/>
+              </a:rPr>
+              <a:t>py</a:t>
+            </a:r>
+            <a:r>
+              <a:rPr lang="en-US" altLang="zh-TW" sz="3200" dirty="0">
+                <a:solidFill>
+                  <a:srgbClr val="FF0000"/>
+                </a:solidFill>
+                <a:latin typeface="Times New Roman" panose="02020603050405020304" pitchFamily="18" charset="0"/>
+                <a:cs typeface="Times New Roman" panose="02020603050405020304" pitchFamily="18" charset="0"/>
+              </a:rPr>
+              <a:t>”</a:t>
+            </a:r>
+          </a:p>
+          <a:p>
+            <a:r>
+              <a:rPr lang="zh-TW" altLang="en-US" sz="3200" dirty="0">
+                <a:solidFill>
+                  <a:srgbClr val="FF0000"/>
+                </a:solidFill>
+                <a:latin typeface="Times New Roman" panose="02020603050405020304" pitchFamily="18" charset="0"/>
+                <a:cs typeface="Times New Roman" panose="02020603050405020304" pitchFamily="18" charset="0"/>
+              </a:rPr>
+              <a:t>例如</a:t>
+            </a:r>
+            <a:r>
+              <a:rPr lang="en-US" altLang="zh-TW" sz="3200" dirty="0">
+                <a:solidFill>
+                  <a:srgbClr val="FF0000"/>
+                </a:solidFill>
+                <a:latin typeface="Times New Roman" panose="02020603050405020304" pitchFamily="18" charset="0"/>
+                <a:cs typeface="Times New Roman" panose="02020603050405020304" pitchFamily="18" charset="0"/>
+              </a:rPr>
+              <a:t>: ans1.py, ans2.py, ans3.py</a:t>
+            </a:r>
+          </a:p>
+          <a:p>
+            <a:endParaRPr lang="en-US" altLang="zh-TW" sz="3200" dirty="0">
+              <a:solidFill>
+                <a:srgbClr val="FF0000"/>
+              </a:solidFill>
+              <a:latin typeface="Times New Roman" panose="02020603050405020304" pitchFamily="18" charset="0"/>
+              <a:cs typeface="Times New Roman" panose="02020603050405020304" pitchFamily="18" charset="0"/>
+            </a:endParaRPr>
+          </a:p>
+          <a:p>
+            <a:r>
+              <a:rPr lang="zh-TW" altLang="en-US" sz="3200" b="1" dirty="0">
+                <a:solidFill>
+                  <a:srgbClr val="FF0000"/>
+                </a:solidFill>
+                <a:latin typeface="Times New Roman" panose="02020603050405020304" pitchFamily="18" charset="0"/>
+                <a:cs typeface="Times New Roman" panose="02020603050405020304" pitchFamily="18" charset="0"/>
+              </a:rPr>
+              <a:t>切記</a:t>
+            </a:r>
+            <a:r>
+              <a:rPr lang="en-US" altLang="zh-TW" sz="3200" b="1" dirty="0">
+                <a:solidFill>
+                  <a:srgbClr val="FF0000"/>
+                </a:solidFill>
+                <a:latin typeface="Times New Roman" panose="02020603050405020304" pitchFamily="18" charset="0"/>
+                <a:cs typeface="Times New Roman" panose="02020603050405020304" pitchFamily="18" charset="0"/>
+              </a:rPr>
+              <a:t>:</a:t>
+            </a:r>
+            <a:r>
+              <a:rPr lang="zh-TW" altLang="en-US" sz="3200" b="1" dirty="0">
+                <a:solidFill>
+                  <a:srgbClr val="FF0000"/>
+                </a:solidFill>
+                <a:latin typeface="Times New Roman" panose="02020603050405020304" pitchFamily="18" charset="0"/>
+                <a:cs typeface="Times New Roman" panose="02020603050405020304" pitchFamily="18" charset="0"/>
+              </a:rPr>
+              <a:t>附檔名一定要是</a:t>
+            </a:r>
+            <a:r>
+              <a:rPr lang="en-US" altLang="zh-TW" sz="3200" b="1" dirty="0" err="1">
+                <a:solidFill>
+                  <a:srgbClr val="FF0000"/>
+                </a:solidFill>
+                <a:latin typeface="Times New Roman" panose="02020603050405020304" pitchFamily="18" charset="0"/>
+                <a:cs typeface="Times New Roman" panose="02020603050405020304" pitchFamily="18" charset="0"/>
+              </a:rPr>
+              <a:t>py</a:t>
+            </a:r>
+            <a:endParaRPr lang="zh-TW" altLang="en-US" sz="3200" b="1" dirty="0">
+              <a:solidFill>
+                <a:srgbClr val="FF0000"/>
+              </a:solidFill>
+              <a:latin typeface="Times New Roman" panose="02020603050405020304" pitchFamily="18" charset="0"/>
+              <a:cs typeface="Times New Roman" panose="02020603050405020304" pitchFamily="18" charset="0"/>
+            </a:endParaRPr>
+          </a:p>
+        </p:txBody>
+      </p:sp>
+    </p:spTree>
+    <p:extLst>
+      <p:ext uri="{BB962C8B-B14F-4D97-AF65-F5344CB8AC3E}">
+        <p14:creationId xmlns:p14="http://schemas.microsoft.com/office/powerpoint/2010/main" val="3043335378"/>
+      </p:ext>
+    </p:extLst>
+  </p:cSld>
+  <p:clrMapOvr>
+    <a:masterClrMapping/>
+  </p:clrMapOvr>
+</p:sld>
+</file>
+
 <file path=ppt/theme/theme1.xml><?xml version="1.0" encoding="utf-8"?>
 <a:theme xmlns:a="http://schemas.openxmlformats.org/drawingml/2006/main" name="Office 佈景主題">
   <a:themeElements>

--- a/Python/Midterm/GithubClassroom.pptx
+++ b/Python/Midterm/GithubClassroom.pptx
@@ -1030,6 +1030,30 @@
       </pc:sldChg>
     </pc:docChg>
   </pc:docChgLst>
+  <pc:docChgLst>
+    <pc:chgData name="延齡 楊" userId="3b99287881d56c4f" providerId="LiveId" clId="{6BA19A37-F39C-AA49-A61E-F3589CFC4BCD}"/>
+    <pc:docChg chg="modSld">
+      <pc:chgData name="延齡 楊" userId="3b99287881d56c4f" providerId="LiveId" clId="{6BA19A37-F39C-AA49-A61E-F3589CFC4BCD}" dt="2020-07-13T01:34:04.690" v="4" actId="255"/>
+      <pc:docMkLst>
+        <pc:docMk/>
+      </pc:docMkLst>
+      <pc:sldChg chg="modSp mod">
+        <pc:chgData name="延齡 楊" userId="3b99287881d56c4f" providerId="LiveId" clId="{6BA19A37-F39C-AA49-A61E-F3589CFC4BCD}" dt="2020-07-13T01:34:04.690" v="4" actId="255"/>
+        <pc:sldMkLst>
+          <pc:docMk/>
+          <pc:sldMk cId="3936509881" sldId="268"/>
+        </pc:sldMkLst>
+        <pc:spChg chg="mod">
+          <ac:chgData name="延齡 楊" userId="3b99287881d56c4f" providerId="LiveId" clId="{6BA19A37-F39C-AA49-A61E-F3589CFC4BCD}" dt="2020-07-13T01:34:04.690" v="4" actId="255"/>
+          <ac:spMkLst>
+            <pc:docMk/>
+            <pc:sldMk cId="3936509881" sldId="268"/>
+            <ac:spMk id="6" creationId="{5EB9354C-BCD4-4F2F-99DB-3D4B4D186F7F}"/>
+          </ac:spMkLst>
+        </pc:spChg>
+      </pc:sldChg>
+    </pc:docChg>
+  </pc:docChgLst>
 </pc:chgInfo>
 </file>
 
@@ -1180,7 +1204,7 @@
           <a:p>
             <a:fld id="{2EB3A1AA-F8F2-4B24-8ED6-30B3690FCF04}" type="datetimeFigureOut">
               <a:rPr lang="zh-TW" altLang="en-US" smtClean="0"/>
-              <a:t>2020/7/12</a:t>
+              <a:t>2020/7/13</a:t>
             </a:fld>
             <a:endParaRPr lang="zh-TW" altLang="en-US"/>
           </a:p>
@@ -1378,7 +1402,7 @@
           <a:p>
             <a:fld id="{2EB3A1AA-F8F2-4B24-8ED6-30B3690FCF04}" type="datetimeFigureOut">
               <a:rPr lang="zh-TW" altLang="en-US" smtClean="0"/>
-              <a:t>2020/7/12</a:t>
+              <a:t>2020/7/13</a:t>
             </a:fld>
             <a:endParaRPr lang="zh-TW" altLang="en-US"/>
           </a:p>
@@ -1586,7 +1610,7 @@
           <a:p>
             <a:fld id="{2EB3A1AA-F8F2-4B24-8ED6-30B3690FCF04}" type="datetimeFigureOut">
               <a:rPr lang="zh-TW" altLang="en-US" smtClean="0"/>
-              <a:t>2020/7/12</a:t>
+              <a:t>2020/7/13</a:t>
             </a:fld>
             <a:endParaRPr lang="zh-TW" altLang="en-US"/>
           </a:p>
@@ -1784,7 +1808,7 @@
           <a:p>
             <a:fld id="{2EB3A1AA-F8F2-4B24-8ED6-30B3690FCF04}" type="datetimeFigureOut">
               <a:rPr lang="zh-TW" altLang="en-US" smtClean="0"/>
-              <a:t>2020/7/12</a:t>
+              <a:t>2020/7/13</a:t>
             </a:fld>
             <a:endParaRPr lang="zh-TW" altLang="en-US"/>
           </a:p>
@@ -2059,7 +2083,7 @@
           <a:p>
             <a:fld id="{2EB3A1AA-F8F2-4B24-8ED6-30B3690FCF04}" type="datetimeFigureOut">
               <a:rPr lang="zh-TW" altLang="en-US" smtClean="0"/>
-              <a:t>2020/7/12</a:t>
+              <a:t>2020/7/13</a:t>
             </a:fld>
             <a:endParaRPr lang="zh-TW" altLang="en-US"/>
           </a:p>
@@ -2324,7 +2348,7 @@
           <a:p>
             <a:fld id="{2EB3A1AA-F8F2-4B24-8ED6-30B3690FCF04}" type="datetimeFigureOut">
               <a:rPr lang="zh-TW" altLang="en-US" smtClean="0"/>
-              <a:t>2020/7/12</a:t>
+              <a:t>2020/7/13</a:t>
             </a:fld>
             <a:endParaRPr lang="zh-TW" altLang="en-US"/>
           </a:p>
@@ -2736,7 +2760,7 @@
           <a:p>
             <a:fld id="{2EB3A1AA-F8F2-4B24-8ED6-30B3690FCF04}" type="datetimeFigureOut">
               <a:rPr lang="zh-TW" altLang="en-US" smtClean="0"/>
-              <a:t>2020/7/12</a:t>
+              <a:t>2020/7/13</a:t>
             </a:fld>
             <a:endParaRPr lang="zh-TW" altLang="en-US"/>
           </a:p>
@@ -2877,7 +2901,7 @@
           <a:p>
             <a:fld id="{2EB3A1AA-F8F2-4B24-8ED6-30B3690FCF04}" type="datetimeFigureOut">
               <a:rPr lang="zh-TW" altLang="en-US" smtClean="0"/>
-              <a:t>2020/7/12</a:t>
+              <a:t>2020/7/13</a:t>
             </a:fld>
             <a:endParaRPr lang="zh-TW" altLang="en-US"/>
           </a:p>
@@ -2990,7 +3014,7 @@
           <a:p>
             <a:fld id="{2EB3A1AA-F8F2-4B24-8ED6-30B3690FCF04}" type="datetimeFigureOut">
               <a:rPr lang="zh-TW" altLang="en-US" smtClean="0"/>
-              <a:t>2020/7/12</a:t>
+              <a:t>2020/7/13</a:t>
             </a:fld>
             <a:endParaRPr lang="zh-TW" altLang="en-US"/>
           </a:p>
@@ -3301,7 +3325,7 @@
           <a:p>
             <a:fld id="{2EB3A1AA-F8F2-4B24-8ED6-30B3690FCF04}" type="datetimeFigureOut">
               <a:rPr lang="zh-TW" altLang="en-US" smtClean="0"/>
-              <a:t>2020/7/12</a:t>
+              <a:t>2020/7/13</a:t>
             </a:fld>
             <a:endParaRPr lang="zh-TW" altLang="en-US"/>
           </a:p>
@@ -3589,7 +3613,7 @@
           <a:p>
             <a:fld id="{2EB3A1AA-F8F2-4B24-8ED6-30B3690FCF04}" type="datetimeFigureOut">
               <a:rPr lang="zh-TW" altLang="en-US" smtClean="0"/>
-              <a:t>2020/7/12</a:t>
+              <a:t>2020/7/13</a:t>
             </a:fld>
             <a:endParaRPr lang="zh-TW" altLang="en-US"/>
           </a:p>
@@ -3830,7 +3854,7 @@
           <a:p>
             <a:fld id="{2EB3A1AA-F8F2-4B24-8ED6-30B3690FCF04}" type="datetimeFigureOut">
               <a:rPr lang="zh-TW" altLang="en-US" smtClean="0"/>
-              <a:t>2020/7/12</a:t>
+              <a:t>2020/7/13</a:t>
             </a:fld>
             <a:endParaRPr lang="zh-TW" altLang="en-US"/>
           </a:p>
@@ -6583,18 +6607,11 @@
               <a:t>1.</a:t>
             </a:r>
             <a:r>
-              <a:rPr lang="zh-TW" altLang="en-US" sz="4400">
-                <a:latin typeface="Times New Roman" panose="02020603050405020304" pitchFamily="18" charset="0"/>
-                <a:cs typeface="Times New Roman" panose="02020603050405020304" pitchFamily="18" charset="0"/>
-              </a:rPr>
-              <a:t>請同學們先</a:t>
-            </a:r>
-            <a:r>
               <a:rPr lang="zh-TW" altLang="en-US" sz="4400" dirty="0">
                 <a:latin typeface="Times New Roman" panose="02020603050405020304" pitchFamily="18" charset="0"/>
                 <a:cs typeface="Times New Roman" panose="02020603050405020304" pitchFamily="18" charset="0"/>
               </a:rPr>
-              <a:t>申請</a:t>
+              <a:t>請同學們先申請</a:t>
             </a:r>
             <a:r>
               <a:rPr lang="en-US" altLang="zh-TW" sz="4400" dirty="0" err="1">
@@ -6689,32 +6706,12 @@
               </a:lnSpc>
             </a:pPr>
             <a:r>
-              <a:rPr lang="en-US" altLang="zh-TW" sz="4400" dirty="0">
+              <a:rPr lang="en" altLang="zh-TW" sz="4400" u="sng" dirty="0">
                 <a:latin typeface="Times New Roman" panose="02020603050405020304" pitchFamily="18" charset="0"/>
                 <a:cs typeface="Times New Roman" panose="02020603050405020304" pitchFamily="18" charset="0"/>
+                <a:hlinkClick r:id="rId2"/>
               </a:rPr>
-              <a:t>https://</a:t>
-            </a:r>
-            <a:r>
-              <a:rPr lang="en-US" altLang="zh-TW" sz="4400" dirty="0" err="1">
-                <a:latin typeface="Times New Roman" panose="02020603050405020304" pitchFamily="18" charset="0"/>
-                <a:cs typeface="Times New Roman" panose="02020603050405020304" pitchFamily="18" charset="0"/>
-              </a:rPr>
-              <a:t>classroom.github.com</a:t>
-            </a:r>
-            <a:r>
-              <a:rPr lang="en-US" altLang="zh-TW" sz="4400" dirty="0">
-                <a:latin typeface="Times New Roman" panose="02020603050405020304" pitchFamily="18" charset="0"/>
-                <a:cs typeface="Times New Roman" panose="02020603050405020304" pitchFamily="18" charset="0"/>
-              </a:rPr>
-              <a:t>/a/</a:t>
-            </a:r>
-            <a:r>
-              <a:rPr lang="en-US" altLang="zh-TW" sz="4400" dirty="0" err="1">
-                <a:latin typeface="Times New Roman" panose="02020603050405020304" pitchFamily="18" charset="0"/>
-                <a:cs typeface="Times New Roman" panose="02020603050405020304" pitchFamily="18" charset="0"/>
-              </a:rPr>
-              <a:t>GiiZAYzr</a:t>
+              <a:t>https://classroom.github.com/a/LW1RU59F</a:t>
             </a:r>
             <a:endParaRPr lang="en-US" altLang="zh-TW" sz="4400" dirty="0">
               <a:latin typeface="Times New Roman" panose="02020603050405020304" pitchFamily="18" charset="0"/>
